--- a/talks/src/class00.pptx
+++ b/talks/src/class00.pptx
@@ -6,10 +6,10 @@
     <p:sldMasterId id="2147483660" r:id="rId2"/>
   </p:sldMasterIdLst>
   <p:notesMasterIdLst>
-    <p:notesMasterId r:id="rId43"/>
+    <p:notesMasterId r:id="rId44"/>
   </p:notesMasterIdLst>
   <p:handoutMasterIdLst>
-    <p:handoutMasterId r:id="rId44"/>
+    <p:handoutMasterId r:id="rId45"/>
   </p:handoutMasterIdLst>
   <p:sldIdLst>
     <p:sldId id="280" r:id="rId3"/>
@@ -19,7 +19,7 @@
     <p:sldId id="262" r:id="rId7"/>
     <p:sldId id="260" r:id="rId8"/>
     <p:sldId id="265" r:id="rId9"/>
-    <p:sldId id="266" r:id="rId10"/>
+    <p:sldId id="306" r:id="rId10"/>
     <p:sldId id="304" r:id="rId11"/>
     <p:sldId id="267" r:id="rId12"/>
     <p:sldId id="269" r:id="rId13"/>
@@ -34,24 +34,25 @@
     <p:sldId id="283" r:id="rId22"/>
     <p:sldId id="282" r:id="rId23"/>
     <p:sldId id="301" r:id="rId24"/>
-    <p:sldId id="302" r:id="rId25"/>
-    <p:sldId id="259" r:id="rId26"/>
-    <p:sldId id="270" r:id="rId27"/>
-    <p:sldId id="275" r:id="rId28"/>
-    <p:sldId id="274" r:id="rId29"/>
-    <p:sldId id="273" r:id="rId30"/>
-    <p:sldId id="286" r:id="rId31"/>
-    <p:sldId id="285" r:id="rId32"/>
-    <p:sldId id="287" r:id="rId33"/>
-    <p:sldId id="288" r:id="rId34"/>
-    <p:sldId id="289" r:id="rId35"/>
-    <p:sldId id="290" r:id="rId36"/>
-    <p:sldId id="299" r:id="rId37"/>
-    <p:sldId id="291" r:id="rId38"/>
-    <p:sldId id="292" r:id="rId39"/>
-    <p:sldId id="293" r:id="rId40"/>
-    <p:sldId id="294" r:id="rId41"/>
-    <p:sldId id="295" r:id="rId42"/>
+    <p:sldId id="305" r:id="rId25"/>
+    <p:sldId id="302" r:id="rId26"/>
+    <p:sldId id="259" r:id="rId27"/>
+    <p:sldId id="270" r:id="rId28"/>
+    <p:sldId id="275" r:id="rId29"/>
+    <p:sldId id="274" r:id="rId30"/>
+    <p:sldId id="273" r:id="rId31"/>
+    <p:sldId id="286" r:id="rId32"/>
+    <p:sldId id="285" r:id="rId33"/>
+    <p:sldId id="287" r:id="rId34"/>
+    <p:sldId id="288" r:id="rId35"/>
+    <p:sldId id="289" r:id="rId36"/>
+    <p:sldId id="290" r:id="rId37"/>
+    <p:sldId id="299" r:id="rId38"/>
+    <p:sldId id="291" r:id="rId39"/>
+    <p:sldId id="292" r:id="rId40"/>
+    <p:sldId id="293" r:id="rId41"/>
+    <p:sldId id="294" r:id="rId42"/>
+    <p:sldId id="295" r:id="rId43"/>
   </p:sldIdLst>
   <p:sldSz cx="12192000" cy="6858000"/>
   <p:notesSz cx="6858000" cy="9144000"/>
@@ -243,7 +244,7 @@
           <a:p>
             <a:fld id="{56C6788E-680A-49E5-BB93-D456A9D23A29}" type="datetimeFigureOut">
               <a:rPr lang="ru-RU" smtClean="0"/>
-              <a:t>08.10.2024</a:t>
+              <a:t>16.10.2025</a:t>
             </a:fld>
             <a:endParaRPr lang="ru-RU"/>
           </a:p>
@@ -412,7 +413,7 @@
           <a:p>
             <a:fld id="{C4DF4945-C160-4CD5-B124-49B9BE14C0AB}" type="datetimeFigureOut">
               <a:rPr lang="ru-RU" smtClean="0"/>
-              <a:t>08.10.2024</a:t>
+              <a:t>16.10.2025</a:t>
             </a:fld>
             <a:endParaRPr lang="ru-RU"/>
           </a:p>
@@ -725,7 +726,7 @@
           <a:bodyPr/>
           <a:lstStyle/>
           <a:p>
-            <a:endParaRPr lang="ru-RU"/>
+            <a:endParaRPr lang="ru-RU" dirty="0"/>
           </a:p>
         </p:txBody>
       </p:sp>
@@ -2276,7 +2277,13 @@
   <p:cSld>
     <p:spTree>
       <p:nvGrpSpPr>
-        <p:cNvPr id="1" name=""/>
+        <p:cNvPr id="1" name="">
+          <a:extLst>
+            <a:ext uri="{FF2B5EF4-FFF2-40B4-BE49-F238E27FC236}">
+              <a16:creationId xmlns:a16="http://schemas.microsoft.com/office/drawing/2014/main" id="{B9A9F64E-D340-5A2D-B9D2-30108F16757F}"/>
+            </a:ext>
+          </a:extLst>
+        </p:cNvPr>
         <p:cNvGrpSpPr/>
         <p:nvPr/>
       </p:nvGrpSpPr>
@@ -2290,7 +2297,13 @@
       </p:grpSpPr>
       <p:sp>
         <p:nvSpPr>
-          <p:cNvPr id="2" name="Slide Image Placeholder 1"/>
+          <p:cNvPr id="2" name="Slide Image Placeholder 1">
+            <a:extLst>
+              <a:ext uri="{FF2B5EF4-FFF2-40B4-BE49-F238E27FC236}">
+                <a16:creationId xmlns:a16="http://schemas.microsoft.com/office/drawing/2014/main" id="{B2078472-C104-60C2-A968-20707F14D930}"/>
+              </a:ext>
+            </a:extLst>
+          </p:cNvPr>
           <p:cNvSpPr>
             <a:spLocks noGrp="1" noRot="1" noChangeAspect="1"/>
           </p:cNvSpPr>
@@ -2302,7 +2315,13 @@
       </p:sp>
       <p:sp>
         <p:nvSpPr>
-          <p:cNvPr id="3" name="Notes Placeholder 2"/>
+          <p:cNvPr id="3" name="Notes Placeholder 2">
+            <a:extLst>
+              <a:ext uri="{FF2B5EF4-FFF2-40B4-BE49-F238E27FC236}">
+                <a16:creationId xmlns:a16="http://schemas.microsoft.com/office/drawing/2014/main" id="{AA18EA3B-2C1A-F6FA-F427-03CC91F61D76}"/>
+              </a:ext>
+            </a:extLst>
+          </p:cNvPr>
           <p:cNvSpPr>
             <a:spLocks noGrp="1"/>
           </p:cNvSpPr>
@@ -2321,7 +2340,13 @@
       </p:sp>
       <p:sp>
         <p:nvSpPr>
-          <p:cNvPr id="4" name="Slide Number Placeholder 3"/>
+          <p:cNvPr id="4" name="Slide Number Placeholder 3">
+            <a:extLst>
+              <a:ext uri="{FF2B5EF4-FFF2-40B4-BE49-F238E27FC236}">
+                <a16:creationId xmlns:a16="http://schemas.microsoft.com/office/drawing/2014/main" id="{1DCEAABF-C26E-8C49-907E-5D556C4C8290}"/>
+              </a:ext>
+            </a:extLst>
+          </p:cNvPr>
           <p:cNvSpPr>
             <a:spLocks noGrp="1"/>
           </p:cNvSpPr>
@@ -2344,7 +2369,13 @@
       </p:sp>
       <p:sp>
         <p:nvSpPr>
-          <p:cNvPr id="5" name="Header Placeholder 4"/>
+          <p:cNvPr id="5" name="Header Placeholder 4">
+            <a:extLst>
+              <a:ext uri="{FF2B5EF4-FFF2-40B4-BE49-F238E27FC236}">
+                <a16:creationId xmlns:a16="http://schemas.microsoft.com/office/drawing/2014/main" id="{321EA53A-D37F-A313-8F60-B3F143F7BBD4}"/>
+              </a:ext>
+            </a:extLst>
+          </p:cNvPr>
           <p:cNvSpPr>
             <a:spLocks noGrp="1"/>
           </p:cNvSpPr>
@@ -2367,7 +2398,7 @@
     </p:spTree>
     <p:extLst>
       <p:ext uri="{BB962C8B-B14F-4D97-AF65-F5344CB8AC3E}">
-        <p14:creationId xmlns:p14="http://schemas.microsoft.com/office/powerpoint/2010/main" val="3539227940"/>
+        <p14:creationId xmlns:p14="http://schemas.microsoft.com/office/powerpoint/2010/main" val="1318933200"/>
       </p:ext>
     </p:extLst>
   </p:cSld>
@@ -2473,7 +2504,7 @@
     </p:spTree>
     <p:extLst>
       <p:ext uri="{BB962C8B-B14F-4D97-AF65-F5344CB8AC3E}">
-        <p14:creationId xmlns:p14="http://schemas.microsoft.com/office/powerpoint/2010/main" val="3471459958"/>
+        <p14:creationId xmlns:p14="http://schemas.microsoft.com/office/powerpoint/2010/main" val="3539227940"/>
       </p:ext>
     </p:extLst>
   </p:cSld>
@@ -2579,7 +2610,7 @@
     </p:spTree>
     <p:extLst>
       <p:ext uri="{BB962C8B-B14F-4D97-AF65-F5344CB8AC3E}">
-        <p14:creationId xmlns:p14="http://schemas.microsoft.com/office/powerpoint/2010/main" val="3104589451"/>
+        <p14:creationId xmlns:p14="http://schemas.microsoft.com/office/powerpoint/2010/main" val="3471459958"/>
       </p:ext>
     </p:extLst>
   </p:cSld>
@@ -2685,7 +2716,7 @@
     </p:spTree>
     <p:extLst>
       <p:ext uri="{BB962C8B-B14F-4D97-AF65-F5344CB8AC3E}">
-        <p14:creationId xmlns:p14="http://schemas.microsoft.com/office/powerpoint/2010/main" val="3089647710"/>
+        <p14:creationId xmlns:p14="http://schemas.microsoft.com/office/powerpoint/2010/main" val="3104589451"/>
       </p:ext>
     </p:extLst>
   </p:cSld>
@@ -2791,7 +2822,7 @@
     </p:spTree>
     <p:extLst>
       <p:ext uri="{BB962C8B-B14F-4D97-AF65-F5344CB8AC3E}">
-        <p14:creationId xmlns:p14="http://schemas.microsoft.com/office/powerpoint/2010/main" val="477853263"/>
+        <p14:creationId xmlns:p14="http://schemas.microsoft.com/office/powerpoint/2010/main" val="3089647710"/>
       </p:ext>
     </p:extLst>
   </p:cSld>
@@ -2897,7 +2928,7 @@
     </p:spTree>
     <p:extLst>
       <p:ext uri="{BB962C8B-B14F-4D97-AF65-F5344CB8AC3E}">
-        <p14:creationId xmlns:p14="http://schemas.microsoft.com/office/powerpoint/2010/main" val="3197921926"/>
+        <p14:creationId xmlns:p14="http://schemas.microsoft.com/office/powerpoint/2010/main" val="477853263"/>
       </p:ext>
     </p:extLst>
   </p:cSld>
@@ -3003,7 +3034,7 @@
     </p:spTree>
     <p:extLst>
       <p:ext uri="{BB962C8B-B14F-4D97-AF65-F5344CB8AC3E}">
-        <p14:creationId xmlns:p14="http://schemas.microsoft.com/office/powerpoint/2010/main" val="1856252035"/>
+        <p14:creationId xmlns:p14="http://schemas.microsoft.com/office/powerpoint/2010/main" val="3197921926"/>
       </p:ext>
     </p:extLst>
   </p:cSld>
@@ -3215,7 +3246,7 @@
     </p:spTree>
     <p:extLst>
       <p:ext uri="{BB962C8B-B14F-4D97-AF65-F5344CB8AC3E}">
-        <p14:creationId xmlns:p14="http://schemas.microsoft.com/office/powerpoint/2010/main" val="2360092116"/>
+        <p14:creationId xmlns:p14="http://schemas.microsoft.com/office/powerpoint/2010/main" val="1856252035"/>
       </p:ext>
     </p:extLst>
   </p:cSld>
@@ -3321,7 +3352,7 @@
     </p:spTree>
     <p:extLst>
       <p:ext uri="{BB962C8B-B14F-4D97-AF65-F5344CB8AC3E}">
-        <p14:creationId xmlns:p14="http://schemas.microsoft.com/office/powerpoint/2010/main" val="3801623072"/>
+        <p14:creationId xmlns:p14="http://schemas.microsoft.com/office/powerpoint/2010/main" val="2360092116"/>
       </p:ext>
     </p:extLst>
   </p:cSld>
@@ -3427,7 +3458,7 @@
     </p:spTree>
     <p:extLst>
       <p:ext uri="{BB962C8B-B14F-4D97-AF65-F5344CB8AC3E}">
-        <p14:creationId xmlns:p14="http://schemas.microsoft.com/office/powerpoint/2010/main" val="3103056123"/>
+        <p14:creationId xmlns:p14="http://schemas.microsoft.com/office/powerpoint/2010/main" val="3801623072"/>
       </p:ext>
     </p:extLst>
   </p:cSld>
@@ -3533,7 +3564,7 @@
     </p:spTree>
     <p:extLst>
       <p:ext uri="{BB962C8B-B14F-4D97-AF65-F5344CB8AC3E}">
-        <p14:creationId xmlns:p14="http://schemas.microsoft.com/office/powerpoint/2010/main" val="3544247710"/>
+        <p14:creationId xmlns:p14="http://schemas.microsoft.com/office/powerpoint/2010/main" val="3103056123"/>
       </p:ext>
     </p:extLst>
   </p:cSld>
@@ -3639,7 +3670,7 @@
     </p:spTree>
     <p:extLst>
       <p:ext uri="{BB962C8B-B14F-4D97-AF65-F5344CB8AC3E}">
-        <p14:creationId xmlns:p14="http://schemas.microsoft.com/office/powerpoint/2010/main" val="3322041196"/>
+        <p14:creationId xmlns:p14="http://schemas.microsoft.com/office/powerpoint/2010/main" val="3544247710"/>
       </p:ext>
     </p:extLst>
   </p:cSld>
@@ -3745,7 +3776,7 @@
     </p:spTree>
     <p:extLst>
       <p:ext uri="{BB962C8B-B14F-4D97-AF65-F5344CB8AC3E}">
-        <p14:creationId xmlns:p14="http://schemas.microsoft.com/office/powerpoint/2010/main" val="71045383"/>
+        <p14:creationId xmlns:p14="http://schemas.microsoft.com/office/powerpoint/2010/main" val="3322041196"/>
       </p:ext>
     </p:extLst>
   </p:cSld>
@@ -3851,7 +3882,7 @@
     </p:spTree>
     <p:extLst>
       <p:ext uri="{BB962C8B-B14F-4D97-AF65-F5344CB8AC3E}">
-        <p14:creationId xmlns:p14="http://schemas.microsoft.com/office/powerpoint/2010/main" val="3785205728"/>
+        <p14:creationId xmlns:p14="http://schemas.microsoft.com/office/powerpoint/2010/main" val="71045383"/>
       </p:ext>
     </p:extLst>
   </p:cSld>
@@ -3957,7 +3988,7 @@
     </p:spTree>
     <p:extLst>
       <p:ext uri="{BB962C8B-B14F-4D97-AF65-F5344CB8AC3E}">
-        <p14:creationId xmlns:p14="http://schemas.microsoft.com/office/powerpoint/2010/main" val="4086434289"/>
+        <p14:creationId xmlns:p14="http://schemas.microsoft.com/office/powerpoint/2010/main" val="3785205728"/>
       </p:ext>
     </p:extLst>
   </p:cSld>
@@ -4063,7 +4094,7 @@
     </p:spTree>
     <p:extLst>
       <p:ext uri="{BB962C8B-B14F-4D97-AF65-F5344CB8AC3E}">
-        <p14:creationId xmlns:p14="http://schemas.microsoft.com/office/powerpoint/2010/main" val="4006915539"/>
+        <p14:creationId xmlns:p14="http://schemas.microsoft.com/office/powerpoint/2010/main" val="4086434289"/>
       </p:ext>
     </p:extLst>
   </p:cSld>
@@ -4169,7 +4200,7 @@
     </p:spTree>
     <p:extLst>
       <p:ext uri="{BB962C8B-B14F-4D97-AF65-F5344CB8AC3E}">
-        <p14:creationId xmlns:p14="http://schemas.microsoft.com/office/powerpoint/2010/main" val="2532074372"/>
+        <p14:creationId xmlns:p14="http://schemas.microsoft.com/office/powerpoint/2010/main" val="4006915539"/>
       </p:ext>
     </p:extLst>
   </p:cSld>
@@ -4381,6 +4412,112 @@
     </p:spTree>
     <p:extLst>
       <p:ext uri="{BB962C8B-B14F-4D97-AF65-F5344CB8AC3E}">
+        <p14:creationId xmlns:p14="http://schemas.microsoft.com/office/powerpoint/2010/main" val="2532074372"/>
+      </p:ext>
+    </p:extLst>
+  </p:cSld>
+  <p:clrMapOvr>
+    <a:masterClrMapping/>
+  </p:clrMapOvr>
+</p:notes>
+</file>
+
+<file path=ppt/notesSlides/notesSlide41.xml><?xml version="1.0" encoding="utf-8"?>
+<p:notes xmlns:a="http://schemas.openxmlformats.org/drawingml/2006/main" xmlns:r="http://schemas.openxmlformats.org/officeDocument/2006/relationships" xmlns:p="http://schemas.openxmlformats.org/presentationml/2006/main">
+  <p:cSld>
+    <p:spTree>
+      <p:nvGrpSpPr>
+        <p:cNvPr id="1" name=""/>
+        <p:cNvGrpSpPr/>
+        <p:nvPr/>
+      </p:nvGrpSpPr>
+      <p:grpSpPr>
+        <a:xfrm>
+          <a:off x="0" y="0"/>
+          <a:ext cx="0" cy="0"/>
+          <a:chOff x="0" y="0"/>
+          <a:chExt cx="0" cy="0"/>
+        </a:xfrm>
+      </p:grpSpPr>
+      <p:sp>
+        <p:nvSpPr>
+          <p:cNvPr id="2" name="Slide Image Placeholder 1"/>
+          <p:cNvSpPr>
+            <a:spLocks noGrp="1" noRot="1" noChangeAspect="1"/>
+          </p:cNvSpPr>
+          <p:nvPr>
+            <p:ph type="sldImg"/>
+          </p:nvPr>
+        </p:nvSpPr>
+        <p:spPr/>
+      </p:sp>
+      <p:sp>
+        <p:nvSpPr>
+          <p:cNvPr id="3" name="Notes Placeholder 2"/>
+          <p:cNvSpPr>
+            <a:spLocks noGrp="1"/>
+          </p:cNvSpPr>
+          <p:nvPr>
+            <p:ph type="body" idx="1"/>
+          </p:nvPr>
+        </p:nvSpPr>
+        <p:spPr/>
+        <p:txBody>
+          <a:bodyPr/>
+          <a:lstStyle/>
+          <a:p>
+            <a:endParaRPr lang="ru-RU"/>
+          </a:p>
+        </p:txBody>
+      </p:sp>
+      <p:sp>
+        <p:nvSpPr>
+          <p:cNvPr id="4" name="Slide Number Placeholder 3"/>
+          <p:cNvSpPr>
+            <a:spLocks noGrp="1"/>
+          </p:cNvSpPr>
+          <p:nvPr>
+            <p:ph type="sldNum" sz="quarter" idx="10"/>
+          </p:nvPr>
+        </p:nvSpPr>
+        <p:spPr/>
+        <p:txBody>
+          <a:bodyPr/>
+          <a:lstStyle/>
+          <a:p>
+            <a:fld id="{7F33120B-582B-4354-977D-A474A534F6B9}" type="slidenum">
+              <a:rPr lang="ru-RU" smtClean="0"/>
+              <a:t>41</a:t>
+            </a:fld>
+            <a:endParaRPr lang="ru-RU"/>
+          </a:p>
+        </p:txBody>
+      </p:sp>
+      <p:sp>
+        <p:nvSpPr>
+          <p:cNvPr id="5" name="Header Placeholder 4"/>
+          <p:cNvSpPr>
+            <a:spLocks noGrp="1"/>
+          </p:cNvSpPr>
+          <p:nvPr>
+            <p:ph type="hdr" sz="quarter" idx="11"/>
+          </p:nvPr>
+        </p:nvSpPr>
+        <p:spPr/>
+        <p:txBody>
+          <a:bodyPr/>
+          <a:lstStyle/>
+          <a:p>
+            <a:r>
+              <a:rPr lang="ru-RU"/>
+              <a:t>Основы построения файловых систем</a:t>
+            </a:r>
+          </a:p>
+        </p:txBody>
+      </p:sp>
+    </p:spTree>
+    <p:extLst>
+      <p:ext uri="{BB962C8B-B14F-4D97-AF65-F5344CB8AC3E}">
         <p14:creationId xmlns:p14="http://schemas.microsoft.com/office/powerpoint/2010/main" val="3979752268"/>
       </p:ext>
     </p:extLst>
@@ -4714,7 +4851,13 @@
   <p:cSld>
     <p:spTree>
       <p:nvGrpSpPr>
-        <p:cNvPr id="1" name=""/>
+        <p:cNvPr id="1" name="">
+          <a:extLst>
+            <a:ext uri="{FF2B5EF4-FFF2-40B4-BE49-F238E27FC236}">
+              <a16:creationId xmlns:a16="http://schemas.microsoft.com/office/drawing/2014/main" id="{C9A5A2BD-4652-271C-E97A-EBFAD36446F9}"/>
+            </a:ext>
+          </a:extLst>
+        </p:cNvPr>
         <p:cNvGrpSpPr/>
         <p:nvPr/>
       </p:nvGrpSpPr>
@@ -4728,7 +4871,13 @@
       </p:grpSpPr>
       <p:sp>
         <p:nvSpPr>
-          <p:cNvPr id="2" name="Slide Image Placeholder 1"/>
+          <p:cNvPr id="2" name="Slide Image Placeholder 1">
+            <a:extLst>
+              <a:ext uri="{FF2B5EF4-FFF2-40B4-BE49-F238E27FC236}">
+                <a16:creationId xmlns:a16="http://schemas.microsoft.com/office/drawing/2014/main" id="{2FC7771B-04E2-597D-25EA-AB697A60D8B1}"/>
+              </a:ext>
+            </a:extLst>
+          </p:cNvPr>
           <p:cNvSpPr>
             <a:spLocks noGrp="1" noRot="1" noChangeAspect="1"/>
           </p:cNvSpPr>
@@ -4740,7 +4889,13 @@
       </p:sp>
       <p:sp>
         <p:nvSpPr>
-          <p:cNvPr id="3" name="Notes Placeholder 2"/>
+          <p:cNvPr id="3" name="Notes Placeholder 2">
+            <a:extLst>
+              <a:ext uri="{FF2B5EF4-FFF2-40B4-BE49-F238E27FC236}">
+                <a16:creationId xmlns:a16="http://schemas.microsoft.com/office/drawing/2014/main" id="{9D7D6125-229D-629F-1A48-C23FC5F3BDBA}"/>
+              </a:ext>
+            </a:extLst>
+          </p:cNvPr>
           <p:cNvSpPr>
             <a:spLocks noGrp="1"/>
           </p:cNvSpPr>
@@ -4759,7 +4914,13 @@
       </p:sp>
       <p:sp>
         <p:nvSpPr>
-          <p:cNvPr id="4" name="Slide Number Placeholder 3"/>
+          <p:cNvPr id="4" name="Slide Number Placeholder 3">
+            <a:extLst>
+              <a:ext uri="{FF2B5EF4-FFF2-40B4-BE49-F238E27FC236}">
+                <a16:creationId xmlns:a16="http://schemas.microsoft.com/office/drawing/2014/main" id="{39B4537C-0024-CD76-FE01-E89D17D527C2}"/>
+              </a:ext>
+            </a:extLst>
+          </p:cNvPr>
           <p:cNvSpPr>
             <a:spLocks noGrp="1"/>
           </p:cNvSpPr>
@@ -4782,7 +4943,13 @@
       </p:sp>
       <p:sp>
         <p:nvSpPr>
-          <p:cNvPr id="5" name="Header Placeholder 4"/>
+          <p:cNvPr id="5" name="Header Placeholder 4">
+            <a:extLst>
+              <a:ext uri="{FF2B5EF4-FFF2-40B4-BE49-F238E27FC236}">
+                <a16:creationId xmlns:a16="http://schemas.microsoft.com/office/drawing/2014/main" id="{32AFC38E-DF47-E61B-8B80-E61603ED0435}"/>
+              </a:ext>
+            </a:extLst>
+          </p:cNvPr>
           <p:cNvSpPr>
             <a:spLocks noGrp="1"/>
           </p:cNvSpPr>
@@ -4805,7 +4972,7 @@
     </p:spTree>
     <p:extLst>
       <p:ext uri="{BB962C8B-B14F-4D97-AF65-F5344CB8AC3E}">
-        <p14:creationId xmlns:p14="http://schemas.microsoft.com/office/powerpoint/2010/main" val="3006867787"/>
+        <p14:creationId xmlns:p14="http://schemas.microsoft.com/office/powerpoint/2010/main" val="3660222369"/>
       </p:ext>
     </p:extLst>
   </p:cSld>
@@ -5052,7 +5219,7 @@
           <a:p>
             <a:fld id="{12C63722-5D9F-4E99-9720-9B6A0C7BB1C9}" type="datetimeFigureOut">
               <a:rPr lang="ru-RU" smtClean="0"/>
-              <a:t>08.10.2024</a:t>
+              <a:t>16.10.2025</a:t>
             </a:fld>
             <a:endParaRPr lang="ru-RU"/>
           </a:p>
@@ -5222,7 +5389,7 @@
           <a:p>
             <a:fld id="{12C63722-5D9F-4E99-9720-9B6A0C7BB1C9}" type="datetimeFigureOut">
               <a:rPr lang="ru-RU" smtClean="0"/>
-              <a:t>08.10.2024</a:t>
+              <a:t>16.10.2025</a:t>
             </a:fld>
             <a:endParaRPr lang="ru-RU"/>
           </a:p>
@@ -5402,7 +5569,7 @@
           <a:p>
             <a:fld id="{12C63722-5D9F-4E99-9720-9B6A0C7BB1C9}" type="datetimeFigureOut">
               <a:rPr lang="ru-RU" smtClean="0"/>
-              <a:t>08.10.2024</a:t>
+              <a:t>16.10.2025</a:t>
             </a:fld>
             <a:endParaRPr lang="ru-RU"/>
           </a:p>
@@ -5594,7 +5761,7 @@
           <a:p>
             <a:fld id="{8C218C88-2408-4CFC-B25C-07450930B282}" type="datetimeFigureOut">
               <a:rPr lang="ru-RU" smtClean="0"/>
-              <a:t>08.10.2024</a:t>
+              <a:t>16.10.2025</a:t>
             </a:fld>
             <a:endParaRPr lang="ru-RU"/>
           </a:p>
@@ -5764,7 +5931,7 @@
           <a:p>
             <a:fld id="{8C218C88-2408-4CFC-B25C-07450930B282}" type="datetimeFigureOut">
               <a:rPr lang="ru-RU" smtClean="0"/>
-              <a:t>08.10.2024</a:t>
+              <a:t>16.10.2025</a:t>
             </a:fld>
             <a:endParaRPr lang="ru-RU"/>
           </a:p>
@@ -6010,7 +6177,7 @@
           <a:p>
             <a:fld id="{8C218C88-2408-4CFC-B25C-07450930B282}" type="datetimeFigureOut">
               <a:rPr lang="ru-RU" smtClean="0"/>
-              <a:t>08.10.2024</a:t>
+              <a:t>16.10.2025</a:t>
             </a:fld>
             <a:endParaRPr lang="ru-RU"/>
           </a:p>
@@ -6242,7 +6409,7 @@
           <a:p>
             <a:fld id="{8C218C88-2408-4CFC-B25C-07450930B282}" type="datetimeFigureOut">
               <a:rPr lang="ru-RU" smtClean="0"/>
-              <a:t>08.10.2024</a:t>
+              <a:t>16.10.2025</a:t>
             </a:fld>
             <a:endParaRPr lang="ru-RU"/>
           </a:p>
@@ -6609,7 +6776,7 @@
           <a:p>
             <a:fld id="{8C218C88-2408-4CFC-B25C-07450930B282}" type="datetimeFigureOut">
               <a:rPr lang="ru-RU" smtClean="0"/>
-              <a:t>08.10.2024</a:t>
+              <a:t>16.10.2025</a:t>
             </a:fld>
             <a:endParaRPr lang="ru-RU"/>
           </a:p>
@@ -6727,7 +6894,7 @@
           <a:p>
             <a:fld id="{8C218C88-2408-4CFC-B25C-07450930B282}" type="datetimeFigureOut">
               <a:rPr lang="ru-RU" smtClean="0"/>
-              <a:t>08.10.2024</a:t>
+              <a:t>16.10.2025</a:t>
             </a:fld>
             <a:endParaRPr lang="ru-RU"/>
           </a:p>
@@ -6822,7 +6989,7 @@
           <a:p>
             <a:fld id="{8C218C88-2408-4CFC-B25C-07450930B282}" type="datetimeFigureOut">
               <a:rPr lang="ru-RU" smtClean="0"/>
-              <a:t>08.10.2024</a:t>
+              <a:t>16.10.2025</a:t>
             </a:fld>
             <a:endParaRPr lang="ru-RU"/>
           </a:p>
@@ -7099,7 +7266,7 @@
           <a:p>
             <a:fld id="{8C218C88-2408-4CFC-B25C-07450930B282}" type="datetimeFigureOut">
               <a:rPr lang="ru-RU" smtClean="0"/>
-              <a:t>08.10.2024</a:t>
+              <a:t>16.10.2025</a:t>
             </a:fld>
             <a:endParaRPr lang="ru-RU"/>
           </a:p>
@@ -7269,7 +7436,7 @@
           <a:p>
             <a:fld id="{12C63722-5D9F-4E99-9720-9B6A0C7BB1C9}" type="datetimeFigureOut">
               <a:rPr lang="ru-RU" smtClean="0"/>
-              <a:t>08.10.2024</a:t>
+              <a:t>16.10.2025</a:t>
             </a:fld>
             <a:endParaRPr lang="ru-RU"/>
           </a:p>
@@ -7522,7 +7689,7 @@
           <a:p>
             <a:fld id="{8C218C88-2408-4CFC-B25C-07450930B282}" type="datetimeFigureOut">
               <a:rPr lang="ru-RU" smtClean="0"/>
-              <a:t>08.10.2024</a:t>
+              <a:t>16.10.2025</a:t>
             </a:fld>
             <a:endParaRPr lang="ru-RU"/>
           </a:p>
@@ -7692,7 +7859,7 @@
           <a:p>
             <a:fld id="{8C218C88-2408-4CFC-B25C-07450930B282}" type="datetimeFigureOut">
               <a:rPr lang="ru-RU" smtClean="0"/>
-              <a:t>08.10.2024</a:t>
+              <a:t>16.10.2025</a:t>
             </a:fld>
             <a:endParaRPr lang="ru-RU"/>
           </a:p>
@@ -7872,7 +8039,7 @@
           <a:p>
             <a:fld id="{8C218C88-2408-4CFC-B25C-07450930B282}" type="datetimeFigureOut">
               <a:rPr lang="ru-RU" smtClean="0"/>
-              <a:t>08.10.2024</a:t>
+              <a:t>16.10.2025</a:t>
             </a:fld>
             <a:endParaRPr lang="ru-RU"/>
           </a:p>
@@ -8118,7 +8285,7 @@
           <a:p>
             <a:fld id="{12C63722-5D9F-4E99-9720-9B6A0C7BB1C9}" type="datetimeFigureOut">
               <a:rPr lang="ru-RU" smtClean="0"/>
-              <a:t>08.10.2024</a:t>
+              <a:t>16.10.2025</a:t>
             </a:fld>
             <a:endParaRPr lang="ru-RU"/>
           </a:p>
@@ -8358,7 +8525,7 @@
           <a:p>
             <a:fld id="{12C63722-5D9F-4E99-9720-9B6A0C7BB1C9}" type="datetimeFigureOut">
               <a:rPr lang="ru-RU" smtClean="0"/>
-              <a:t>08.10.2024</a:t>
+              <a:t>16.10.2025</a:t>
             </a:fld>
             <a:endParaRPr lang="ru-RU"/>
           </a:p>
@@ -8725,7 +8892,7 @@
           <a:p>
             <a:fld id="{12C63722-5D9F-4E99-9720-9B6A0C7BB1C9}" type="datetimeFigureOut">
               <a:rPr lang="ru-RU" smtClean="0"/>
-              <a:t>08.10.2024</a:t>
+              <a:t>16.10.2025</a:t>
             </a:fld>
             <a:endParaRPr lang="ru-RU"/>
           </a:p>
@@ -8843,7 +9010,7 @@
           <a:p>
             <a:fld id="{12C63722-5D9F-4E99-9720-9B6A0C7BB1C9}" type="datetimeFigureOut">
               <a:rPr lang="ru-RU" smtClean="0"/>
-              <a:t>08.10.2024</a:t>
+              <a:t>16.10.2025</a:t>
             </a:fld>
             <a:endParaRPr lang="ru-RU"/>
           </a:p>
@@ -8938,7 +9105,7 @@
           <a:p>
             <a:fld id="{12C63722-5D9F-4E99-9720-9B6A0C7BB1C9}" type="datetimeFigureOut">
               <a:rPr lang="ru-RU" smtClean="0"/>
-              <a:t>08.10.2024</a:t>
+              <a:t>16.10.2025</a:t>
             </a:fld>
             <a:endParaRPr lang="ru-RU"/>
           </a:p>
@@ -9215,7 +9382,7 @@
           <a:p>
             <a:fld id="{12C63722-5D9F-4E99-9720-9B6A0C7BB1C9}" type="datetimeFigureOut">
               <a:rPr lang="ru-RU" smtClean="0"/>
-              <a:t>08.10.2024</a:t>
+              <a:t>16.10.2025</a:t>
             </a:fld>
             <a:endParaRPr lang="ru-RU"/>
           </a:p>
@@ -9468,7 +9635,7 @@
           <a:p>
             <a:fld id="{12C63722-5D9F-4E99-9720-9B6A0C7BB1C9}" type="datetimeFigureOut">
               <a:rPr lang="ru-RU" smtClean="0"/>
-              <a:t>08.10.2024</a:t>
+              <a:t>16.10.2025</a:t>
             </a:fld>
             <a:endParaRPr lang="ru-RU"/>
           </a:p>
@@ -9681,7 +9848,7 @@
           <a:p>
             <a:fld id="{12C63722-5D9F-4E99-9720-9B6A0C7BB1C9}" type="datetimeFigureOut">
               <a:rPr lang="ru-RU" smtClean="0"/>
-              <a:t>08.10.2024</a:t>
+              <a:t>16.10.2025</a:t>
             </a:fld>
             <a:endParaRPr lang="ru-RU"/>
           </a:p>
@@ -10221,7 +10388,7 @@
           <a:p>
             <a:fld id="{8C218C88-2408-4CFC-B25C-07450930B282}" type="datetimeFigureOut">
               <a:rPr lang="ru-RU" smtClean="0"/>
-              <a:t>08.10.2024</a:t>
+              <a:t>16.10.2025</a:t>
             </a:fld>
             <a:endParaRPr lang="ru-RU"/>
           </a:p>
@@ -11009,7 +11176,7 @@
           <p:nvPr>
             <p:extLst>
               <p:ext uri="{D42A27DB-BD31-4B8C-83A1-F6EECF244321}">
-                <p14:modId xmlns:p14="http://schemas.microsoft.com/office/powerpoint/2010/main" val="3306097827"/>
+                <p14:modId xmlns:p14="http://schemas.microsoft.com/office/powerpoint/2010/main" val="3746141128"/>
               </p:ext>
             </p:extLst>
           </p:nvPr>
@@ -11430,7 +11597,7 @@
                       <a:pPr algn="l"/>
                       <a:r>
                         <a:rPr lang="en-US" sz="2000" dirty="0"/>
-                        <a:t>Atop of a block device provide an API that enables users to</a:t>
+                        <a:t>Atop of a block device, provide an API that enables users to</a:t>
                       </a:r>
                       <a:endParaRPr lang="ru-RU" sz="2000" dirty="0"/>
                     </a:p>
@@ -11486,7 +11653,7 @@
                       </a:pPr>
                       <a:r>
                         <a:rPr lang="en-US" sz="2000" dirty="0"/>
-                        <a:t>do these operations fast and reliably.</a:t>
+                        <a:t>do these operations quickly and reliably.</a:t>
                       </a:r>
                       <a:endParaRPr lang="ru-RU" sz="2000" dirty="0"/>
                     </a:p>
@@ -11676,7 +11843,7 @@
           <p:nvPr>
             <p:extLst>
               <p:ext uri="{D42A27DB-BD31-4B8C-83A1-F6EECF244321}">
-                <p14:modId xmlns:p14="http://schemas.microsoft.com/office/powerpoint/2010/main" val="3459784829"/>
+                <p14:modId xmlns:p14="http://schemas.microsoft.com/office/powerpoint/2010/main" val="1883166664"/>
               </p:ext>
             </p:extLst>
           </p:nvPr>
@@ -11722,18 +11889,18 @@
                         <a:t>: </a:t>
                       </a:r>
                       <a:r>
-                        <a:rPr lang="en-US" sz="2400" u="sng" baseline="0" dirty="0"/>
+                        <a:rPr lang="en-US" sz="2400" u="none" baseline="0" dirty="0"/>
                         <a:t>how does one store a list of files</a:t>
                       </a:r>
                       <a:r>
-                        <a:rPr lang="ru-RU" sz="2400" u="sng" baseline="30000" dirty="0"/>
+                        <a:rPr lang="ru-RU" sz="2400" u="none" baseline="30000" dirty="0"/>
                         <a:t>*</a:t>
                       </a:r>
                       <a:r>
-                        <a:rPr lang="ru-RU" sz="2400" u="sng" baseline="0" dirty="0"/>
+                        <a:rPr lang="ru-RU" sz="2400" u="none" baseline="0" dirty="0"/>
                         <a:t>?</a:t>
                       </a:r>
-                      <a:endParaRPr lang="ru-RU" sz="2400" u="sng" dirty="0"/>
+                      <a:endParaRPr lang="ru-RU" sz="2400" u="none" dirty="0"/>
                     </a:p>
                   </a:txBody>
                   <a:tcPr/>
@@ -12137,7 +12304,7 @@
           <p:nvPr>
             <p:extLst>
               <p:ext uri="{D42A27DB-BD31-4B8C-83A1-F6EECF244321}">
-                <p14:modId xmlns:p14="http://schemas.microsoft.com/office/powerpoint/2010/main" val="353852143"/>
+                <p14:modId xmlns:p14="http://schemas.microsoft.com/office/powerpoint/2010/main" val="1048999391"/>
               </p:ext>
             </p:extLst>
           </p:nvPr>
@@ -12183,18 +12350,18 @@
                         <a:t>: </a:t>
                       </a:r>
                       <a:r>
-                        <a:rPr lang="en-US" sz="2400" u="sng" baseline="0" dirty="0"/>
+                        <a:rPr lang="en-US" sz="2400" u="none" baseline="0" dirty="0"/>
                         <a:t>how does one store a list of files</a:t>
                       </a:r>
                       <a:r>
-                        <a:rPr lang="ru-RU" sz="2400" u="sng" baseline="30000" dirty="0"/>
+                        <a:rPr lang="ru-RU" sz="2400" u="none" baseline="30000" dirty="0"/>
                         <a:t>*</a:t>
                       </a:r>
                       <a:r>
-                        <a:rPr lang="ru-RU" sz="2400" u="sng" baseline="0" dirty="0"/>
+                        <a:rPr lang="ru-RU" sz="2400" u="none" baseline="0" dirty="0"/>
                         <a:t>?</a:t>
                       </a:r>
-                      <a:endParaRPr lang="ru-RU" sz="2400" u="sng" dirty="0"/>
+                      <a:endParaRPr lang="ru-RU" sz="2400" u="none" dirty="0"/>
                     </a:p>
                   </a:txBody>
                   <a:tcPr/>
@@ -12629,7 +12796,7 @@
           <p:nvPr>
             <p:extLst>
               <p:ext uri="{D42A27DB-BD31-4B8C-83A1-F6EECF244321}">
-                <p14:modId xmlns:p14="http://schemas.microsoft.com/office/powerpoint/2010/main" val="4187155297"/>
+                <p14:modId xmlns:p14="http://schemas.microsoft.com/office/powerpoint/2010/main" val="1898930676"/>
               </p:ext>
             </p:extLst>
           </p:nvPr>
@@ -12675,18 +12842,18 @@
                         <a:t>: </a:t>
                       </a:r>
                       <a:r>
-                        <a:rPr lang="en-US" sz="2400" u="sng" baseline="0" dirty="0"/>
+                        <a:rPr lang="en-US" sz="2400" u="none" baseline="0" dirty="0"/>
                         <a:t>how does one store a list of files</a:t>
                       </a:r>
                       <a:r>
-                        <a:rPr lang="ru-RU" sz="2400" u="sng" baseline="30000" dirty="0"/>
+                        <a:rPr lang="ru-RU" sz="2400" u="none" baseline="30000" dirty="0"/>
                         <a:t>*</a:t>
                       </a:r>
                       <a:r>
-                        <a:rPr lang="ru-RU" sz="2400" u="sng" baseline="0" dirty="0"/>
+                        <a:rPr lang="ru-RU" sz="2400" u="none" baseline="0" dirty="0"/>
                         <a:t>?</a:t>
                       </a:r>
-                      <a:endParaRPr lang="ru-RU" sz="2400" u="sng" dirty="0"/>
+                      <a:endParaRPr lang="ru-RU" sz="2400" u="none" dirty="0"/>
                     </a:p>
                   </a:txBody>
                   <a:tcPr/>
@@ -13874,7 +14041,7 @@
           <p:nvPr>
             <p:extLst>
               <p:ext uri="{D42A27DB-BD31-4B8C-83A1-F6EECF244321}">
-                <p14:modId xmlns:p14="http://schemas.microsoft.com/office/powerpoint/2010/main" val="1184517763"/>
+                <p14:modId xmlns:p14="http://schemas.microsoft.com/office/powerpoint/2010/main" val="1861253431"/>
               </p:ext>
             </p:extLst>
           </p:nvPr>
@@ -13920,18 +14087,18 @@
                         <a:t>: </a:t>
                       </a:r>
                       <a:r>
-                        <a:rPr lang="en-US" sz="2400" u="sng" baseline="0" dirty="0"/>
+                        <a:rPr lang="en-US" sz="2400" u="none" baseline="0" dirty="0"/>
                         <a:t>how does one store a list of files</a:t>
                       </a:r>
                       <a:r>
-                        <a:rPr lang="ru-RU" sz="2400" u="sng" baseline="30000" dirty="0"/>
+                        <a:rPr lang="ru-RU" sz="2400" u="none" baseline="30000" dirty="0"/>
                         <a:t>*</a:t>
                       </a:r>
                       <a:r>
-                        <a:rPr lang="ru-RU" sz="2400" u="sng" baseline="0" dirty="0"/>
+                        <a:rPr lang="ru-RU" sz="2400" u="none" baseline="0" dirty="0"/>
                         <a:t>?</a:t>
                       </a:r>
-                      <a:endParaRPr lang="ru-RU" sz="2400" u="sng" dirty="0"/>
+                      <a:endParaRPr lang="ru-RU" sz="2400" u="none" dirty="0"/>
                     </a:p>
                   </a:txBody>
                   <a:tcPr/>
@@ -16754,7 +16921,7 @@
           <p:nvPr>
             <p:extLst>
               <p:ext uri="{D42A27DB-BD31-4B8C-83A1-F6EECF244321}">
-                <p14:modId xmlns:p14="http://schemas.microsoft.com/office/powerpoint/2010/main" val="3298111556"/>
+                <p14:modId xmlns:p14="http://schemas.microsoft.com/office/powerpoint/2010/main" val="3006003645"/>
               </p:ext>
             </p:extLst>
           </p:nvPr>
@@ -16807,18 +16974,18 @@
                         <a:t>: </a:t>
                       </a:r>
                       <a:r>
-                        <a:rPr lang="en-US" sz="2400" u="sng" baseline="0" dirty="0"/>
+                        <a:rPr lang="en-US" sz="2400" u="none" baseline="0" dirty="0"/>
                         <a:t>how does one store a list of files</a:t>
                       </a:r>
                       <a:r>
-                        <a:rPr lang="ru-RU" sz="2400" u="sng" baseline="30000" dirty="0"/>
+                        <a:rPr lang="ru-RU" sz="2400" u="none" baseline="30000" dirty="0"/>
                         <a:t>*</a:t>
                       </a:r>
                       <a:r>
-                        <a:rPr lang="ru-RU" sz="2400" u="sng" baseline="0" dirty="0"/>
+                        <a:rPr lang="ru-RU" sz="2400" u="none" baseline="0" dirty="0"/>
                         <a:t>?</a:t>
                       </a:r>
-                      <a:endParaRPr lang="ru-RU" sz="2400" u="sng" dirty="0"/>
+                      <a:endParaRPr lang="ru-RU" sz="2400" u="none" dirty="0"/>
                     </a:p>
                   </a:txBody>
                   <a:tcPr/>
@@ -18254,7 +18421,7 @@
         <p:spPr>
           <a:xfrm>
             <a:off x="0" y="5947829"/>
-            <a:ext cx="4838569" cy="584775"/>
+            <a:ext cx="5694829" cy="584775"/>
           </a:xfrm>
           <a:prstGeom prst="rect">
             <a:avLst/>
@@ -18311,7 +18478,7 @@
               <a:t> </a:t>
             </a:r>
             <a:r>
-              <a:rPr lang="en-US" sz="1600" i="1" baseline="0" dirty="0">
+              <a:rPr lang="en-US" sz="1600" i="1" dirty="0">
                 <a:solidFill>
                   <a:schemeClr val="tx1">
                     <a:lumMod val="50000"/>
@@ -18319,10 +18486,10 @@
                   </a:schemeClr>
                 </a:solidFill>
               </a:rPr>
-              <a:t>Intel SSD DC S3700 </a:t>
-            </a:r>
-            <a:r>
-              <a:rPr lang="ru-RU" sz="1600" i="1" baseline="0" dirty="0">
+              <a:t>Intel SSD DC S3700, </a:t>
+            </a:r>
+            <a:r>
+              <a:rPr lang="en-GB" sz="1600" i="1" dirty="0">
                 <a:solidFill>
                   <a:schemeClr val="tx1">
                     <a:lumMod val="50000"/>
@@ -18330,21 +18497,10 @@
                   </a:schemeClr>
                 </a:solidFill>
               </a:rPr>
-              <a:t>и </a:t>
-            </a:r>
-            <a:r>
-              <a:rPr lang="en-GB" sz="1600" i="1" baseline="0" dirty="0">
-                <a:solidFill>
-                  <a:schemeClr val="tx1">
-                    <a:lumMod val="50000"/>
-                    <a:lumOff val="50000"/>
-                  </a:schemeClr>
-                </a:solidFill>
-              </a:rPr>
-              <a:t>D7-P5600</a:t>
-            </a:r>
-            <a:r>
-              <a:rPr lang="en-US" sz="1600" i="1" baseline="0" dirty="0">
+              <a:t>D7-P5600 and D7-PS1030</a:t>
+            </a:r>
+            <a:r>
+              <a:rPr lang="en-US" sz="1600" i="1" dirty="0">
                 <a:solidFill>
                   <a:schemeClr val="tx1">
                     <a:lumMod val="50000"/>
@@ -19009,7 +19165,7 @@
         <p:spPr>
           <a:xfrm>
             <a:off x="0" y="5947829"/>
-            <a:ext cx="4838569" cy="584775"/>
+            <a:ext cx="5694829" cy="584775"/>
           </a:xfrm>
           <a:prstGeom prst="rect">
             <a:avLst/>
@@ -19066,7 +19222,7 @@
               <a:t> </a:t>
             </a:r>
             <a:r>
-              <a:rPr lang="en-US" sz="1600" i="1" baseline="0" dirty="0">
+              <a:rPr lang="en-US" sz="1600" i="1" dirty="0">
                 <a:solidFill>
                   <a:schemeClr val="tx1">
                     <a:lumMod val="50000"/>
@@ -19074,10 +19230,10 @@
                   </a:schemeClr>
                 </a:solidFill>
               </a:rPr>
-              <a:t>Intel SSD DC S3700 </a:t>
-            </a:r>
-            <a:r>
-              <a:rPr lang="ru-RU" sz="1600" i="1" baseline="0" dirty="0">
+              <a:t>Intel SSD DC S3700, </a:t>
+            </a:r>
+            <a:r>
+              <a:rPr lang="en-GB" sz="1600" i="1" dirty="0">
                 <a:solidFill>
                   <a:schemeClr val="tx1">
                     <a:lumMod val="50000"/>
@@ -19085,21 +19241,10 @@
                   </a:schemeClr>
                 </a:solidFill>
               </a:rPr>
-              <a:t>и </a:t>
-            </a:r>
-            <a:r>
-              <a:rPr lang="en-GB" sz="1600" i="1" baseline="0" dirty="0">
-                <a:solidFill>
-                  <a:schemeClr val="tx1">
-                    <a:lumMod val="50000"/>
-                    <a:lumOff val="50000"/>
-                  </a:schemeClr>
-                </a:solidFill>
-              </a:rPr>
-              <a:t>D7-P5600</a:t>
-            </a:r>
-            <a:r>
-              <a:rPr lang="en-US" sz="1600" i="1" baseline="0" dirty="0">
+              <a:t>D7-P5600 and D7-PS1030</a:t>
+            </a:r>
+            <a:r>
+              <a:rPr lang="en-US" sz="1600" i="1" dirty="0">
                 <a:solidFill>
                   <a:schemeClr val="tx1">
                     <a:lumMod val="50000"/>
@@ -19613,7 +19758,7 @@
         <p:spPr>
           <a:xfrm>
             <a:off x="0" y="5947829"/>
-            <a:ext cx="4838569" cy="584775"/>
+            <a:ext cx="5694829" cy="584775"/>
           </a:xfrm>
           <a:prstGeom prst="rect">
             <a:avLst/>
@@ -19670,7 +19815,7 @@
               <a:t> </a:t>
             </a:r>
             <a:r>
-              <a:rPr lang="en-US" sz="1600" i="1" baseline="0" dirty="0">
+              <a:rPr lang="en-US" sz="1600" i="1" dirty="0">
                 <a:solidFill>
                   <a:schemeClr val="tx1">
                     <a:lumMod val="50000"/>
@@ -19678,10 +19823,10 @@
                   </a:schemeClr>
                 </a:solidFill>
               </a:rPr>
-              <a:t>Intel SSD DC S3700 </a:t>
-            </a:r>
-            <a:r>
-              <a:rPr lang="ru-RU" sz="1600" i="1" baseline="0" dirty="0">
+              <a:t>Intel SSD DC S3700, </a:t>
+            </a:r>
+            <a:r>
+              <a:rPr lang="en-GB" sz="1600" i="1" dirty="0">
                 <a:solidFill>
                   <a:schemeClr val="tx1">
                     <a:lumMod val="50000"/>
@@ -19689,21 +19834,10 @@
                   </a:schemeClr>
                 </a:solidFill>
               </a:rPr>
-              <a:t>и </a:t>
-            </a:r>
-            <a:r>
-              <a:rPr lang="en-GB" sz="1600" i="1" baseline="0" dirty="0">
-                <a:solidFill>
-                  <a:schemeClr val="tx1">
-                    <a:lumMod val="50000"/>
-                    <a:lumOff val="50000"/>
-                  </a:schemeClr>
-                </a:solidFill>
-              </a:rPr>
-              <a:t>D7-P5600</a:t>
-            </a:r>
-            <a:r>
-              <a:rPr lang="en-US" sz="1600" i="1" baseline="0" dirty="0">
+              <a:t>D7-P5600 and D7-PS1030</a:t>
+            </a:r>
+            <a:r>
+              <a:rPr lang="en-US" sz="1600" i="1" dirty="0">
                 <a:solidFill>
                   <a:schemeClr val="tx1">
                     <a:lumMod val="50000"/>
@@ -19875,14 +20009,14 @@
           <p:nvPr>
             <p:extLst>
               <p:ext uri="{D42A27DB-BD31-4B8C-83A1-F6EECF244321}">
-                <p14:modId xmlns:p14="http://schemas.microsoft.com/office/powerpoint/2010/main" val="1751642770"/>
+                <p14:modId xmlns:p14="http://schemas.microsoft.com/office/powerpoint/2010/main" val="2702236680"/>
               </p:ext>
             </p:extLst>
           </p:nvPr>
         </p:nvGraphicFramePr>
         <p:xfrm>
           <a:off x="0" y="365760"/>
-          <a:ext cx="12192000" cy="4113106"/>
+          <a:ext cx="12192000" cy="4205393"/>
         </p:xfrm>
         <a:graphic>
           <a:graphicData uri="http://schemas.openxmlformats.org/drawingml/2006/table">
@@ -20240,8 +20374,25 @@
                       </a:r>
                       <a:r>
                         <a:rPr lang="en-US" baseline="0" dirty="0"/>
-                        <a:t>1M IOPS*.</a:t>
-                      </a:r>
+                        <a:t>1M IOPS* (PCIe3-era devices). PCIe5 devices are faster yet: </a:t>
+                      </a:r>
+                      <a:r>
+                        <a:rPr lang="ru-RU" dirty="0"/>
+                        <a:t>≈</a:t>
+                      </a:r>
+                      <a:r>
+                        <a:rPr lang="en-US" dirty="0"/>
+                        <a:t>15 GB/sec sequential read, </a:t>
+                      </a:r>
+                      <a:r>
+                        <a:rPr lang="ru-RU" dirty="0"/>
+                        <a:t>≈</a:t>
+                      </a:r>
+                      <a:r>
+                        <a:rPr lang="en-US" dirty="0"/>
+                        <a:t>2.3M IOPS.</a:t>
+                      </a:r>
+                      <a:endParaRPr lang="en-US" baseline="0" dirty="0"/>
                     </a:p>
                   </a:txBody>
                   <a:tcPr/>
@@ -20271,7 +20422,7 @@
         <p:spPr>
           <a:xfrm>
             <a:off x="0" y="5947829"/>
-            <a:ext cx="4838569" cy="584775"/>
+            <a:ext cx="5694829" cy="584775"/>
           </a:xfrm>
           <a:prstGeom prst="rect">
             <a:avLst/>
@@ -20336,18 +20487,7 @@
                   </a:schemeClr>
                 </a:solidFill>
               </a:rPr>
-              <a:t>Intel SSD DC S3700 </a:t>
-            </a:r>
-            <a:r>
-              <a:rPr lang="ru-RU" sz="1600" i="1" baseline="0" dirty="0">
-                <a:solidFill>
-                  <a:schemeClr val="tx1">
-                    <a:lumMod val="50000"/>
-                    <a:lumOff val="50000"/>
-                  </a:schemeClr>
-                </a:solidFill>
-              </a:rPr>
-              <a:t>и </a:t>
+              <a:t>Intel SSD DC S3700, </a:t>
             </a:r>
             <a:r>
               <a:rPr lang="en-GB" sz="1600" i="1" baseline="0" dirty="0">
@@ -20358,7 +20498,7 @@
                   </a:schemeClr>
                 </a:solidFill>
               </a:rPr>
-              <a:t>D7-P5600</a:t>
+              <a:t>D7-P5600 and D7-PS1030</a:t>
             </a:r>
             <a:r>
               <a:rPr lang="en-US" sz="1600" i="1" baseline="0" dirty="0">
@@ -20400,7 +20540,13 @@
   <p:cSld>
     <p:spTree>
       <p:nvGrpSpPr>
-        <p:cNvPr id="1" name=""/>
+        <p:cNvPr id="1" name="">
+          <a:extLst>
+            <a:ext uri="{FF2B5EF4-FFF2-40B4-BE49-F238E27FC236}">
+              <a16:creationId xmlns:a16="http://schemas.microsoft.com/office/drawing/2014/main" id="{5C8324D1-1565-8B9D-EDDC-92648563E3D6}"/>
+            </a:ext>
+          </a:extLst>
+        </p:cNvPr>
         <p:cNvGrpSpPr/>
         <p:nvPr/>
       </p:nvGrpSpPr>
@@ -20414,17 +20560,17 @@
       </p:grpSpPr>
       <p:graphicFrame>
         <p:nvGraphicFramePr>
-          <p:cNvPr id="5" name="Table 4"/>
+          <p:cNvPr id="5" name="Table 4">
+            <a:extLst>
+              <a:ext uri="{FF2B5EF4-FFF2-40B4-BE49-F238E27FC236}">
+                <a16:creationId xmlns:a16="http://schemas.microsoft.com/office/drawing/2014/main" id="{341A2DAF-FBB4-E529-F4C8-5BE74EA69A93}"/>
+              </a:ext>
+            </a:extLst>
+          </p:cNvPr>
           <p:cNvGraphicFramePr>
             <a:graphicFrameLocks noGrp="1"/>
           </p:cNvGraphicFramePr>
-          <p:nvPr>
-            <p:extLst>
-              <p:ext uri="{D42A27DB-BD31-4B8C-83A1-F6EECF244321}">
-                <p14:modId xmlns:p14="http://schemas.microsoft.com/office/powerpoint/2010/main" val="201434414"/>
-              </p:ext>
-            </p:extLst>
-          </p:nvPr>
+          <p:nvPr/>
         </p:nvGraphicFramePr>
         <p:xfrm>
           <a:off x="0" y="1"/>
@@ -20472,17 +20618,17 @@
       </p:graphicFrame>
       <p:graphicFrame>
         <p:nvGraphicFramePr>
-          <p:cNvPr id="6" name="Table 5"/>
+          <p:cNvPr id="6" name="Table 5">
+            <a:extLst>
+              <a:ext uri="{FF2B5EF4-FFF2-40B4-BE49-F238E27FC236}">
+                <a16:creationId xmlns:a16="http://schemas.microsoft.com/office/drawing/2014/main" id="{8E05CAB8-A319-6DF9-7C35-ACE70D831B4A}"/>
+              </a:ext>
+            </a:extLst>
+          </p:cNvPr>
           <p:cNvGraphicFramePr>
             <a:graphicFrameLocks noGrp="1"/>
           </p:cNvGraphicFramePr>
-          <p:nvPr>
-            <p:extLst>
-              <p:ext uri="{D42A27DB-BD31-4B8C-83A1-F6EECF244321}">
-                <p14:modId xmlns:p14="http://schemas.microsoft.com/office/powerpoint/2010/main" val="3699176643"/>
-              </p:ext>
-            </p:extLst>
-          </p:nvPr>
+          <p:nvPr/>
         </p:nvGraphicFramePr>
         <p:xfrm>
           <a:off x="0" y="6532604"/>
@@ -20526,21 +20672,21 @@
       </p:graphicFrame>
       <p:graphicFrame>
         <p:nvGraphicFramePr>
-          <p:cNvPr id="2" name="Table 1"/>
+          <p:cNvPr id="2" name="Table 1">
+            <a:extLst>
+              <a:ext uri="{FF2B5EF4-FFF2-40B4-BE49-F238E27FC236}">
+                <a16:creationId xmlns:a16="http://schemas.microsoft.com/office/drawing/2014/main" id="{F16B6E65-C4A8-198A-FB01-1F58B0DFF9CF}"/>
+              </a:ext>
+            </a:extLst>
+          </p:cNvPr>
           <p:cNvGraphicFramePr>
             <a:graphicFrameLocks noGrp="1"/>
           </p:cNvGraphicFramePr>
-          <p:nvPr>
-            <p:extLst>
-              <p:ext uri="{D42A27DB-BD31-4B8C-83A1-F6EECF244321}">
-                <p14:modId xmlns:p14="http://schemas.microsoft.com/office/powerpoint/2010/main" val="3194224909"/>
-              </p:ext>
-            </p:extLst>
-          </p:nvPr>
+          <p:nvPr/>
         </p:nvGraphicFramePr>
         <p:xfrm>
           <a:off x="0" y="365760"/>
-          <a:ext cx="12192000" cy="5301826"/>
+          <a:ext cx="12192000" cy="4205393"/>
         </p:xfrm>
         <a:graphic>
           <a:graphicData uri="http://schemas.openxmlformats.org/drawingml/2006/table">
@@ -20898,8 +21044,25 @@
                       </a:r>
                       <a:r>
                         <a:rPr lang="en-US" baseline="0" dirty="0"/>
-                        <a:t>1M IOPS*.</a:t>
-                      </a:r>
+                        <a:t>1M IOPS* (PCIe3-era devices). PCIe5 devices are faster yet: </a:t>
+                      </a:r>
+                      <a:r>
+                        <a:rPr lang="ru-RU" dirty="0"/>
+                        <a:t>≈</a:t>
+                      </a:r>
+                      <a:r>
+                        <a:rPr lang="en-US" dirty="0"/>
+                        <a:t>15 GB/sec sequential read, </a:t>
+                      </a:r>
+                      <a:r>
+                        <a:rPr lang="ru-RU" dirty="0"/>
+                        <a:t>≈</a:t>
+                      </a:r>
+                      <a:r>
+                        <a:rPr lang="en-US" dirty="0"/>
+                        <a:t>2.3M IOPS.</a:t>
+                      </a:r>
+                      <a:endParaRPr lang="en-US" baseline="0" dirty="0"/>
                     </a:p>
                   </a:txBody>
                   <a:tcPr/>
@@ -20910,82 +21073,26 @@
                   </a:ext>
                 </a:extLst>
               </a:tr>
-              <a:tr h="547793">
-                <a:tc>
-                  <a:txBody>
-                    <a:bodyPr/>
-                    <a:lstStyle/>
-                    <a:p>
-                      <a:r>
-                        <a:rPr lang="en-US" dirty="0"/>
-                        <a:t>Storage-class memory (3D cross-point memory, etc.)</a:t>
-                      </a:r>
-                      <a:endParaRPr lang="ru-RU" dirty="0"/>
-                    </a:p>
-                  </a:txBody>
-                  <a:tcPr/>
-                </a:tc>
-                <a:tc>
-                  <a:txBody>
-                    <a:bodyPr/>
-                    <a:lstStyle/>
-                    <a:p>
-                      <a:r>
-                        <a:rPr lang="en-US" dirty="0"/>
-                        <a:t>Byte-addressable non-volatile random-access memory that connects to PCI-e or DRAM busses. “Non-volatile” means “does not lose data when powered off”</a:t>
-                      </a:r>
-                      <a:r>
-                        <a:rPr lang="ru-RU" baseline="0" dirty="0"/>
-                        <a:t>.</a:t>
-                      </a:r>
-                    </a:p>
-                    <a:p>
-                      <a:r>
-                        <a:rPr lang="ru-RU" baseline="0" dirty="0"/>
-                        <a:t>+ </a:t>
-                      </a:r>
-                      <a:r>
-                        <a:rPr lang="en-US" baseline="0" dirty="0"/>
-                        <a:t>the bandwidth and latency is comparable to</a:t>
-                      </a:r>
-                      <a:r>
-                        <a:rPr lang="ru-RU" baseline="0" dirty="0"/>
-                        <a:t> </a:t>
-                      </a:r>
-                      <a:r>
-                        <a:rPr lang="en-US" baseline="0" dirty="0"/>
-                        <a:t>DRAM,</a:t>
-                      </a:r>
-                    </a:p>
-                    <a:p>
-                      <a:r>
-                        <a:rPr lang="en-US" baseline="0" dirty="0"/>
-                        <a:t>+ the size is up to single-digit terabytes.</a:t>
-                      </a:r>
-                    </a:p>
-                  </a:txBody>
-                  <a:tcPr/>
-                </a:tc>
-                <a:extLst>
-                  <a:ext uri="{0D108BD9-81ED-4DB2-BD59-A6C34878D82A}">
-                    <a16:rowId xmlns:a16="http://schemas.microsoft.com/office/drawing/2014/main" val="10004"/>
-                  </a:ext>
-                </a:extLst>
-              </a:tr>
             </a:tbl>
           </a:graphicData>
         </a:graphic>
       </p:graphicFrame>
       <p:sp>
         <p:nvSpPr>
-          <p:cNvPr id="3" name="TextBox 2"/>
+          <p:cNvPr id="4" name="TextBox 3">
+            <a:extLst>
+              <a:ext uri="{FF2B5EF4-FFF2-40B4-BE49-F238E27FC236}">
+                <a16:creationId xmlns:a16="http://schemas.microsoft.com/office/drawing/2014/main" id="{9AA87283-23A9-9BE4-330B-3F0793C6B6F0}"/>
+              </a:ext>
+            </a:extLst>
+          </p:cNvPr>
           <p:cNvSpPr txBox="1"/>
           <p:nvPr/>
         </p:nvSpPr>
         <p:spPr>
           <a:xfrm>
             <a:off x="0" y="5947829"/>
-            <a:ext cx="4838569" cy="584775"/>
+            <a:ext cx="5694829" cy="584775"/>
           </a:xfrm>
           <a:prstGeom prst="rect">
             <a:avLst/>
@@ -21050,18 +21157,7 @@
                   </a:schemeClr>
                 </a:solidFill>
               </a:rPr>
-              <a:t>Intel SSD DC S3700 </a:t>
-            </a:r>
-            <a:r>
-              <a:rPr lang="ru-RU" sz="1600" i="1" baseline="0" dirty="0">
-                <a:solidFill>
-                  <a:schemeClr val="tx1">
-                    <a:lumMod val="50000"/>
-                    <a:lumOff val="50000"/>
-                  </a:schemeClr>
-                </a:solidFill>
-              </a:rPr>
-              <a:t>и </a:t>
+              <a:t>Intel SSD DC S3700, </a:t>
             </a:r>
             <a:r>
               <a:rPr lang="en-GB" sz="1600" i="1" baseline="0" dirty="0">
@@ -21072,7 +21168,7 @@
                   </a:schemeClr>
                 </a:solidFill>
               </a:rPr>
-              <a:t>D7-P5600</a:t>
+              <a:t>D7-P5600 and D7-PS1030</a:t>
             </a:r>
             <a:r>
               <a:rPr lang="en-US" sz="1600" i="1" baseline="0" dirty="0">
@@ -21096,10 +21192,84 @@
           </a:p>
         </p:txBody>
       </p:sp>
+      <p:sp>
+        <p:nvSpPr>
+          <p:cNvPr id="3" name="TextBox 2">
+            <a:extLst>
+              <a:ext uri="{FF2B5EF4-FFF2-40B4-BE49-F238E27FC236}">
+                <a16:creationId xmlns:a16="http://schemas.microsoft.com/office/drawing/2014/main" id="{9A523DC1-BC8B-8D44-4CA9-7A92BF110B51}"/>
+              </a:ext>
+            </a:extLst>
+          </p:cNvPr>
+          <p:cNvSpPr txBox="1"/>
+          <p:nvPr/>
+        </p:nvSpPr>
+        <p:spPr>
+          <a:xfrm>
+            <a:off x="0" y="4571153"/>
+            <a:ext cx="12192000" cy="1200329"/>
+          </a:xfrm>
+          <a:prstGeom prst="rect">
+            <a:avLst/>
+          </a:prstGeom>
+          <a:noFill/>
+        </p:spPr>
+        <p:txBody>
+          <a:bodyPr wrap="square" rtlCol="0">
+            <a:spAutoFit/>
+          </a:bodyPr>
+          <a:lstStyle/>
+          <a:p>
+            <a:r>
+              <a:rPr lang="en-CY" dirty="0"/>
+              <a:t>See also:</a:t>
+            </a:r>
+          </a:p>
+          <a:p>
+            <a:pPr marL="285750" indent="-285750">
+              <a:buFont typeface="Arial" panose="020B0604020202020204" pitchFamily="34" charset="0"/>
+              <a:buChar char="•"/>
+            </a:pPr>
+            <a:r>
+              <a:rPr lang="en-GB" dirty="0">
+                <a:hlinkClick r:id="rId3"/>
+              </a:rPr>
+              <a:t>https://lwn.net/Articles/931668/</a:t>
+            </a:r>
+            <a:endParaRPr lang="en-GB" dirty="0"/>
+          </a:p>
+          <a:p>
+            <a:pPr marL="285750" indent="-285750">
+              <a:buFont typeface="Arial" panose="020B0604020202020204" pitchFamily="34" charset="0"/>
+              <a:buChar char="•"/>
+            </a:pPr>
+            <a:r>
+              <a:rPr lang="en-GB" dirty="0">
+                <a:hlinkClick r:id="rId4"/>
+              </a:rPr>
+              <a:t>https://lwn.net/Articles/1022718/</a:t>
+            </a:r>
+            <a:endParaRPr lang="en-GB" dirty="0"/>
+          </a:p>
+          <a:p>
+            <a:pPr marL="285750" indent="-285750">
+              <a:buFont typeface="Arial" panose="020B0604020202020204" pitchFamily="34" charset="0"/>
+              <a:buChar char="•"/>
+            </a:pPr>
+            <a:r>
+              <a:rPr lang="en-GB" dirty="0">
+                <a:hlinkClick r:id="rId5"/>
+              </a:rPr>
+              <a:t>https://nabstreamingsummit.com/wp-content/uploads/2022/05/2022-Streaming-Summit-Netflix.pdf</a:t>
+            </a:r>
+            <a:endParaRPr lang="en-CY" dirty="0"/>
+          </a:p>
+        </p:txBody>
+      </p:sp>
     </p:spTree>
     <p:extLst>
       <p:ext uri="{BB962C8B-B14F-4D97-AF65-F5344CB8AC3E}">
-        <p14:creationId xmlns:p14="http://schemas.microsoft.com/office/powerpoint/2010/main" val="2004857792"/>
+        <p14:creationId xmlns:p14="http://schemas.microsoft.com/office/powerpoint/2010/main" val="1672998574"/>
       </p:ext>
     </p:extLst>
   </p:cSld>
@@ -21135,7 +21305,7 @@
           <p:nvPr>
             <p:extLst>
               <p:ext uri="{D42A27DB-BD31-4B8C-83A1-F6EECF244321}">
-                <p14:modId xmlns:p14="http://schemas.microsoft.com/office/powerpoint/2010/main" val="2167787647"/>
+                <p14:modId xmlns:p14="http://schemas.microsoft.com/office/powerpoint/2010/main" val="201434414"/>
               </p:ext>
             </p:extLst>
           </p:nvPr>
@@ -21193,7 +21363,7 @@
           <p:nvPr>
             <p:extLst>
               <p:ext uri="{D42A27DB-BD31-4B8C-83A1-F6EECF244321}">
-                <p14:modId xmlns:p14="http://schemas.microsoft.com/office/powerpoint/2010/main" val="2253413593"/>
+                <p14:modId xmlns:p14="http://schemas.microsoft.com/office/powerpoint/2010/main" val="3699176643"/>
               </p:ext>
             </p:extLst>
           </p:nvPr>
@@ -21247,6 +21417,726 @@
           <p:nvPr>
             <p:extLst>
               <p:ext uri="{D42A27DB-BD31-4B8C-83A1-F6EECF244321}">
+                <p14:modId xmlns:p14="http://schemas.microsoft.com/office/powerpoint/2010/main" val="3660538239"/>
+              </p:ext>
+            </p:extLst>
+          </p:nvPr>
+        </p:nvGraphicFramePr>
+        <p:xfrm>
+          <a:off x="0" y="365760"/>
+          <a:ext cx="12192000" cy="5394113"/>
+        </p:xfrm>
+        <a:graphic>
+          <a:graphicData uri="http://schemas.openxmlformats.org/drawingml/2006/table">
+            <a:tbl>
+              <a:tblPr firstRow="1" bandRow="1">
+                <a:tableStyleId>{3B4B98B0-60AC-42C2-AFA5-B58CD77FA1E5}</a:tableStyleId>
+              </a:tblPr>
+              <a:tblGrid>
+                <a:gridCol w="4300151">
+                  <a:extLst>
+                    <a:ext uri="{9D8B030D-6E8A-4147-A177-3AD203B41FA5}">
+                      <a16:colId xmlns:a16="http://schemas.microsoft.com/office/drawing/2014/main" val="20000"/>
+                    </a:ext>
+                  </a:extLst>
+                </a:gridCol>
+                <a:gridCol w="7891849">
+                  <a:extLst>
+                    <a:ext uri="{9D8B030D-6E8A-4147-A177-3AD203B41FA5}">
+                      <a16:colId xmlns:a16="http://schemas.microsoft.com/office/drawing/2014/main" val="20001"/>
+                    </a:ext>
+                  </a:extLst>
+                </a:gridCol>
+              </a:tblGrid>
+              <a:tr h="547793">
+                <a:tc>
+                  <a:txBody>
+                    <a:bodyPr/>
+                    <a:lstStyle/>
+                    <a:p>
+                      <a:r>
+                        <a:rPr lang="en-US" sz="2400" dirty="0"/>
+                        <a:t>Kinds of storage devices:</a:t>
+                      </a:r>
+                      <a:endParaRPr lang="ru-RU" sz="2400" dirty="0"/>
+                    </a:p>
+                  </a:txBody>
+                  <a:tcPr/>
+                </a:tc>
+                <a:tc>
+                  <a:txBody>
+                    <a:bodyPr/>
+                    <a:lstStyle/>
+                    <a:p>
+                      <a:endParaRPr lang="ru-RU" dirty="0"/>
+                    </a:p>
+                  </a:txBody>
+                  <a:tcPr/>
+                </a:tc>
+                <a:extLst>
+                  <a:ext uri="{0D108BD9-81ED-4DB2-BD59-A6C34878D82A}">
+                    <a16:rowId xmlns:a16="http://schemas.microsoft.com/office/drawing/2014/main" val="10000"/>
+                  </a:ext>
+                </a:extLst>
+              </a:tr>
+              <a:tr h="547793">
+                <a:tc>
+                  <a:txBody>
+                    <a:bodyPr/>
+                    <a:lstStyle/>
+                    <a:p>
+                      <a:r>
+                        <a:rPr lang="en-US" dirty="0"/>
+                        <a:t>HDD (Hard Disk Drive, a.k.a.</a:t>
+                      </a:r>
+                      <a:r>
+                        <a:rPr lang="en-US" baseline="0" dirty="0"/>
+                        <a:t> Rotating drive,</a:t>
+                      </a:r>
+                      <a:br>
+                        <a:rPr lang="en-US" baseline="0" dirty="0"/>
+                      </a:br>
+                      <a:r>
+                        <a:rPr lang="en-US" baseline="0" dirty="0"/>
+                        <a:t>a.k.a. Spinning rust)</a:t>
+                      </a:r>
+                      <a:endParaRPr lang="ru-RU" dirty="0"/>
+                    </a:p>
+                  </a:txBody>
+                  <a:tcPr/>
+                </a:tc>
+                <a:tc>
+                  <a:txBody>
+                    <a:bodyPr/>
+                    <a:lstStyle/>
+                    <a:p>
+                      <a:r>
+                        <a:rPr lang="en-US" dirty="0"/>
+                        <a:t>+ sequential access is reasonably fast</a:t>
+                      </a:r>
+                      <a:r>
+                        <a:rPr lang="en-US" baseline="0" dirty="0"/>
+                        <a:t> (</a:t>
+                      </a:r>
+                      <a:r>
+                        <a:rPr lang="ru-RU" dirty="0"/>
+                        <a:t>≈</a:t>
+                      </a:r>
+                      <a:r>
+                        <a:rPr lang="en-US" dirty="0"/>
+                        <a:t>250 MB/sec</a:t>
+                      </a:r>
+                      <a:r>
+                        <a:rPr lang="en-US" baseline="0" dirty="0"/>
+                        <a:t>)</a:t>
+                      </a:r>
+                      <a:endParaRPr lang="ru-RU" baseline="0" dirty="0"/>
+                    </a:p>
+                    <a:p>
+                      <a:r>
+                        <a:rPr lang="ru-RU" baseline="0" dirty="0"/>
+                        <a:t>- </a:t>
+                      </a:r>
+                      <a:r>
+                        <a:rPr lang="en-US" baseline="0" dirty="0"/>
+                        <a:t>random access is very slow (</a:t>
+                      </a:r>
+                      <a:r>
+                        <a:rPr lang="ru-RU" dirty="0"/>
+                        <a:t>≈</a:t>
+                      </a:r>
+                      <a:r>
+                        <a:rPr lang="en-US" dirty="0"/>
+                        <a:t>100 IOPS*</a:t>
+                      </a:r>
+                      <a:r>
+                        <a:rPr lang="en-US" baseline="0" dirty="0"/>
+                        <a:t>)</a:t>
+                      </a:r>
+                      <a:endParaRPr lang="ru-RU" dirty="0"/>
+                    </a:p>
+                  </a:txBody>
+                  <a:tcPr/>
+                </a:tc>
+                <a:extLst>
+                  <a:ext uri="{0D108BD9-81ED-4DB2-BD59-A6C34878D82A}">
+                    <a16:rowId xmlns:a16="http://schemas.microsoft.com/office/drawing/2014/main" val="10001"/>
+                  </a:ext>
+                </a:extLst>
+              </a:tr>
+              <a:tr h="547793">
+                <a:tc>
+                  <a:txBody>
+                    <a:bodyPr/>
+                    <a:lstStyle/>
+                    <a:p>
+                      <a:r>
+                        <a:rPr lang="en-US" dirty="0"/>
+                        <a:t>Flash</a:t>
+                      </a:r>
+                      <a:r>
+                        <a:rPr lang="en-US" baseline="0" dirty="0"/>
+                        <a:t> memory</a:t>
+                      </a:r>
+                      <a:endParaRPr lang="ru-RU" dirty="0"/>
+                    </a:p>
+                  </a:txBody>
+                  <a:tcPr/>
+                </a:tc>
+                <a:tc>
+                  <a:txBody>
+                    <a:bodyPr/>
+                    <a:lstStyle/>
+                    <a:p>
+                      <a:r>
+                        <a:rPr lang="en-US" dirty="0"/>
+                        <a:t>+ fast sequential reads</a:t>
+                      </a:r>
+                      <a:endParaRPr lang="ru-RU" dirty="0"/>
+                    </a:p>
+                    <a:p>
+                      <a:r>
+                        <a:rPr lang="ru-RU" dirty="0"/>
+                        <a:t>+ </a:t>
+                      </a:r>
+                      <a:r>
+                        <a:rPr lang="en-US" dirty="0"/>
+                        <a:t>no mechanical reader heads to reposition</a:t>
+                      </a:r>
+                      <a:endParaRPr lang="en-US" baseline="0" dirty="0"/>
+                    </a:p>
+                    <a:p>
+                      <a:r>
+                        <a:rPr lang="en-US" baseline="0" dirty="0"/>
+                        <a:t>- no random writes; it is only possible to rewrite whole “rewrite blocks” that are several MB long</a:t>
+                      </a:r>
+                    </a:p>
+                    <a:p>
+                      <a:r>
+                        <a:rPr lang="en-US" baseline="0" dirty="0"/>
+                        <a:t>- low number of rewrite cycles due to physical degradation of memory cells</a:t>
+                      </a:r>
+                      <a:endParaRPr lang="ru-RU" baseline="0" dirty="0"/>
+                    </a:p>
+                  </a:txBody>
+                  <a:tcPr/>
+                </a:tc>
+                <a:extLst>
+                  <a:ext uri="{0D108BD9-81ED-4DB2-BD59-A6C34878D82A}">
+                    <a16:rowId xmlns:a16="http://schemas.microsoft.com/office/drawing/2014/main" val="10002"/>
+                  </a:ext>
+                </a:extLst>
+              </a:tr>
+              <a:tr h="547793">
+                <a:tc>
+                  <a:txBody>
+                    <a:bodyPr/>
+                    <a:lstStyle/>
+                    <a:p>
+                      <a:r>
+                        <a:rPr lang="en-US" dirty="0"/>
+                        <a:t>SSD</a:t>
+                      </a:r>
+                      <a:r>
+                        <a:rPr lang="en-US" baseline="0" dirty="0"/>
+                        <a:t> (Solid State Drive), SATA</a:t>
+                      </a:r>
+                      <a:endParaRPr lang="ru-RU" dirty="0"/>
+                    </a:p>
+                  </a:txBody>
+                  <a:tcPr/>
+                </a:tc>
+                <a:tc>
+                  <a:txBody>
+                    <a:bodyPr/>
+                    <a:lstStyle/>
+                    <a:p>
+                      <a:r>
+                        <a:rPr lang="en-US" dirty="0"/>
+                        <a:t>Flash + a computer that hides the complexity of managing </a:t>
+                      </a:r>
+                      <a:r>
+                        <a:rPr lang="en-US" baseline="0" dirty="0"/>
+                        <a:t>“rewrite blocks”.</a:t>
+                      </a:r>
+                      <a:endParaRPr lang="ru-RU" baseline="0" dirty="0"/>
+                    </a:p>
+                    <a:p>
+                      <a:r>
+                        <a:rPr lang="ru-RU" baseline="0" dirty="0"/>
+                        <a:t>+ </a:t>
+                      </a:r>
+                      <a:r>
+                        <a:rPr lang="en-US" baseline="0" dirty="0"/>
+                        <a:t>fast sequential access</a:t>
+                      </a:r>
+                      <a:r>
+                        <a:rPr lang="ru-RU" baseline="0" dirty="0"/>
+                        <a:t> (</a:t>
+                      </a:r>
+                      <a:r>
+                        <a:rPr lang="ru-RU" dirty="0"/>
+                        <a:t>≈</a:t>
+                      </a:r>
+                      <a:r>
+                        <a:rPr lang="ru-RU" baseline="0" dirty="0"/>
+                        <a:t>500</a:t>
+                      </a:r>
+                      <a:r>
+                        <a:rPr lang="en-US" baseline="0" dirty="0"/>
+                        <a:t> MB/sec sequential read</a:t>
+                      </a:r>
+                      <a:r>
+                        <a:rPr lang="en-US" baseline="30000" dirty="0"/>
+                        <a:t>*</a:t>
+                      </a:r>
+                      <a:r>
+                        <a:rPr lang="ru-RU" baseline="0" dirty="0"/>
+                        <a:t>)</a:t>
+                      </a:r>
+                      <a:endParaRPr lang="en-US" baseline="0" dirty="0"/>
+                    </a:p>
+                    <a:p>
+                      <a:pPr marL="0" marR="0" lvl="0" indent="0" algn="l" defTabSz="914400" rtl="0" eaLnBrk="1" fontAlgn="auto" latinLnBrk="0" hangingPunct="1">
+                        <a:lnSpc>
+                          <a:spcPct val="100000"/>
+                        </a:lnSpc>
+                        <a:spcBef>
+                          <a:spcPts val="0"/>
+                        </a:spcBef>
+                        <a:spcAft>
+                          <a:spcPts val="0"/>
+                        </a:spcAft>
+                        <a:buClrTx/>
+                        <a:buSzTx/>
+                        <a:buFontTx/>
+                        <a:buNone/>
+                        <a:tabLst/>
+                        <a:defRPr/>
+                      </a:pPr>
+                      <a:r>
+                        <a:rPr lang="en-US" baseline="0" dirty="0"/>
+                        <a:t>+ fast random access</a:t>
+                      </a:r>
+                      <a:r>
+                        <a:rPr lang="ru-RU" baseline="0" dirty="0"/>
+                        <a:t> (</a:t>
+                      </a:r>
+                      <a:r>
+                        <a:rPr lang="ru-RU" dirty="0"/>
+                        <a:t>≈</a:t>
+                      </a:r>
+                      <a:r>
+                        <a:rPr lang="en-US" baseline="0" dirty="0"/>
+                        <a:t>75.000 IOPS)</a:t>
+                      </a:r>
+                    </a:p>
+                  </a:txBody>
+                  <a:tcPr/>
+                </a:tc>
+                <a:extLst>
+                  <a:ext uri="{0D108BD9-81ED-4DB2-BD59-A6C34878D82A}">
+                    <a16:rowId xmlns:a16="http://schemas.microsoft.com/office/drawing/2014/main" val="10003"/>
+                  </a:ext>
+                </a:extLst>
+              </a:tr>
+              <a:tr h="547793">
+                <a:tc>
+                  <a:txBody>
+                    <a:bodyPr/>
+                    <a:lstStyle/>
+                    <a:p>
+                      <a:r>
+                        <a:rPr lang="en-US" dirty="0"/>
+                        <a:t>SSD, </a:t>
+                      </a:r>
+                      <a:r>
+                        <a:rPr lang="en-US" dirty="0" err="1"/>
+                        <a:t>NVMe</a:t>
+                      </a:r>
+                      <a:endParaRPr lang="ru-RU" dirty="0"/>
+                    </a:p>
+                  </a:txBody>
+                  <a:tcPr/>
+                </a:tc>
+                <a:tc>
+                  <a:txBody>
+                    <a:bodyPr/>
+                    <a:lstStyle/>
+                    <a:p>
+                      <a:r>
+                        <a:rPr lang="en-US" baseline="0" dirty="0"/>
+                        <a:t>SSD with a faster interface: </a:t>
+                      </a:r>
+                      <a:r>
+                        <a:rPr lang="ru-RU" dirty="0"/>
+                        <a:t>≈</a:t>
+                      </a:r>
+                      <a:r>
+                        <a:rPr lang="en-US" baseline="0" dirty="0"/>
+                        <a:t>5 GB/sec sequential read, </a:t>
+                      </a:r>
+                      <a:r>
+                        <a:rPr lang="ru-RU" dirty="0"/>
+                        <a:t>≈</a:t>
+                      </a:r>
+                      <a:r>
+                        <a:rPr lang="en-US" baseline="0" dirty="0"/>
+                        <a:t>1M IOPS* (PCIe3-era devices). PCIe5 devices are faster yet: </a:t>
+                      </a:r>
+                      <a:r>
+                        <a:rPr lang="ru-RU" dirty="0"/>
+                        <a:t>≈</a:t>
+                      </a:r>
+                      <a:r>
+                        <a:rPr lang="en-US" dirty="0"/>
+                        <a:t>15 GB/sec sequential read, </a:t>
+                      </a:r>
+                      <a:r>
+                        <a:rPr lang="ru-RU" dirty="0"/>
+                        <a:t>≈</a:t>
+                      </a:r>
+                      <a:r>
+                        <a:rPr lang="en-US" dirty="0"/>
+                        <a:t>2.3M IOPS.</a:t>
+                      </a:r>
+                      <a:endParaRPr lang="en-US" baseline="0" dirty="0"/>
+                    </a:p>
+                  </a:txBody>
+                  <a:tcPr/>
+                </a:tc>
+                <a:extLst>
+                  <a:ext uri="{0D108BD9-81ED-4DB2-BD59-A6C34878D82A}">
+                    <a16:rowId xmlns:a16="http://schemas.microsoft.com/office/drawing/2014/main" val="3699355593"/>
+                  </a:ext>
+                </a:extLst>
+              </a:tr>
+              <a:tr h="547793">
+                <a:tc>
+                  <a:txBody>
+                    <a:bodyPr/>
+                    <a:lstStyle/>
+                    <a:p>
+                      <a:r>
+                        <a:rPr lang="en-US" dirty="0"/>
+                        <a:t>Storage-class memory (3D cross-point memory, etc.)</a:t>
+                      </a:r>
+                      <a:endParaRPr lang="ru-RU" dirty="0"/>
+                    </a:p>
+                  </a:txBody>
+                  <a:tcPr/>
+                </a:tc>
+                <a:tc>
+                  <a:txBody>
+                    <a:bodyPr/>
+                    <a:lstStyle/>
+                    <a:p>
+                      <a:r>
+                        <a:rPr lang="en-US" dirty="0"/>
+                        <a:t>Byte-addressable non-volatile random-access memory that connects to PCI-e or DRAM busses. “Non-volatile” means “does not lose data when powered off”</a:t>
+                      </a:r>
+                      <a:r>
+                        <a:rPr lang="ru-RU" baseline="0" dirty="0"/>
+                        <a:t>.</a:t>
+                      </a:r>
+                    </a:p>
+                    <a:p>
+                      <a:r>
+                        <a:rPr lang="ru-RU" baseline="0" dirty="0"/>
+                        <a:t>+ </a:t>
+                      </a:r>
+                      <a:r>
+                        <a:rPr lang="en-US" baseline="0" dirty="0"/>
+                        <a:t>the bandwidth and latency is comparable to</a:t>
+                      </a:r>
+                      <a:r>
+                        <a:rPr lang="ru-RU" baseline="0" dirty="0"/>
+                        <a:t> </a:t>
+                      </a:r>
+                      <a:r>
+                        <a:rPr lang="en-US" baseline="0" dirty="0"/>
+                        <a:t>DRAM,</a:t>
+                      </a:r>
+                    </a:p>
+                    <a:p>
+                      <a:r>
+                        <a:rPr lang="en-US" baseline="0" dirty="0"/>
+                        <a:t>+ the size is up to single-digit terabytes.</a:t>
+                      </a:r>
+                    </a:p>
+                  </a:txBody>
+                  <a:tcPr/>
+                </a:tc>
+                <a:extLst>
+                  <a:ext uri="{0D108BD9-81ED-4DB2-BD59-A6C34878D82A}">
+                    <a16:rowId xmlns:a16="http://schemas.microsoft.com/office/drawing/2014/main" val="10004"/>
+                  </a:ext>
+                </a:extLst>
+              </a:tr>
+            </a:tbl>
+          </a:graphicData>
+        </a:graphic>
+      </p:graphicFrame>
+      <p:sp>
+        <p:nvSpPr>
+          <p:cNvPr id="3" name="TextBox 2"/>
+          <p:cNvSpPr txBox="1"/>
+          <p:nvPr/>
+        </p:nvSpPr>
+        <p:spPr>
+          <a:xfrm>
+            <a:off x="0" y="5947829"/>
+            <a:ext cx="5694829" cy="584775"/>
+          </a:xfrm>
+          <a:prstGeom prst="rect">
+            <a:avLst/>
+          </a:prstGeom>
+          <a:noFill/>
+        </p:spPr>
+        <p:txBody>
+          <a:bodyPr wrap="none" rtlCol="0">
+            <a:spAutoFit/>
+          </a:bodyPr>
+          <a:lstStyle/>
+          <a:p>
+            <a:r>
+              <a:rPr lang="en-US" sz="1600" i="1" dirty="0">
+                <a:solidFill>
+                  <a:schemeClr val="tx1">
+                    <a:lumMod val="50000"/>
+                    <a:lumOff val="50000"/>
+                  </a:schemeClr>
+                </a:solidFill>
+              </a:rPr>
+              <a:t>* IOPS stands for “Input/output Operations Per Second”.</a:t>
+            </a:r>
+            <a:br>
+              <a:rPr lang="en-US" sz="1600" i="1" dirty="0">
+                <a:solidFill>
+                  <a:schemeClr val="tx1">
+                    <a:lumMod val="50000"/>
+                    <a:lumOff val="50000"/>
+                  </a:schemeClr>
+                </a:solidFill>
+              </a:rPr>
+            </a:br>
+            <a:r>
+              <a:rPr lang="en-US" sz="1600" i="1" dirty="0">
+                <a:solidFill>
+                  <a:schemeClr val="tx1">
+                    <a:lumMod val="50000"/>
+                    <a:lumOff val="50000"/>
+                  </a:schemeClr>
+                </a:solidFill>
+              </a:rPr>
+              <a:t>* As per the spec of</a:t>
+            </a:r>
+            <a:r>
+              <a:rPr lang="ru-RU" sz="1600" i="1" dirty="0">
+                <a:solidFill>
+                  <a:schemeClr val="tx1">
+                    <a:lumMod val="50000"/>
+                    <a:lumOff val="50000"/>
+                  </a:schemeClr>
+                </a:solidFill>
+              </a:rPr>
+              <a:t> </a:t>
+            </a:r>
+            <a:r>
+              <a:rPr lang="en-US" sz="1600" i="1" dirty="0">
+                <a:solidFill>
+                  <a:schemeClr val="tx1">
+                    <a:lumMod val="50000"/>
+                    <a:lumOff val="50000"/>
+                  </a:schemeClr>
+                </a:solidFill>
+              </a:rPr>
+              <a:t>Intel SSD DC S3700, </a:t>
+            </a:r>
+            <a:r>
+              <a:rPr lang="en-GB" sz="1600" i="1" dirty="0">
+                <a:solidFill>
+                  <a:schemeClr val="tx1">
+                    <a:lumMod val="50000"/>
+                    <a:lumOff val="50000"/>
+                  </a:schemeClr>
+                </a:solidFill>
+              </a:rPr>
+              <a:t>D7-P5600 and D7-PS1030</a:t>
+            </a:r>
+            <a:r>
+              <a:rPr lang="en-US" sz="1600" i="1" dirty="0">
+                <a:solidFill>
+                  <a:schemeClr val="tx1">
+                    <a:lumMod val="50000"/>
+                    <a:lumOff val="50000"/>
+                  </a:schemeClr>
+                </a:solidFill>
+              </a:rPr>
+              <a:t>.</a:t>
+            </a:r>
+            <a:endParaRPr lang="en-GB" sz="1600" i="1" baseline="0" dirty="0">
+              <a:solidFill>
+                <a:schemeClr val="tx1">
+                  <a:lumMod val="50000"/>
+                  <a:lumOff val="50000"/>
+                </a:schemeClr>
+              </a:solidFill>
+            </a:endParaRPr>
+          </a:p>
+        </p:txBody>
+      </p:sp>
+    </p:spTree>
+    <p:extLst>
+      <p:ext uri="{BB962C8B-B14F-4D97-AF65-F5344CB8AC3E}">
+        <p14:creationId xmlns:p14="http://schemas.microsoft.com/office/powerpoint/2010/main" val="2004857792"/>
+      </p:ext>
+    </p:extLst>
+  </p:cSld>
+  <p:clrMapOvr>
+    <a:masterClrMapping/>
+  </p:clrMapOvr>
+</p:sld>
+</file>
+
+<file path=ppt/slides/slide25.xml><?xml version="1.0" encoding="utf-8"?>
+<p:sld xmlns:a="http://schemas.openxmlformats.org/drawingml/2006/main" xmlns:r="http://schemas.openxmlformats.org/officeDocument/2006/relationships" xmlns:p="http://schemas.openxmlformats.org/presentationml/2006/main">
+  <p:cSld>
+    <p:spTree>
+      <p:nvGrpSpPr>
+        <p:cNvPr id="1" name=""/>
+        <p:cNvGrpSpPr/>
+        <p:nvPr/>
+      </p:nvGrpSpPr>
+      <p:grpSpPr>
+        <a:xfrm>
+          <a:off x="0" y="0"/>
+          <a:ext cx="0" cy="0"/>
+          <a:chOff x="0" y="0"/>
+          <a:chExt cx="0" cy="0"/>
+        </a:xfrm>
+      </p:grpSpPr>
+      <p:graphicFrame>
+        <p:nvGraphicFramePr>
+          <p:cNvPr id="5" name="Table 4"/>
+          <p:cNvGraphicFramePr>
+            <a:graphicFrameLocks noGrp="1"/>
+          </p:cNvGraphicFramePr>
+          <p:nvPr>
+            <p:extLst>
+              <p:ext uri="{D42A27DB-BD31-4B8C-83A1-F6EECF244321}">
+                <p14:modId xmlns:p14="http://schemas.microsoft.com/office/powerpoint/2010/main" val="2167787647"/>
+              </p:ext>
+            </p:extLst>
+          </p:nvPr>
+        </p:nvGraphicFramePr>
+        <p:xfrm>
+          <a:off x="0" y="1"/>
+          <a:ext cx="12192000" cy="365760"/>
+        </p:xfrm>
+        <a:graphic>
+          <a:graphicData uri="http://schemas.openxmlformats.org/drawingml/2006/table">
+            <a:tbl>
+              <a:tblPr firstRow="1" bandRow="1">
+                <a:tableStyleId>{5C22544A-7EE6-4342-B048-85BDC9FD1C3A}</a:tableStyleId>
+              </a:tblPr>
+              <a:tblGrid>
+                <a:gridCol w="12192000">
+                  <a:extLst>
+                    <a:ext uri="{9D8B030D-6E8A-4147-A177-3AD203B41FA5}">
+                      <a16:colId xmlns:a16="http://schemas.microsoft.com/office/drawing/2014/main" val="20000"/>
+                    </a:ext>
+                  </a:extLst>
+                </a:gridCol>
+              </a:tblGrid>
+              <a:tr h="321276">
+                <a:tc>
+                  <a:txBody>
+                    <a:bodyPr/>
+                    <a:lstStyle/>
+                    <a:p>
+                      <a:r>
+                        <a:rPr lang="en-US" sz="1800" dirty="0"/>
+                        <a:t>The basics of file systems</a:t>
+                      </a:r>
+                      <a:endParaRPr lang="ru-RU" sz="1800" dirty="0"/>
+                    </a:p>
+                  </a:txBody>
+                  <a:tcPr/>
+                </a:tc>
+                <a:extLst>
+                  <a:ext uri="{0D108BD9-81ED-4DB2-BD59-A6C34878D82A}">
+                    <a16:rowId xmlns:a16="http://schemas.microsoft.com/office/drawing/2014/main" val="10000"/>
+                  </a:ext>
+                </a:extLst>
+              </a:tr>
+            </a:tbl>
+          </a:graphicData>
+        </a:graphic>
+      </p:graphicFrame>
+      <p:graphicFrame>
+        <p:nvGraphicFramePr>
+          <p:cNvPr id="6" name="Table 5"/>
+          <p:cNvGraphicFramePr>
+            <a:graphicFrameLocks noGrp="1"/>
+          </p:cNvGraphicFramePr>
+          <p:nvPr>
+            <p:extLst>
+              <p:ext uri="{D42A27DB-BD31-4B8C-83A1-F6EECF244321}">
+                <p14:modId xmlns:p14="http://schemas.microsoft.com/office/powerpoint/2010/main" val="2253413593"/>
+              </p:ext>
+            </p:extLst>
+          </p:nvPr>
+        </p:nvGraphicFramePr>
+        <p:xfrm>
+          <a:off x="0" y="6532604"/>
+          <a:ext cx="12192000" cy="365760"/>
+        </p:xfrm>
+        <a:graphic>
+          <a:graphicData uri="http://schemas.openxmlformats.org/drawingml/2006/table">
+            <a:tbl>
+              <a:tblPr firstRow="1" bandRow="1">
+                <a:tableStyleId>{5C22544A-7EE6-4342-B048-85BDC9FD1C3A}</a:tableStyleId>
+              </a:tblPr>
+              <a:tblGrid>
+                <a:gridCol w="12192000">
+                  <a:extLst>
+                    <a:ext uri="{9D8B030D-6E8A-4147-A177-3AD203B41FA5}">
+                      <a16:colId xmlns:a16="http://schemas.microsoft.com/office/drawing/2014/main" val="20000"/>
+                    </a:ext>
+                  </a:extLst>
+                </a:gridCol>
+              </a:tblGrid>
+              <a:tr h="308094">
+                <a:tc>
+                  <a:txBody>
+                    <a:bodyPr/>
+                    <a:lstStyle/>
+                    <a:p>
+                      <a:endParaRPr lang="ru-RU" dirty="0"/>
+                    </a:p>
+                  </a:txBody>
+                  <a:tcPr/>
+                </a:tc>
+                <a:extLst>
+                  <a:ext uri="{0D108BD9-81ED-4DB2-BD59-A6C34878D82A}">
+                    <a16:rowId xmlns:a16="http://schemas.microsoft.com/office/drawing/2014/main" val="10000"/>
+                  </a:ext>
+                </a:extLst>
+              </a:tr>
+            </a:tbl>
+          </a:graphicData>
+        </a:graphic>
+      </p:graphicFrame>
+      <p:graphicFrame>
+        <p:nvGraphicFramePr>
+          <p:cNvPr id="2" name="Table 1"/>
+          <p:cNvGraphicFramePr>
+            <a:graphicFrameLocks noGrp="1"/>
+          </p:cNvGraphicFramePr>
+          <p:nvPr>
+            <p:extLst>
+              <p:ext uri="{D42A27DB-BD31-4B8C-83A1-F6EECF244321}">
                 <p14:modId xmlns:p14="http://schemas.microsoft.com/office/powerpoint/2010/main" val="1736250856"/>
               </p:ext>
             </p:extLst>
@@ -21365,7 +22255,7 @@
 </p:sld>
 </file>
 
-<file path=ppt/slides/slide25.xml><?xml version="1.0" encoding="utf-8"?>
+<file path=ppt/slides/slide26.xml><?xml version="1.0" encoding="utf-8"?>
 <p:sld xmlns:a="http://schemas.openxmlformats.org/drawingml/2006/main" xmlns:r="http://schemas.openxmlformats.org/officeDocument/2006/relationships" xmlns:p="http://schemas.openxmlformats.org/presentationml/2006/main">
   <p:cSld>
     <p:spTree>
@@ -21613,7 +22503,7 @@
 </p:sld>
 </file>
 
-<file path=ppt/slides/slide26.xml><?xml version="1.0" encoding="utf-8"?>
+<file path=ppt/slides/slide27.xml><?xml version="1.0" encoding="utf-8"?>
 <p:sld xmlns:a="http://schemas.openxmlformats.org/drawingml/2006/main" xmlns:r="http://schemas.openxmlformats.org/officeDocument/2006/relationships" xmlns:p="http://schemas.openxmlformats.org/presentationml/2006/main">
   <p:cSld>
     <p:spTree>
@@ -22007,7 +22897,7 @@
 </p:sld>
 </file>
 
-<file path=ppt/slides/slide27.xml><?xml version="1.0" encoding="utf-8"?>
+<file path=ppt/slides/slide28.xml><?xml version="1.0" encoding="utf-8"?>
 <p:sld xmlns:a="http://schemas.openxmlformats.org/drawingml/2006/main" xmlns:r="http://schemas.openxmlformats.org/officeDocument/2006/relationships" xmlns:p="http://schemas.openxmlformats.org/presentationml/2006/main">
   <p:cSld>
     <p:spTree>
@@ -22459,7 +23349,7 @@
 </p:sld>
 </file>
 
-<file path=ppt/slides/slide28.xml><?xml version="1.0" encoding="utf-8"?>
+<file path=ppt/slides/slide29.xml><?xml version="1.0" encoding="utf-8"?>
 <p:sld xmlns:a="http://schemas.openxmlformats.org/drawingml/2006/main" xmlns:r="http://schemas.openxmlformats.org/officeDocument/2006/relationships" xmlns:p="http://schemas.openxmlformats.org/presentationml/2006/main">
   <p:cSld>
     <p:spTree>
@@ -22914,7 +23804,381 @@
 </p:sld>
 </file>
 
-<file path=ppt/slides/slide29.xml><?xml version="1.0" encoding="utf-8"?>
+<file path=ppt/slides/slide3.xml><?xml version="1.0" encoding="utf-8"?>
+<p:sld xmlns:a="http://schemas.openxmlformats.org/drawingml/2006/main" xmlns:r="http://schemas.openxmlformats.org/officeDocument/2006/relationships" xmlns:p="http://schemas.openxmlformats.org/presentationml/2006/main">
+  <p:cSld>
+    <p:spTree>
+      <p:nvGrpSpPr>
+        <p:cNvPr id="1" name=""/>
+        <p:cNvGrpSpPr/>
+        <p:nvPr/>
+      </p:nvGrpSpPr>
+      <p:grpSpPr>
+        <a:xfrm>
+          <a:off x="0" y="0"/>
+          <a:ext cx="0" cy="0"/>
+          <a:chOff x="0" y="0"/>
+          <a:chExt cx="0" cy="0"/>
+        </a:xfrm>
+      </p:grpSpPr>
+      <p:graphicFrame>
+        <p:nvGraphicFramePr>
+          <p:cNvPr id="5" name="Table 4"/>
+          <p:cNvGraphicFramePr>
+            <a:graphicFrameLocks noGrp="1"/>
+          </p:cNvGraphicFramePr>
+          <p:nvPr>
+            <p:extLst>
+              <p:ext uri="{D42A27DB-BD31-4B8C-83A1-F6EECF244321}">
+                <p14:modId xmlns:p14="http://schemas.microsoft.com/office/powerpoint/2010/main" val="835022921"/>
+              </p:ext>
+            </p:extLst>
+          </p:nvPr>
+        </p:nvGraphicFramePr>
+        <p:xfrm>
+          <a:off x="0" y="1"/>
+          <a:ext cx="12192000" cy="365760"/>
+        </p:xfrm>
+        <a:graphic>
+          <a:graphicData uri="http://schemas.openxmlformats.org/drawingml/2006/table">
+            <a:tbl>
+              <a:tblPr firstRow="1" bandRow="1">
+                <a:tableStyleId>{5C22544A-7EE6-4342-B048-85BDC9FD1C3A}</a:tableStyleId>
+              </a:tblPr>
+              <a:tblGrid>
+                <a:gridCol w="12192000">
+                  <a:extLst>
+                    <a:ext uri="{9D8B030D-6E8A-4147-A177-3AD203B41FA5}">
+                      <a16:colId xmlns:a16="http://schemas.microsoft.com/office/drawing/2014/main" val="20000"/>
+                    </a:ext>
+                  </a:extLst>
+                </a:gridCol>
+              </a:tblGrid>
+              <a:tr h="321276">
+                <a:tc>
+                  <a:txBody>
+                    <a:bodyPr/>
+                    <a:lstStyle/>
+                    <a:p>
+                      <a:r>
+                        <a:rPr lang="en-US" sz="1800" dirty="0"/>
+                        <a:t>The basics of file systems</a:t>
+                      </a:r>
+                      <a:endParaRPr lang="ru-RU" sz="1800" dirty="0"/>
+                    </a:p>
+                  </a:txBody>
+                  <a:tcPr/>
+                </a:tc>
+                <a:extLst>
+                  <a:ext uri="{0D108BD9-81ED-4DB2-BD59-A6C34878D82A}">
+                    <a16:rowId xmlns:a16="http://schemas.microsoft.com/office/drawing/2014/main" val="10000"/>
+                  </a:ext>
+                </a:extLst>
+              </a:tr>
+            </a:tbl>
+          </a:graphicData>
+        </a:graphic>
+      </p:graphicFrame>
+      <p:graphicFrame>
+        <p:nvGraphicFramePr>
+          <p:cNvPr id="6" name="Table 5"/>
+          <p:cNvGraphicFramePr>
+            <a:graphicFrameLocks noGrp="1"/>
+          </p:cNvGraphicFramePr>
+          <p:nvPr>
+            <p:extLst>
+              <p:ext uri="{D42A27DB-BD31-4B8C-83A1-F6EECF244321}">
+                <p14:modId xmlns:p14="http://schemas.microsoft.com/office/powerpoint/2010/main" val="2496097309"/>
+              </p:ext>
+            </p:extLst>
+          </p:nvPr>
+        </p:nvGraphicFramePr>
+        <p:xfrm>
+          <a:off x="0" y="6532604"/>
+          <a:ext cx="12192000" cy="365760"/>
+        </p:xfrm>
+        <a:graphic>
+          <a:graphicData uri="http://schemas.openxmlformats.org/drawingml/2006/table">
+            <a:tbl>
+              <a:tblPr firstRow="1" bandRow="1">
+                <a:tableStyleId>{5C22544A-7EE6-4342-B048-85BDC9FD1C3A}</a:tableStyleId>
+              </a:tblPr>
+              <a:tblGrid>
+                <a:gridCol w="12192000">
+                  <a:extLst>
+                    <a:ext uri="{9D8B030D-6E8A-4147-A177-3AD203B41FA5}">
+                      <a16:colId xmlns:a16="http://schemas.microsoft.com/office/drawing/2014/main" val="20000"/>
+                    </a:ext>
+                  </a:extLst>
+                </a:gridCol>
+              </a:tblGrid>
+              <a:tr h="308094">
+                <a:tc>
+                  <a:txBody>
+                    <a:bodyPr/>
+                    <a:lstStyle/>
+                    <a:p>
+                      <a:endParaRPr lang="ru-RU" dirty="0"/>
+                    </a:p>
+                  </a:txBody>
+                  <a:tcPr/>
+                </a:tc>
+                <a:extLst>
+                  <a:ext uri="{0D108BD9-81ED-4DB2-BD59-A6C34878D82A}">
+                    <a16:rowId xmlns:a16="http://schemas.microsoft.com/office/drawing/2014/main" val="10000"/>
+                  </a:ext>
+                </a:extLst>
+              </a:tr>
+            </a:tbl>
+          </a:graphicData>
+        </a:graphic>
+      </p:graphicFrame>
+      <p:graphicFrame>
+        <p:nvGraphicFramePr>
+          <p:cNvPr id="8" name="Table 7"/>
+          <p:cNvGraphicFramePr>
+            <a:graphicFrameLocks noGrp="1"/>
+          </p:cNvGraphicFramePr>
+          <p:nvPr>
+            <p:extLst>
+              <p:ext uri="{D42A27DB-BD31-4B8C-83A1-F6EECF244321}">
+                <p14:modId xmlns:p14="http://schemas.microsoft.com/office/powerpoint/2010/main" val="2166194187"/>
+              </p:ext>
+            </p:extLst>
+          </p:nvPr>
+        </p:nvGraphicFramePr>
+        <p:xfrm>
+          <a:off x="0" y="1524000"/>
+          <a:ext cx="7463481" cy="2438400"/>
+        </p:xfrm>
+        <a:graphic>
+          <a:graphicData uri="http://schemas.openxmlformats.org/drawingml/2006/table">
+            <a:tbl>
+              <a:tblPr firstRow="1" bandRow="1">
+                <a:tableStyleId>{2D5ABB26-0587-4C30-8999-92F81FD0307C}</a:tableStyleId>
+              </a:tblPr>
+              <a:tblGrid>
+                <a:gridCol w="7463481">
+                  <a:extLst>
+                    <a:ext uri="{9D8B030D-6E8A-4147-A177-3AD203B41FA5}">
+                      <a16:colId xmlns:a16="http://schemas.microsoft.com/office/drawing/2014/main" val="20000"/>
+                    </a:ext>
+                  </a:extLst>
+                </a:gridCol>
+              </a:tblGrid>
+              <a:tr h="2438400">
+                <a:tc>
+                  <a:txBody>
+                    <a:bodyPr/>
+                    <a:lstStyle/>
+                    <a:p>
+                      <a:pPr marL="457200" indent="-457200">
+                        <a:buFont typeface="Arial" panose="020B0604020202020204" pitchFamily="34" charset="0"/>
+                        <a:buChar char="•"/>
+                      </a:pPr>
+                      <a:r>
+                        <a:rPr lang="en-US" sz="3200" dirty="0"/>
+                        <a:t>store our data</a:t>
+                      </a:r>
+                    </a:p>
+                  </a:txBody>
+                  <a:tcPr/>
+                </a:tc>
+                <a:extLst>
+                  <a:ext uri="{0D108BD9-81ED-4DB2-BD59-A6C34878D82A}">
+                    <a16:rowId xmlns:a16="http://schemas.microsoft.com/office/drawing/2014/main" val="10000"/>
+                  </a:ext>
+                </a:extLst>
+              </a:tr>
+            </a:tbl>
+          </a:graphicData>
+        </a:graphic>
+      </p:graphicFrame>
+      <p:graphicFrame>
+        <p:nvGraphicFramePr>
+          <p:cNvPr id="9" name="Table 8"/>
+          <p:cNvGraphicFramePr>
+            <a:graphicFrameLocks noGrp="1"/>
+          </p:cNvGraphicFramePr>
+          <p:nvPr>
+            <p:extLst>
+              <p:ext uri="{D42A27DB-BD31-4B8C-83A1-F6EECF244321}">
+                <p14:modId xmlns:p14="http://schemas.microsoft.com/office/powerpoint/2010/main" val="142991380"/>
+              </p:ext>
+            </p:extLst>
+          </p:nvPr>
+        </p:nvGraphicFramePr>
+        <p:xfrm>
+          <a:off x="0" y="365761"/>
+          <a:ext cx="12192000" cy="579120"/>
+        </p:xfrm>
+        <a:graphic>
+          <a:graphicData uri="http://schemas.openxmlformats.org/drawingml/2006/table">
+            <a:tbl>
+              <a:tblPr firstRow="1" bandRow="1">
+                <a:tableStyleId>{3B4B98B0-60AC-42C2-AFA5-B58CD77FA1E5}</a:tableStyleId>
+              </a:tblPr>
+              <a:tblGrid>
+                <a:gridCol w="12192000">
+                  <a:extLst>
+                    <a:ext uri="{9D8B030D-6E8A-4147-A177-3AD203B41FA5}">
+                      <a16:colId xmlns:a16="http://schemas.microsoft.com/office/drawing/2014/main" val="20000"/>
+                    </a:ext>
+                  </a:extLst>
+                </a:gridCol>
+              </a:tblGrid>
+              <a:tr h="365761">
+                <a:tc>
+                  <a:txBody>
+                    <a:bodyPr/>
+                    <a:lstStyle/>
+                    <a:p>
+                      <a:r>
+                        <a:rPr lang="en-US" sz="3200" dirty="0"/>
+                        <a:t>What a file system must do</a:t>
+                      </a:r>
+                      <a:r>
+                        <a:rPr lang="ru-RU" sz="3200" dirty="0"/>
+                        <a:t>:</a:t>
+                      </a:r>
+                    </a:p>
+                  </a:txBody>
+                  <a:tcPr/>
+                </a:tc>
+                <a:extLst>
+                  <a:ext uri="{0D108BD9-81ED-4DB2-BD59-A6C34878D82A}">
+                    <a16:rowId xmlns:a16="http://schemas.microsoft.com/office/drawing/2014/main" val="10000"/>
+                  </a:ext>
+                </a:extLst>
+              </a:tr>
+            </a:tbl>
+          </a:graphicData>
+        </a:graphic>
+      </p:graphicFrame>
+      <p:pic>
+        <p:nvPicPr>
+          <p:cNvPr id="2" name="Picture 1"/>
+          <p:cNvPicPr>
+            <a:picLocks noChangeAspect="1"/>
+          </p:cNvPicPr>
+          <p:nvPr/>
+        </p:nvPicPr>
+        <p:blipFill>
+          <a:blip r:embed="rId3"/>
+          <a:stretch>
+            <a:fillRect/>
+          </a:stretch>
+        </p:blipFill>
+        <p:spPr>
+          <a:xfrm>
+            <a:off x="5669693" y="1524000"/>
+            <a:ext cx="5943600" cy="723900"/>
+          </a:xfrm>
+          <a:prstGeom prst="rect">
+            <a:avLst/>
+          </a:prstGeom>
+        </p:spPr>
+      </p:pic>
+      <p:sp>
+        <p:nvSpPr>
+          <p:cNvPr id="3" name="Up Arrow 2"/>
+          <p:cNvSpPr/>
+          <p:nvPr/>
+        </p:nvSpPr>
+        <p:spPr>
+          <a:xfrm>
+            <a:off x="7463481" y="2306595"/>
+            <a:ext cx="420130" cy="683740"/>
+          </a:xfrm>
+          <a:prstGeom prst="upArrow">
+            <a:avLst/>
+          </a:prstGeom>
+        </p:spPr>
+        <p:style>
+          <a:lnRef idx="2">
+            <a:schemeClr val="accent1">
+              <a:shade val="50000"/>
+            </a:schemeClr>
+          </a:lnRef>
+          <a:fillRef idx="1">
+            <a:schemeClr val="accent1"/>
+          </a:fillRef>
+          <a:effectRef idx="0">
+            <a:schemeClr val="accent1"/>
+          </a:effectRef>
+          <a:fontRef idx="minor">
+            <a:schemeClr val="lt1"/>
+          </a:fontRef>
+        </p:style>
+        <p:txBody>
+          <a:bodyPr rtlCol="0" anchor="ctr"/>
+          <a:lstStyle/>
+          <a:p>
+            <a:pPr algn="ctr"/>
+            <a:endParaRPr lang="ru-RU"/>
+          </a:p>
+        </p:txBody>
+      </p:sp>
+      <p:sp>
+        <p:nvSpPr>
+          <p:cNvPr id="4" name="TextBox 3"/>
+          <p:cNvSpPr txBox="1"/>
+          <p:nvPr/>
+        </p:nvSpPr>
+        <p:spPr>
+          <a:xfrm>
+            <a:off x="5703694" y="3153202"/>
+            <a:ext cx="3939733" cy="646331"/>
+          </a:xfrm>
+          <a:prstGeom prst="rect">
+            <a:avLst/>
+          </a:prstGeom>
+          <a:noFill/>
+        </p:spPr>
+        <p:txBody>
+          <a:bodyPr wrap="none" rtlCol="0">
+            <a:spAutoFit/>
+          </a:bodyPr>
+          <a:lstStyle/>
+          <a:p>
+            <a:pPr algn="ctr"/>
+            <a:r>
+              <a:rPr lang="en-US" dirty="0"/>
+              <a:t>This </a:t>
+            </a:r>
+            <a:r>
+              <a:rPr lang="en-US" dirty="0" err="1"/>
+              <a:t>organisation</a:t>
+            </a:r>
+            <a:r>
+              <a:rPr lang="en-US" dirty="0"/>
+              <a:t> becomes inconvenient</a:t>
+            </a:r>
+            <a:br>
+              <a:rPr lang="en-US" dirty="0"/>
+            </a:br>
+            <a:r>
+              <a:rPr lang="en-US" dirty="0"/>
+              <a:t>if we have thousands of files.</a:t>
+            </a:r>
+            <a:endParaRPr lang="ru-RU" dirty="0"/>
+          </a:p>
+        </p:txBody>
+      </p:sp>
+    </p:spTree>
+    <p:extLst>
+      <p:ext uri="{BB962C8B-B14F-4D97-AF65-F5344CB8AC3E}">
+        <p14:creationId xmlns:p14="http://schemas.microsoft.com/office/powerpoint/2010/main" val="3856830964"/>
+      </p:ext>
+    </p:extLst>
+  </p:cSld>
+  <p:clrMapOvr>
+    <a:masterClrMapping/>
+  </p:clrMapOvr>
+</p:sld>
+</file>
+
+<file path=ppt/slides/slide30.xml><?xml version="1.0" encoding="utf-8"?>
 <p:sld xmlns:a="http://schemas.openxmlformats.org/drawingml/2006/main" xmlns:r="http://schemas.openxmlformats.org/officeDocument/2006/relationships" xmlns:p="http://schemas.openxmlformats.org/presentationml/2006/main">
   <p:cSld>
     <p:spTree>
@@ -23731,7 +24995,7 @@
 </p:sld>
 </file>
 
-<file path=ppt/slides/slide3.xml><?xml version="1.0" encoding="utf-8"?>
+<file path=ppt/slides/slide31.xml><?xml version="1.0" encoding="utf-8"?>
 <p:sld xmlns:a="http://schemas.openxmlformats.org/drawingml/2006/main" xmlns:r="http://schemas.openxmlformats.org/officeDocument/2006/relationships" xmlns:p="http://schemas.openxmlformats.org/presentationml/2006/main">
   <p:cSld>
     <p:spTree>
@@ -23757,7 +25021,7 @@
           <p:nvPr>
             <p:extLst>
               <p:ext uri="{D42A27DB-BD31-4B8C-83A1-F6EECF244321}">
-                <p14:modId xmlns:p14="http://schemas.microsoft.com/office/powerpoint/2010/main" val="835022921"/>
+                <p14:modId xmlns:p14="http://schemas.microsoft.com/office/powerpoint/2010/main" val="1725595801"/>
               </p:ext>
             </p:extLst>
           </p:nvPr>
@@ -23815,7 +25079,7 @@
           <p:nvPr>
             <p:extLst>
               <p:ext uri="{D42A27DB-BD31-4B8C-83A1-F6EECF244321}">
-                <p14:modId xmlns:p14="http://schemas.microsoft.com/office/powerpoint/2010/main" val="2496097309"/>
+                <p14:modId xmlns:p14="http://schemas.microsoft.com/office/powerpoint/2010/main" val="2471234950"/>
               </p:ext>
             </p:extLst>
           </p:nvPr>
@@ -23862,380 +25126,6 @@
       </p:graphicFrame>
       <p:graphicFrame>
         <p:nvGraphicFramePr>
-          <p:cNvPr id="8" name="Table 7"/>
-          <p:cNvGraphicFramePr>
-            <a:graphicFrameLocks noGrp="1"/>
-          </p:cNvGraphicFramePr>
-          <p:nvPr>
-            <p:extLst>
-              <p:ext uri="{D42A27DB-BD31-4B8C-83A1-F6EECF244321}">
-                <p14:modId xmlns:p14="http://schemas.microsoft.com/office/powerpoint/2010/main" val="2166194187"/>
-              </p:ext>
-            </p:extLst>
-          </p:nvPr>
-        </p:nvGraphicFramePr>
-        <p:xfrm>
-          <a:off x="0" y="1524000"/>
-          <a:ext cx="7463481" cy="2438400"/>
-        </p:xfrm>
-        <a:graphic>
-          <a:graphicData uri="http://schemas.openxmlformats.org/drawingml/2006/table">
-            <a:tbl>
-              <a:tblPr firstRow="1" bandRow="1">
-                <a:tableStyleId>{2D5ABB26-0587-4C30-8999-92F81FD0307C}</a:tableStyleId>
-              </a:tblPr>
-              <a:tblGrid>
-                <a:gridCol w="7463481">
-                  <a:extLst>
-                    <a:ext uri="{9D8B030D-6E8A-4147-A177-3AD203B41FA5}">
-                      <a16:colId xmlns:a16="http://schemas.microsoft.com/office/drawing/2014/main" val="20000"/>
-                    </a:ext>
-                  </a:extLst>
-                </a:gridCol>
-              </a:tblGrid>
-              <a:tr h="2438400">
-                <a:tc>
-                  <a:txBody>
-                    <a:bodyPr/>
-                    <a:lstStyle/>
-                    <a:p>
-                      <a:pPr marL="457200" indent="-457200">
-                        <a:buFont typeface="Arial" panose="020B0604020202020204" pitchFamily="34" charset="0"/>
-                        <a:buChar char="•"/>
-                      </a:pPr>
-                      <a:r>
-                        <a:rPr lang="en-US" sz="3200" dirty="0"/>
-                        <a:t>store our data</a:t>
-                      </a:r>
-                    </a:p>
-                  </a:txBody>
-                  <a:tcPr/>
-                </a:tc>
-                <a:extLst>
-                  <a:ext uri="{0D108BD9-81ED-4DB2-BD59-A6C34878D82A}">
-                    <a16:rowId xmlns:a16="http://schemas.microsoft.com/office/drawing/2014/main" val="10000"/>
-                  </a:ext>
-                </a:extLst>
-              </a:tr>
-            </a:tbl>
-          </a:graphicData>
-        </a:graphic>
-      </p:graphicFrame>
-      <p:graphicFrame>
-        <p:nvGraphicFramePr>
-          <p:cNvPr id="9" name="Table 8"/>
-          <p:cNvGraphicFramePr>
-            <a:graphicFrameLocks noGrp="1"/>
-          </p:cNvGraphicFramePr>
-          <p:nvPr>
-            <p:extLst>
-              <p:ext uri="{D42A27DB-BD31-4B8C-83A1-F6EECF244321}">
-                <p14:modId xmlns:p14="http://schemas.microsoft.com/office/powerpoint/2010/main" val="142991380"/>
-              </p:ext>
-            </p:extLst>
-          </p:nvPr>
-        </p:nvGraphicFramePr>
-        <p:xfrm>
-          <a:off x="0" y="365761"/>
-          <a:ext cx="12192000" cy="579120"/>
-        </p:xfrm>
-        <a:graphic>
-          <a:graphicData uri="http://schemas.openxmlformats.org/drawingml/2006/table">
-            <a:tbl>
-              <a:tblPr firstRow="1" bandRow="1">
-                <a:tableStyleId>{3B4B98B0-60AC-42C2-AFA5-B58CD77FA1E5}</a:tableStyleId>
-              </a:tblPr>
-              <a:tblGrid>
-                <a:gridCol w="12192000">
-                  <a:extLst>
-                    <a:ext uri="{9D8B030D-6E8A-4147-A177-3AD203B41FA5}">
-                      <a16:colId xmlns:a16="http://schemas.microsoft.com/office/drawing/2014/main" val="20000"/>
-                    </a:ext>
-                  </a:extLst>
-                </a:gridCol>
-              </a:tblGrid>
-              <a:tr h="365761">
-                <a:tc>
-                  <a:txBody>
-                    <a:bodyPr/>
-                    <a:lstStyle/>
-                    <a:p>
-                      <a:r>
-                        <a:rPr lang="en-US" sz="3200" dirty="0"/>
-                        <a:t>What a file system must do</a:t>
-                      </a:r>
-                      <a:r>
-                        <a:rPr lang="ru-RU" sz="3200" dirty="0"/>
-                        <a:t>:</a:t>
-                      </a:r>
-                    </a:p>
-                  </a:txBody>
-                  <a:tcPr/>
-                </a:tc>
-                <a:extLst>
-                  <a:ext uri="{0D108BD9-81ED-4DB2-BD59-A6C34878D82A}">
-                    <a16:rowId xmlns:a16="http://schemas.microsoft.com/office/drawing/2014/main" val="10000"/>
-                  </a:ext>
-                </a:extLst>
-              </a:tr>
-            </a:tbl>
-          </a:graphicData>
-        </a:graphic>
-      </p:graphicFrame>
-      <p:pic>
-        <p:nvPicPr>
-          <p:cNvPr id="2" name="Picture 1"/>
-          <p:cNvPicPr>
-            <a:picLocks noChangeAspect="1"/>
-          </p:cNvPicPr>
-          <p:nvPr/>
-        </p:nvPicPr>
-        <p:blipFill>
-          <a:blip r:embed="rId3"/>
-          <a:stretch>
-            <a:fillRect/>
-          </a:stretch>
-        </p:blipFill>
-        <p:spPr>
-          <a:xfrm>
-            <a:off x="5669693" y="1524000"/>
-            <a:ext cx="5943600" cy="723900"/>
-          </a:xfrm>
-          <a:prstGeom prst="rect">
-            <a:avLst/>
-          </a:prstGeom>
-        </p:spPr>
-      </p:pic>
-      <p:sp>
-        <p:nvSpPr>
-          <p:cNvPr id="3" name="Up Arrow 2"/>
-          <p:cNvSpPr/>
-          <p:nvPr/>
-        </p:nvSpPr>
-        <p:spPr>
-          <a:xfrm>
-            <a:off x="7463481" y="2306595"/>
-            <a:ext cx="420130" cy="683740"/>
-          </a:xfrm>
-          <a:prstGeom prst="upArrow">
-            <a:avLst/>
-          </a:prstGeom>
-        </p:spPr>
-        <p:style>
-          <a:lnRef idx="2">
-            <a:schemeClr val="accent1">
-              <a:shade val="50000"/>
-            </a:schemeClr>
-          </a:lnRef>
-          <a:fillRef idx="1">
-            <a:schemeClr val="accent1"/>
-          </a:fillRef>
-          <a:effectRef idx="0">
-            <a:schemeClr val="accent1"/>
-          </a:effectRef>
-          <a:fontRef idx="minor">
-            <a:schemeClr val="lt1"/>
-          </a:fontRef>
-        </p:style>
-        <p:txBody>
-          <a:bodyPr rtlCol="0" anchor="ctr"/>
-          <a:lstStyle/>
-          <a:p>
-            <a:pPr algn="ctr"/>
-            <a:endParaRPr lang="ru-RU"/>
-          </a:p>
-        </p:txBody>
-      </p:sp>
-      <p:sp>
-        <p:nvSpPr>
-          <p:cNvPr id="4" name="TextBox 3"/>
-          <p:cNvSpPr txBox="1"/>
-          <p:nvPr/>
-        </p:nvSpPr>
-        <p:spPr>
-          <a:xfrm>
-            <a:off x="5703694" y="3153202"/>
-            <a:ext cx="3939733" cy="646331"/>
-          </a:xfrm>
-          <a:prstGeom prst="rect">
-            <a:avLst/>
-          </a:prstGeom>
-          <a:noFill/>
-        </p:spPr>
-        <p:txBody>
-          <a:bodyPr wrap="none" rtlCol="0">
-            <a:spAutoFit/>
-          </a:bodyPr>
-          <a:lstStyle/>
-          <a:p>
-            <a:pPr algn="ctr"/>
-            <a:r>
-              <a:rPr lang="en-US" dirty="0"/>
-              <a:t>This </a:t>
-            </a:r>
-            <a:r>
-              <a:rPr lang="en-US" dirty="0" err="1"/>
-              <a:t>organisation</a:t>
-            </a:r>
-            <a:r>
-              <a:rPr lang="en-US" dirty="0"/>
-              <a:t> becomes inconvenient</a:t>
-            </a:r>
-            <a:br>
-              <a:rPr lang="en-US" dirty="0"/>
-            </a:br>
-            <a:r>
-              <a:rPr lang="en-US" dirty="0"/>
-              <a:t>if we have thousands of files.</a:t>
-            </a:r>
-            <a:endParaRPr lang="ru-RU" dirty="0"/>
-          </a:p>
-        </p:txBody>
-      </p:sp>
-    </p:spTree>
-    <p:extLst>
-      <p:ext uri="{BB962C8B-B14F-4D97-AF65-F5344CB8AC3E}">
-        <p14:creationId xmlns:p14="http://schemas.microsoft.com/office/powerpoint/2010/main" val="3856830964"/>
-      </p:ext>
-    </p:extLst>
-  </p:cSld>
-  <p:clrMapOvr>
-    <a:masterClrMapping/>
-  </p:clrMapOvr>
-</p:sld>
-</file>
-
-<file path=ppt/slides/slide30.xml><?xml version="1.0" encoding="utf-8"?>
-<p:sld xmlns:a="http://schemas.openxmlformats.org/drawingml/2006/main" xmlns:r="http://schemas.openxmlformats.org/officeDocument/2006/relationships" xmlns:p="http://schemas.openxmlformats.org/presentationml/2006/main">
-  <p:cSld>
-    <p:spTree>
-      <p:nvGrpSpPr>
-        <p:cNvPr id="1" name=""/>
-        <p:cNvGrpSpPr/>
-        <p:nvPr/>
-      </p:nvGrpSpPr>
-      <p:grpSpPr>
-        <a:xfrm>
-          <a:off x="0" y="0"/>
-          <a:ext cx="0" cy="0"/>
-          <a:chOff x="0" y="0"/>
-          <a:chExt cx="0" cy="0"/>
-        </a:xfrm>
-      </p:grpSpPr>
-      <p:graphicFrame>
-        <p:nvGraphicFramePr>
-          <p:cNvPr id="5" name="Table 4"/>
-          <p:cNvGraphicFramePr>
-            <a:graphicFrameLocks noGrp="1"/>
-          </p:cNvGraphicFramePr>
-          <p:nvPr>
-            <p:extLst>
-              <p:ext uri="{D42A27DB-BD31-4B8C-83A1-F6EECF244321}">
-                <p14:modId xmlns:p14="http://schemas.microsoft.com/office/powerpoint/2010/main" val="1725595801"/>
-              </p:ext>
-            </p:extLst>
-          </p:nvPr>
-        </p:nvGraphicFramePr>
-        <p:xfrm>
-          <a:off x="0" y="1"/>
-          <a:ext cx="12192000" cy="365760"/>
-        </p:xfrm>
-        <a:graphic>
-          <a:graphicData uri="http://schemas.openxmlformats.org/drawingml/2006/table">
-            <a:tbl>
-              <a:tblPr firstRow="1" bandRow="1">
-                <a:tableStyleId>{5C22544A-7EE6-4342-B048-85BDC9FD1C3A}</a:tableStyleId>
-              </a:tblPr>
-              <a:tblGrid>
-                <a:gridCol w="12192000">
-                  <a:extLst>
-                    <a:ext uri="{9D8B030D-6E8A-4147-A177-3AD203B41FA5}">
-                      <a16:colId xmlns:a16="http://schemas.microsoft.com/office/drawing/2014/main" val="20000"/>
-                    </a:ext>
-                  </a:extLst>
-                </a:gridCol>
-              </a:tblGrid>
-              <a:tr h="321276">
-                <a:tc>
-                  <a:txBody>
-                    <a:bodyPr/>
-                    <a:lstStyle/>
-                    <a:p>
-                      <a:r>
-                        <a:rPr lang="en-US" sz="1800" dirty="0"/>
-                        <a:t>The basics of file systems</a:t>
-                      </a:r>
-                      <a:endParaRPr lang="ru-RU" sz="1800" dirty="0"/>
-                    </a:p>
-                  </a:txBody>
-                  <a:tcPr/>
-                </a:tc>
-                <a:extLst>
-                  <a:ext uri="{0D108BD9-81ED-4DB2-BD59-A6C34878D82A}">
-                    <a16:rowId xmlns:a16="http://schemas.microsoft.com/office/drawing/2014/main" val="10000"/>
-                  </a:ext>
-                </a:extLst>
-              </a:tr>
-            </a:tbl>
-          </a:graphicData>
-        </a:graphic>
-      </p:graphicFrame>
-      <p:graphicFrame>
-        <p:nvGraphicFramePr>
-          <p:cNvPr id="6" name="Table 5"/>
-          <p:cNvGraphicFramePr>
-            <a:graphicFrameLocks noGrp="1"/>
-          </p:cNvGraphicFramePr>
-          <p:nvPr>
-            <p:extLst>
-              <p:ext uri="{D42A27DB-BD31-4B8C-83A1-F6EECF244321}">
-                <p14:modId xmlns:p14="http://schemas.microsoft.com/office/powerpoint/2010/main" val="2471234950"/>
-              </p:ext>
-            </p:extLst>
-          </p:nvPr>
-        </p:nvGraphicFramePr>
-        <p:xfrm>
-          <a:off x="0" y="6532604"/>
-          <a:ext cx="12192000" cy="365760"/>
-        </p:xfrm>
-        <a:graphic>
-          <a:graphicData uri="http://schemas.openxmlformats.org/drawingml/2006/table">
-            <a:tbl>
-              <a:tblPr firstRow="1" bandRow="1">
-                <a:tableStyleId>{5C22544A-7EE6-4342-B048-85BDC9FD1C3A}</a:tableStyleId>
-              </a:tblPr>
-              <a:tblGrid>
-                <a:gridCol w="12192000">
-                  <a:extLst>
-                    <a:ext uri="{9D8B030D-6E8A-4147-A177-3AD203B41FA5}">
-                      <a16:colId xmlns:a16="http://schemas.microsoft.com/office/drawing/2014/main" val="20000"/>
-                    </a:ext>
-                  </a:extLst>
-                </a:gridCol>
-              </a:tblGrid>
-              <a:tr h="308094">
-                <a:tc>
-                  <a:txBody>
-                    <a:bodyPr/>
-                    <a:lstStyle/>
-                    <a:p>
-                      <a:endParaRPr lang="ru-RU" dirty="0"/>
-                    </a:p>
-                  </a:txBody>
-                  <a:tcPr/>
-                </a:tc>
-                <a:extLst>
-                  <a:ext uri="{0D108BD9-81ED-4DB2-BD59-A6C34878D82A}">
-                    <a16:rowId xmlns:a16="http://schemas.microsoft.com/office/drawing/2014/main" val="10000"/>
-                  </a:ext>
-                </a:extLst>
-              </a:tr>
-            </a:tbl>
-          </a:graphicData>
-        </a:graphic>
-      </p:graphicFrame>
-      <p:graphicFrame>
-        <p:nvGraphicFramePr>
           <p:cNvPr id="2" name="Table 1"/>
           <p:cNvGraphicFramePr>
             <a:graphicFrameLocks noGrp="1"/>
@@ -24341,323 +25231,6 @@
     <p:extLst>
       <p:ext uri="{BB962C8B-B14F-4D97-AF65-F5344CB8AC3E}">
         <p14:creationId xmlns:p14="http://schemas.microsoft.com/office/powerpoint/2010/main" val="860865305"/>
-      </p:ext>
-    </p:extLst>
-  </p:cSld>
-  <p:clrMapOvr>
-    <a:masterClrMapping/>
-  </p:clrMapOvr>
-</p:sld>
-</file>
-
-<file path=ppt/slides/slide31.xml><?xml version="1.0" encoding="utf-8"?>
-<p:sld xmlns:a="http://schemas.openxmlformats.org/drawingml/2006/main" xmlns:r="http://schemas.openxmlformats.org/officeDocument/2006/relationships" xmlns:p="http://schemas.openxmlformats.org/presentationml/2006/main">
-  <p:cSld>
-    <p:spTree>
-      <p:nvGrpSpPr>
-        <p:cNvPr id="1" name=""/>
-        <p:cNvGrpSpPr/>
-        <p:nvPr/>
-      </p:nvGrpSpPr>
-      <p:grpSpPr>
-        <a:xfrm>
-          <a:off x="0" y="0"/>
-          <a:ext cx="0" cy="0"/>
-          <a:chOff x="0" y="0"/>
-          <a:chExt cx="0" cy="0"/>
-        </a:xfrm>
-      </p:grpSpPr>
-      <p:graphicFrame>
-        <p:nvGraphicFramePr>
-          <p:cNvPr id="5" name="Table 4"/>
-          <p:cNvGraphicFramePr>
-            <a:graphicFrameLocks noGrp="1"/>
-          </p:cNvGraphicFramePr>
-          <p:nvPr>
-            <p:extLst>
-              <p:ext uri="{D42A27DB-BD31-4B8C-83A1-F6EECF244321}">
-                <p14:modId xmlns:p14="http://schemas.microsoft.com/office/powerpoint/2010/main" val="2788170386"/>
-              </p:ext>
-            </p:extLst>
-          </p:nvPr>
-        </p:nvGraphicFramePr>
-        <p:xfrm>
-          <a:off x="0" y="1"/>
-          <a:ext cx="12192000" cy="365760"/>
-        </p:xfrm>
-        <a:graphic>
-          <a:graphicData uri="http://schemas.openxmlformats.org/drawingml/2006/table">
-            <a:tbl>
-              <a:tblPr firstRow="1" bandRow="1">
-                <a:tableStyleId>{5C22544A-7EE6-4342-B048-85BDC9FD1C3A}</a:tableStyleId>
-              </a:tblPr>
-              <a:tblGrid>
-                <a:gridCol w="12192000">
-                  <a:extLst>
-                    <a:ext uri="{9D8B030D-6E8A-4147-A177-3AD203B41FA5}">
-                      <a16:colId xmlns:a16="http://schemas.microsoft.com/office/drawing/2014/main" val="20000"/>
-                    </a:ext>
-                  </a:extLst>
-                </a:gridCol>
-              </a:tblGrid>
-              <a:tr h="321276">
-                <a:tc>
-                  <a:txBody>
-                    <a:bodyPr/>
-                    <a:lstStyle/>
-                    <a:p>
-                      <a:r>
-                        <a:rPr lang="en-US" sz="1800" dirty="0"/>
-                        <a:t>The basics of file systems</a:t>
-                      </a:r>
-                      <a:endParaRPr lang="ru-RU" sz="1800" dirty="0"/>
-                    </a:p>
-                  </a:txBody>
-                  <a:tcPr/>
-                </a:tc>
-                <a:extLst>
-                  <a:ext uri="{0D108BD9-81ED-4DB2-BD59-A6C34878D82A}">
-                    <a16:rowId xmlns:a16="http://schemas.microsoft.com/office/drawing/2014/main" val="10000"/>
-                  </a:ext>
-                </a:extLst>
-              </a:tr>
-            </a:tbl>
-          </a:graphicData>
-        </a:graphic>
-      </p:graphicFrame>
-      <p:graphicFrame>
-        <p:nvGraphicFramePr>
-          <p:cNvPr id="6" name="Table 5"/>
-          <p:cNvGraphicFramePr>
-            <a:graphicFrameLocks noGrp="1"/>
-          </p:cNvGraphicFramePr>
-          <p:nvPr>
-            <p:extLst>
-              <p:ext uri="{D42A27DB-BD31-4B8C-83A1-F6EECF244321}">
-                <p14:modId xmlns:p14="http://schemas.microsoft.com/office/powerpoint/2010/main" val="4696356"/>
-              </p:ext>
-            </p:extLst>
-          </p:nvPr>
-        </p:nvGraphicFramePr>
-        <p:xfrm>
-          <a:off x="0" y="6532604"/>
-          <a:ext cx="12192000" cy="365760"/>
-        </p:xfrm>
-        <a:graphic>
-          <a:graphicData uri="http://schemas.openxmlformats.org/drawingml/2006/table">
-            <a:tbl>
-              <a:tblPr firstRow="1" bandRow="1">
-                <a:tableStyleId>{5C22544A-7EE6-4342-B048-85BDC9FD1C3A}</a:tableStyleId>
-              </a:tblPr>
-              <a:tblGrid>
-                <a:gridCol w="12192000">
-                  <a:extLst>
-                    <a:ext uri="{9D8B030D-6E8A-4147-A177-3AD203B41FA5}">
-                      <a16:colId xmlns:a16="http://schemas.microsoft.com/office/drawing/2014/main" val="20000"/>
-                    </a:ext>
-                  </a:extLst>
-                </a:gridCol>
-              </a:tblGrid>
-              <a:tr h="308094">
-                <a:tc>
-                  <a:txBody>
-                    <a:bodyPr/>
-                    <a:lstStyle/>
-                    <a:p>
-                      <a:endParaRPr lang="ru-RU" dirty="0"/>
-                    </a:p>
-                  </a:txBody>
-                  <a:tcPr/>
-                </a:tc>
-                <a:extLst>
-                  <a:ext uri="{0D108BD9-81ED-4DB2-BD59-A6C34878D82A}">
-                    <a16:rowId xmlns:a16="http://schemas.microsoft.com/office/drawing/2014/main" val="10000"/>
-                  </a:ext>
-                </a:extLst>
-              </a:tr>
-            </a:tbl>
-          </a:graphicData>
-        </a:graphic>
-      </p:graphicFrame>
-      <p:graphicFrame>
-        <p:nvGraphicFramePr>
-          <p:cNvPr id="2" name="Table 1"/>
-          <p:cNvGraphicFramePr>
-            <a:graphicFrameLocks noGrp="1"/>
-          </p:cNvGraphicFramePr>
-          <p:nvPr>
-            <p:extLst>
-              <p:ext uri="{D42A27DB-BD31-4B8C-83A1-F6EECF244321}">
-                <p14:modId xmlns:p14="http://schemas.microsoft.com/office/powerpoint/2010/main" val="2526164713"/>
-              </p:ext>
-            </p:extLst>
-          </p:nvPr>
-        </p:nvGraphicFramePr>
-        <p:xfrm>
-          <a:off x="0" y="365761"/>
-          <a:ext cx="12192000" cy="2016760"/>
-        </p:xfrm>
-        <a:graphic>
-          <a:graphicData uri="http://schemas.openxmlformats.org/drawingml/2006/table">
-            <a:tbl>
-              <a:tblPr firstRow="1" bandRow="1">
-                <a:tableStyleId>{3B4B98B0-60AC-42C2-AFA5-B58CD77FA1E5}</a:tableStyleId>
-              </a:tblPr>
-              <a:tblGrid>
-                <a:gridCol w="12192000">
-                  <a:extLst>
-                    <a:ext uri="{9D8B030D-6E8A-4147-A177-3AD203B41FA5}">
-                      <a16:colId xmlns:a16="http://schemas.microsoft.com/office/drawing/2014/main" val="20000"/>
-                    </a:ext>
-                  </a:extLst>
-                </a:gridCol>
-              </a:tblGrid>
-              <a:tr h="370840">
-                <a:tc>
-                  <a:txBody>
-                    <a:bodyPr/>
-                    <a:lstStyle/>
-                    <a:p>
-                      <a:pPr marL="0" marR="0" lvl="0" indent="0" algn="l" defTabSz="914400" rtl="0" eaLnBrk="1" fontAlgn="auto" latinLnBrk="0" hangingPunct="1">
-                        <a:lnSpc>
-                          <a:spcPct val="100000"/>
-                        </a:lnSpc>
-                        <a:spcBef>
-                          <a:spcPts val="0"/>
-                        </a:spcBef>
-                        <a:spcAft>
-                          <a:spcPts val="0"/>
-                        </a:spcAft>
-                        <a:buClrTx/>
-                        <a:buSzTx/>
-                        <a:buFontTx/>
-                        <a:buNone/>
-                        <a:tabLst/>
-                        <a:defRPr/>
-                      </a:pPr>
-                      <a:r>
-                        <a:rPr lang="en-US" sz="2400" dirty="0"/>
-                        <a:t>A refresher on the</a:t>
-                      </a:r>
-                      <a:r>
-                        <a:rPr lang="ru-RU" sz="2400" baseline="0" dirty="0"/>
-                        <a:t> </a:t>
-                      </a:r>
-                      <a:r>
-                        <a:rPr lang="en-US" sz="2400" baseline="0" dirty="0"/>
-                        <a:t>POSIX Filesystem API</a:t>
-                      </a:r>
-                      <a:endParaRPr lang="ru-RU" sz="2400" dirty="0"/>
-                    </a:p>
-                  </a:txBody>
-                  <a:tcPr/>
-                </a:tc>
-                <a:extLst>
-                  <a:ext uri="{0D108BD9-81ED-4DB2-BD59-A6C34878D82A}">
-                    <a16:rowId xmlns:a16="http://schemas.microsoft.com/office/drawing/2014/main" val="10000"/>
-                  </a:ext>
-                </a:extLst>
-              </a:tr>
-              <a:tr h="370840">
-                <a:tc>
-                  <a:txBody>
-                    <a:bodyPr/>
-                    <a:lstStyle/>
-                    <a:p>
-                      <a:r>
-                        <a:rPr lang="en-US" dirty="0"/>
-                        <a:t>1. open(path,</a:t>
-                      </a:r>
-                      <a:r>
-                        <a:rPr lang="en-US" baseline="0" dirty="0"/>
-                        <a:t> flags, mode</a:t>
-                      </a:r>
-                      <a:r>
-                        <a:rPr lang="en-US" dirty="0"/>
-                        <a:t>) / close(</a:t>
-                      </a:r>
-                      <a:r>
-                        <a:rPr lang="en-US" dirty="0" err="1"/>
-                        <a:t>fd</a:t>
-                      </a:r>
-                      <a:r>
-                        <a:rPr lang="en-US" dirty="0"/>
-                        <a:t>)</a:t>
-                      </a:r>
-                      <a:endParaRPr lang="ru-RU" dirty="0"/>
-                    </a:p>
-                  </a:txBody>
-                  <a:tcPr/>
-                </a:tc>
-                <a:extLst>
-                  <a:ext uri="{0D108BD9-81ED-4DB2-BD59-A6C34878D82A}">
-                    <a16:rowId xmlns:a16="http://schemas.microsoft.com/office/drawing/2014/main" val="10001"/>
-                  </a:ext>
-                </a:extLst>
-              </a:tr>
-              <a:tr h="370840">
-                <a:tc>
-                  <a:txBody>
-                    <a:bodyPr/>
-                    <a:lstStyle/>
-                    <a:p>
-                      <a:pPr marL="285750" indent="-285750">
-                        <a:buFont typeface="Arial" panose="020B0604020202020204" pitchFamily="34" charset="0"/>
-                        <a:buChar char="•"/>
-                      </a:pPr>
-                      <a:r>
-                        <a:rPr lang="en-US" dirty="0"/>
-                        <a:t>O_CREAT,</a:t>
-                      </a:r>
-                    </a:p>
-                    <a:p>
-                      <a:pPr marL="285750" indent="-285750">
-                        <a:buFont typeface="Arial" panose="020B0604020202020204" pitchFamily="34" charset="0"/>
-                        <a:buChar char="•"/>
-                      </a:pPr>
-                      <a:r>
-                        <a:rPr lang="en-US" baseline="0" dirty="0"/>
-                        <a:t>O_EXCL,</a:t>
-                      </a:r>
-                    </a:p>
-                    <a:p>
-                      <a:pPr marL="285750" indent="-285750">
-                        <a:buFont typeface="Arial" panose="020B0604020202020204" pitchFamily="34" charset="0"/>
-                        <a:buChar char="•"/>
-                      </a:pPr>
-                      <a:r>
-                        <a:rPr lang="en-US" baseline="0" dirty="0"/>
-                        <a:t>O_NOATIME,</a:t>
-                      </a:r>
-                    </a:p>
-                    <a:p>
-                      <a:pPr marL="285750" indent="-285750">
-                        <a:buFont typeface="Arial" panose="020B0604020202020204" pitchFamily="34" charset="0"/>
-                        <a:buChar char="•"/>
-                      </a:pPr>
-                      <a:r>
-                        <a:rPr lang="en-US" dirty="0"/>
-                        <a:t>O_CLOEXEC.</a:t>
-                      </a:r>
-                      <a:endParaRPr lang="ru-RU" dirty="0"/>
-                    </a:p>
-                  </a:txBody>
-                  <a:tcPr/>
-                </a:tc>
-                <a:extLst>
-                  <a:ext uri="{0D108BD9-81ED-4DB2-BD59-A6C34878D82A}">
-                    <a16:rowId xmlns:a16="http://schemas.microsoft.com/office/drawing/2014/main" val="10002"/>
-                  </a:ext>
-                </a:extLst>
-              </a:tr>
-            </a:tbl>
-          </a:graphicData>
-        </a:graphic>
-      </p:graphicFrame>
-    </p:spTree>
-    <p:extLst>
-      <p:ext uri="{BB962C8B-B14F-4D97-AF65-F5344CB8AC3E}">
-        <p14:creationId xmlns:p14="http://schemas.microsoft.com/office/powerpoint/2010/main" val="646365678"/>
       </p:ext>
     </p:extLst>
   </p:cSld>
@@ -24693,7 +25266,7 @@
           <p:nvPr>
             <p:extLst>
               <p:ext uri="{D42A27DB-BD31-4B8C-83A1-F6EECF244321}">
-                <p14:modId xmlns:p14="http://schemas.microsoft.com/office/powerpoint/2010/main" val="1084011860"/>
+                <p14:modId xmlns:p14="http://schemas.microsoft.com/office/powerpoint/2010/main" val="2788170386"/>
               </p:ext>
             </p:extLst>
           </p:nvPr>
@@ -24751,7 +25324,7 @@
           <p:nvPr>
             <p:extLst>
               <p:ext uri="{D42A27DB-BD31-4B8C-83A1-F6EECF244321}">
-                <p14:modId xmlns:p14="http://schemas.microsoft.com/office/powerpoint/2010/main" val="2092587633"/>
+                <p14:modId xmlns:p14="http://schemas.microsoft.com/office/powerpoint/2010/main" val="4696356"/>
               </p:ext>
             </p:extLst>
           </p:nvPr>
@@ -24805,14 +25378,14 @@
           <p:nvPr>
             <p:extLst>
               <p:ext uri="{D42A27DB-BD31-4B8C-83A1-F6EECF244321}">
-                <p14:modId xmlns:p14="http://schemas.microsoft.com/office/powerpoint/2010/main" val="1553857689"/>
+                <p14:modId xmlns:p14="http://schemas.microsoft.com/office/powerpoint/2010/main" val="2526164713"/>
               </p:ext>
             </p:extLst>
           </p:nvPr>
         </p:nvGraphicFramePr>
         <p:xfrm>
           <a:off x="0" y="365761"/>
-          <a:ext cx="12192000" cy="1198880"/>
+          <a:ext cx="12192000" cy="2016760"/>
         </p:xfrm>
         <a:graphic>
           <a:graphicData uri="http://schemas.openxmlformats.org/drawingml/2006/table">
@@ -24918,25 +25491,43 @@
                     <a:bodyPr/>
                     <a:lstStyle/>
                     <a:p>
+                      <a:pPr marL="285750" indent="-285750">
+                        <a:buFont typeface="Arial" panose="020B0604020202020204" pitchFamily="34" charset="0"/>
+                        <a:buChar char="•"/>
+                      </a:pPr>
                       <a:r>
                         <a:rPr lang="en-US" dirty="0"/>
-                        <a:t>2. </a:t>
-                      </a:r>
-                      <a:r>
-                        <a:rPr lang="en-US" dirty="0" err="1"/>
-                        <a:t>mkdir</a:t>
-                      </a:r>
+                        <a:t>O_CREAT,</a:t>
+                      </a:r>
+                    </a:p>
+                    <a:p>
+                      <a:pPr marL="285750" indent="-285750">
+                        <a:buFont typeface="Arial" panose="020B0604020202020204" pitchFamily="34" charset="0"/>
+                        <a:buChar char="•"/>
+                      </a:pPr>
+                      <a:r>
+                        <a:rPr lang="en-US" baseline="0" dirty="0"/>
+                        <a:t>O_EXCL,</a:t>
+                      </a:r>
+                    </a:p>
+                    <a:p>
+                      <a:pPr marL="285750" indent="-285750">
+                        <a:buFont typeface="Arial" panose="020B0604020202020204" pitchFamily="34" charset="0"/>
+                        <a:buChar char="•"/>
+                      </a:pPr>
+                      <a:r>
+                        <a:rPr lang="en-US" baseline="0" dirty="0"/>
+                        <a:t>O_NOATIME,</a:t>
+                      </a:r>
+                    </a:p>
+                    <a:p>
+                      <a:pPr marL="285750" indent="-285750">
+                        <a:buFont typeface="Arial" panose="020B0604020202020204" pitchFamily="34" charset="0"/>
+                        <a:buChar char="•"/>
+                      </a:pPr>
                       <a:r>
                         <a:rPr lang="en-US" dirty="0"/>
-                        <a:t>(path, flags) / </a:t>
-                      </a:r>
-                      <a:r>
-                        <a:rPr lang="en-US" dirty="0" err="1"/>
-                        <a:t>rmdir</a:t>
-                      </a:r>
-                      <a:r>
-                        <a:rPr lang="en-US" dirty="0"/>
-                        <a:t>(path)</a:t>
+                        <a:t>O_CLOEXEC.</a:t>
                       </a:r>
                       <a:endParaRPr lang="ru-RU" dirty="0"/>
                     </a:p>
@@ -24956,7 +25547,7 @@
     </p:spTree>
     <p:extLst>
       <p:ext uri="{BB962C8B-B14F-4D97-AF65-F5344CB8AC3E}">
-        <p14:creationId xmlns:p14="http://schemas.microsoft.com/office/powerpoint/2010/main" val="168796789"/>
+        <p14:creationId xmlns:p14="http://schemas.microsoft.com/office/powerpoint/2010/main" val="646365678"/>
       </p:ext>
     </p:extLst>
   </p:cSld>
@@ -24992,7 +25583,7 @@
           <p:nvPr>
             <p:extLst>
               <p:ext uri="{D42A27DB-BD31-4B8C-83A1-F6EECF244321}">
-                <p14:modId xmlns:p14="http://schemas.microsoft.com/office/powerpoint/2010/main" val="1500601847"/>
+                <p14:modId xmlns:p14="http://schemas.microsoft.com/office/powerpoint/2010/main" val="1084011860"/>
               </p:ext>
             </p:extLst>
           </p:nvPr>
@@ -25050,7 +25641,7 @@
           <p:nvPr>
             <p:extLst>
               <p:ext uri="{D42A27DB-BD31-4B8C-83A1-F6EECF244321}">
-                <p14:modId xmlns:p14="http://schemas.microsoft.com/office/powerpoint/2010/main" val="197676859"/>
+                <p14:modId xmlns:p14="http://schemas.microsoft.com/office/powerpoint/2010/main" val="2092587633"/>
               </p:ext>
             </p:extLst>
           </p:nvPr>
@@ -25104,14 +25695,14 @@
           <p:nvPr>
             <p:extLst>
               <p:ext uri="{D42A27DB-BD31-4B8C-83A1-F6EECF244321}">
-                <p14:modId xmlns:p14="http://schemas.microsoft.com/office/powerpoint/2010/main" val="33031028"/>
+                <p14:modId xmlns:p14="http://schemas.microsoft.com/office/powerpoint/2010/main" val="1553857689"/>
               </p:ext>
             </p:extLst>
           </p:nvPr>
         </p:nvGraphicFramePr>
         <p:xfrm>
           <a:off x="0" y="365761"/>
-          <a:ext cx="12192000" cy="1569720"/>
+          <a:ext cx="12192000" cy="1198880"/>
         </p:xfrm>
         <a:graphic>
           <a:graphicData uri="http://schemas.openxmlformats.org/drawingml/2006/table">
@@ -25248,47 +25839,6 @@
                   </a:ext>
                 </a:extLst>
               </a:tr>
-              <a:tr h="370840">
-                <a:tc>
-                  <a:txBody>
-                    <a:bodyPr/>
-                    <a:lstStyle/>
-                    <a:p>
-                      <a:r>
-                        <a:rPr lang="en-US" dirty="0"/>
-                        <a:t>3.</a:t>
-                      </a:r>
-                      <a:r>
-                        <a:rPr lang="en-US" baseline="0" dirty="0"/>
-                        <a:t> </a:t>
-                      </a:r>
-                      <a:r>
-                        <a:rPr lang="en-US" baseline="0" dirty="0" err="1"/>
-                        <a:t>chdir</a:t>
-                      </a:r>
-                      <a:r>
-                        <a:rPr lang="en-US" baseline="0" dirty="0"/>
-                        <a:t>(path), </a:t>
-                      </a:r>
-                      <a:r>
-                        <a:rPr lang="en-US" baseline="0" dirty="0" err="1"/>
-                        <a:t>chroot</a:t>
-                      </a:r>
-                      <a:r>
-                        <a:rPr lang="en-US" baseline="0" dirty="0"/>
-                        <a:t>(path)</a:t>
-                      </a:r>
-                      <a:endParaRPr lang="ru-RU" dirty="0"/>
-                    </a:p>
-                  </a:txBody>
-                  <a:tcPr/>
-                </a:tc>
-                <a:extLst>
-                  <a:ext uri="{0D108BD9-81ED-4DB2-BD59-A6C34878D82A}">
-                    <a16:rowId xmlns:a16="http://schemas.microsoft.com/office/drawing/2014/main" val="10003"/>
-                  </a:ext>
-                </a:extLst>
-              </a:tr>
             </a:tbl>
           </a:graphicData>
         </a:graphic>
@@ -25296,7 +25846,7 @@
     </p:spTree>
     <p:extLst>
       <p:ext uri="{BB962C8B-B14F-4D97-AF65-F5344CB8AC3E}">
-        <p14:creationId xmlns:p14="http://schemas.microsoft.com/office/powerpoint/2010/main" val="2813411199"/>
+        <p14:creationId xmlns:p14="http://schemas.microsoft.com/office/powerpoint/2010/main" val="168796789"/>
       </p:ext>
     </p:extLst>
   </p:cSld>
@@ -25332,7 +25882,7 @@
           <p:nvPr>
             <p:extLst>
               <p:ext uri="{D42A27DB-BD31-4B8C-83A1-F6EECF244321}">
-                <p14:modId xmlns:p14="http://schemas.microsoft.com/office/powerpoint/2010/main" val="3989777933"/>
+                <p14:modId xmlns:p14="http://schemas.microsoft.com/office/powerpoint/2010/main" val="1500601847"/>
               </p:ext>
             </p:extLst>
           </p:nvPr>
@@ -25390,7 +25940,7 @@
           <p:nvPr>
             <p:extLst>
               <p:ext uri="{D42A27DB-BD31-4B8C-83A1-F6EECF244321}">
-                <p14:modId xmlns:p14="http://schemas.microsoft.com/office/powerpoint/2010/main" val="3322136306"/>
+                <p14:modId xmlns:p14="http://schemas.microsoft.com/office/powerpoint/2010/main" val="197676859"/>
               </p:ext>
             </p:extLst>
           </p:nvPr>
@@ -25444,14 +25994,14 @@
           <p:nvPr>
             <p:extLst>
               <p:ext uri="{D42A27DB-BD31-4B8C-83A1-F6EECF244321}">
-                <p14:modId xmlns:p14="http://schemas.microsoft.com/office/powerpoint/2010/main" val="1313811"/>
+                <p14:modId xmlns:p14="http://schemas.microsoft.com/office/powerpoint/2010/main" val="33031028"/>
               </p:ext>
             </p:extLst>
           </p:nvPr>
         </p:nvGraphicFramePr>
         <p:xfrm>
           <a:off x="0" y="365761"/>
-          <a:ext cx="12192000" cy="2758440"/>
+          <a:ext cx="12192000" cy="1569720"/>
         </p:xfrm>
         <a:graphic>
           <a:graphicData uri="http://schemas.openxmlformats.org/drawingml/2006/table">
@@ -25629,107 +26179,6 @@
                   </a:ext>
                 </a:extLst>
               </a:tr>
-              <a:tr h="370840">
-                <a:tc>
-                  <a:txBody>
-                    <a:bodyPr/>
-                    <a:lstStyle/>
-                    <a:p>
-                      <a:r>
-                        <a:rPr lang="en-US" dirty="0"/>
-                        <a:t>4. </a:t>
-                      </a:r>
-                      <a:r>
-                        <a:rPr lang="en-US" dirty="0" err="1"/>
-                        <a:t>openat</a:t>
-                      </a:r>
-                      <a:r>
-                        <a:rPr lang="en-US" dirty="0"/>
-                        <a:t>(</a:t>
-                      </a:r>
-                      <a:r>
-                        <a:rPr lang="en-US" dirty="0" err="1"/>
-                        <a:t>dirfd</a:t>
-                      </a:r>
-                      <a:r>
-                        <a:rPr lang="en-US" dirty="0"/>
-                        <a:t>, path, flags) / </a:t>
-                      </a:r>
-                      <a:r>
-                        <a:rPr lang="en-US" dirty="0" err="1"/>
-                        <a:t>mkdirat</a:t>
-                      </a:r>
-                      <a:r>
-                        <a:rPr lang="en-US" dirty="0"/>
-                        <a:t>() / </a:t>
-                      </a:r>
-                      <a:r>
-                        <a:rPr lang="en-US" dirty="0" err="1"/>
-                        <a:t>rmdirat</a:t>
-                      </a:r>
-                      <a:r>
-                        <a:rPr lang="en-US" dirty="0"/>
-                        <a:t>() / </a:t>
-                      </a:r>
-                      <a:r>
-                        <a:rPr lang="en-US" dirty="0" err="1"/>
-                        <a:t>etc</a:t>
-                      </a:r>
-                      <a:endParaRPr lang="en-US" dirty="0"/>
-                    </a:p>
-                    <a:p>
-                      <a:endParaRPr lang="ru-RU" dirty="0"/>
-                    </a:p>
-                    <a:p>
-                      <a:r>
-                        <a:rPr lang="en-US" baseline="0" dirty="0" err="1"/>
-                        <a:t>dirfd</a:t>
-                      </a:r>
-                      <a:r>
-                        <a:rPr lang="en-US" baseline="0" dirty="0"/>
-                        <a:t> replaces the “current working directory” for </a:t>
-                      </a:r>
-                      <a:r>
-                        <a:rPr lang="en-US" baseline="0" dirty="0" err="1"/>
-                        <a:t>openat</a:t>
-                      </a:r>
-                      <a:r>
-                        <a:rPr lang="en-US" baseline="0" dirty="0"/>
-                        <a:t>()</a:t>
-                      </a:r>
-                      <a:r>
-                        <a:rPr lang="ru-RU" baseline="0" dirty="0"/>
-                        <a:t>. </a:t>
-                      </a:r>
-                      <a:r>
-                        <a:rPr lang="en-US" baseline="0" dirty="0"/>
-                        <a:t>This gives multiple improvements</a:t>
-                      </a:r>
-                      <a:r>
-                        <a:rPr lang="ru-RU" baseline="0" dirty="0"/>
-                        <a:t>:</a:t>
-                      </a:r>
-                    </a:p>
-                    <a:p>
-                      <a:pPr marL="285750" indent="-285750">
-                        <a:buFont typeface="Arial" panose="020B0604020202020204" pitchFamily="34" charset="0"/>
-                        <a:buChar char="•"/>
-                      </a:pPr>
-                      <a:r>
-                        <a:rPr lang="en-US" baseline="0" dirty="0"/>
-                        <a:t>???</a:t>
-                      </a:r>
-                      <a:endParaRPr lang="ru-RU" dirty="0"/>
-                    </a:p>
-                  </a:txBody>
-                  <a:tcPr/>
-                </a:tc>
-                <a:extLst>
-                  <a:ext uri="{0D108BD9-81ED-4DB2-BD59-A6C34878D82A}">
-                    <a16:rowId xmlns:a16="http://schemas.microsoft.com/office/drawing/2014/main" val="10004"/>
-                  </a:ext>
-                </a:extLst>
-              </a:tr>
             </a:tbl>
           </a:graphicData>
         </a:graphic>
@@ -25737,7 +26186,7 @@
     </p:spTree>
     <p:extLst>
       <p:ext uri="{BB962C8B-B14F-4D97-AF65-F5344CB8AC3E}">
-        <p14:creationId xmlns:p14="http://schemas.microsoft.com/office/powerpoint/2010/main" val="742351979"/>
+        <p14:creationId xmlns:p14="http://schemas.microsoft.com/office/powerpoint/2010/main" val="2813411199"/>
       </p:ext>
     </p:extLst>
   </p:cSld>
@@ -25773,7 +26222,7 @@
           <p:nvPr>
             <p:extLst>
               <p:ext uri="{D42A27DB-BD31-4B8C-83A1-F6EECF244321}">
-                <p14:modId xmlns:p14="http://schemas.microsoft.com/office/powerpoint/2010/main" val="1677078980"/>
+                <p14:modId xmlns:p14="http://schemas.microsoft.com/office/powerpoint/2010/main" val="3989777933"/>
               </p:ext>
             </p:extLst>
           </p:nvPr>
@@ -25831,7 +26280,7 @@
           <p:nvPr>
             <p:extLst>
               <p:ext uri="{D42A27DB-BD31-4B8C-83A1-F6EECF244321}">
-                <p14:modId xmlns:p14="http://schemas.microsoft.com/office/powerpoint/2010/main" val="1973857240"/>
+                <p14:modId xmlns:p14="http://schemas.microsoft.com/office/powerpoint/2010/main" val="3322136306"/>
               </p:ext>
             </p:extLst>
           </p:nvPr>
@@ -25885,14 +26334,14 @@
           <p:nvPr>
             <p:extLst>
               <p:ext uri="{D42A27DB-BD31-4B8C-83A1-F6EECF244321}">
-                <p14:modId xmlns:p14="http://schemas.microsoft.com/office/powerpoint/2010/main" val="1874030432"/>
+                <p14:modId xmlns:p14="http://schemas.microsoft.com/office/powerpoint/2010/main" val="1313811"/>
               </p:ext>
             </p:extLst>
           </p:nvPr>
         </p:nvGraphicFramePr>
         <p:xfrm>
           <a:off x="0" y="365761"/>
-          <a:ext cx="12192000" cy="3307080"/>
+          <a:ext cx="12192000" cy="2758440"/>
         </p:xfrm>
         <a:graphic>
           <a:graphicData uri="http://schemas.openxmlformats.org/drawingml/2006/table">
@@ -26158,45 +26607,9 @@
                       </a:pPr>
                       <a:r>
                         <a:rPr lang="en-US" baseline="0" dirty="0"/>
-                        <a:t>no races with </a:t>
-                      </a:r>
-                      <a:r>
-                        <a:rPr lang="en-US" baseline="0" dirty="0" err="1"/>
-                        <a:t>chdir</a:t>
-                      </a:r>
-                      <a:r>
-                        <a:rPr lang="en-US" baseline="0" dirty="0"/>
-                        <a:t>(),</a:t>
-                      </a:r>
-                      <a:endParaRPr lang="ru-RU" baseline="0" dirty="0"/>
-                    </a:p>
-                    <a:p>
-                      <a:pPr marL="285750" indent="-285750">
-                        <a:buFont typeface="Arial" panose="020B0604020202020204" pitchFamily="34" charset="0"/>
-                        <a:buChar char="•"/>
-                      </a:pPr>
-                      <a:r>
-                        <a:rPr lang="en-US" baseline="0" dirty="0"/>
-                        <a:t>per-thread working directories instead of a process-global one</a:t>
-                      </a:r>
-                      <a:r>
-                        <a:rPr lang="ru-RU" baseline="0" dirty="0"/>
-                        <a:t>,</a:t>
-                      </a:r>
-                    </a:p>
-                    <a:p>
-                      <a:pPr marL="285750" indent="-285750">
-                        <a:buFont typeface="Arial" panose="020B0604020202020204" pitchFamily="34" charset="0"/>
-                        <a:buChar char="•"/>
-                      </a:pPr>
-                      <a:r>
-                        <a:rPr lang="en-US" dirty="0"/>
-                        <a:t>fewer steps to traverse the file system</a:t>
-                      </a:r>
-                      <a:r>
-                        <a:rPr lang="ru-RU" dirty="0"/>
-                        <a:t>.</a:t>
-                      </a:r>
+                        <a:t>???</a:t>
+                      </a:r>
+                      <a:endParaRPr lang="ru-RU" dirty="0"/>
                     </a:p>
                   </a:txBody>
                   <a:tcPr/>
@@ -26214,7 +26627,7 @@
     </p:spTree>
     <p:extLst>
       <p:ext uri="{BB962C8B-B14F-4D97-AF65-F5344CB8AC3E}">
-        <p14:creationId xmlns:p14="http://schemas.microsoft.com/office/powerpoint/2010/main" val="714686024"/>
+        <p14:creationId xmlns:p14="http://schemas.microsoft.com/office/powerpoint/2010/main" val="742351979"/>
       </p:ext>
     </p:extLst>
   </p:cSld>
@@ -26250,7 +26663,7 @@
           <p:nvPr>
             <p:extLst>
               <p:ext uri="{D42A27DB-BD31-4B8C-83A1-F6EECF244321}">
-                <p14:modId xmlns:p14="http://schemas.microsoft.com/office/powerpoint/2010/main" val="4054252201"/>
+                <p14:modId xmlns:p14="http://schemas.microsoft.com/office/powerpoint/2010/main" val="1677078980"/>
               </p:ext>
             </p:extLst>
           </p:nvPr>
@@ -26308,7 +26721,7 @@
           <p:nvPr>
             <p:extLst>
               <p:ext uri="{D42A27DB-BD31-4B8C-83A1-F6EECF244321}">
-                <p14:modId xmlns:p14="http://schemas.microsoft.com/office/powerpoint/2010/main" val="895172029"/>
+                <p14:modId xmlns:p14="http://schemas.microsoft.com/office/powerpoint/2010/main" val="1973857240"/>
               </p:ext>
             </p:extLst>
           </p:nvPr>
@@ -26362,14 +26775,14 @@
           <p:nvPr>
             <p:extLst>
               <p:ext uri="{D42A27DB-BD31-4B8C-83A1-F6EECF244321}">
-                <p14:modId xmlns:p14="http://schemas.microsoft.com/office/powerpoint/2010/main" val="1503107542"/>
+                <p14:modId xmlns:p14="http://schemas.microsoft.com/office/powerpoint/2010/main" val="1874030432"/>
               </p:ext>
             </p:extLst>
           </p:nvPr>
         </p:nvGraphicFramePr>
         <p:xfrm>
           <a:off x="0" y="365761"/>
-          <a:ext cx="12192000" cy="2311400"/>
+          <a:ext cx="12192000" cy="3307080"/>
         </p:xfrm>
         <a:graphic>
           <a:graphicData uri="http://schemas.openxmlformats.org/drawingml/2006/table">
@@ -26595,48 +27008,92 @@
                       </a:r>
                       <a:endParaRPr lang="en-US" dirty="0"/>
                     </a:p>
+                    <a:p>
+                      <a:endParaRPr lang="ru-RU" dirty="0"/>
+                    </a:p>
+                    <a:p>
+                      <a:r>
+                        <a:rPr lang="en-US" baseline="0" dirty="0" err="1"/>
+                        <a:t>dirfd</a:t>
+                      </a:r>
+                      <a:r>
+                        <a:rPr lang="en-US" baseline="0" dirty="0"/>
+                        <a:t> replaces the “current working directory” for </a:t>
+                      </a:r>
+                      <a:r>
+                        <a:rPr lang="en-US" baseline="0" dirty="0" err="1"/>
+                        <a:t>openat</a:t>
+                      </a:r>
+                      <a:r>
+                        <a:rPr lang="en-US" baseline="0" dirty="0"/>
+                        <a:t>()</a:t>
+                      </a:r>
+                      <a:r>
+                        <a:rPr lang="ru-RU" baseline="0" dirty="0"/>
+                        <a:t>. </a:t>
+                      </a:r>
+                      <a:r>
+                        <a:rPr lang="en-US" baseline="0" dirty="0"/>
+                        <a:t>This gives multiple improvements</a:t>
+                      </a:r>
+                      <a:r>
+                        <a:rPr lang="ru-RU" baseline="0" dirty="0"/>
+                        <a:t>:</a:t>
+                      </a:r>
+                    </a:p>
+                    <a:p>
+                      <a:pPr marL="285750" indent="-285750">
+                        <a:buFont typeface="Arial" panose="020B0604020202020204" pitchFamily="34" charset="0"/>
+                        <a:buChar char="•"/>
+                      </a:pPr>
+                      <a:r>
+                        <a:rPr lang="en-US" baseline="0" dirty="0"/>
+                        <a:t>no races with </a:t>
+                      </a:r>
+                      <a:r>
+                        <a:rPr lang="en-US" baseline="0" dirty="0" err="1"/>
+                        <a:t>chdir</a:t>
+                      </a:r>
+                      <a:r>
+                        <a:rPr lang="en-US" baseline="0" dirty="0"/>
+                        <a:t>(),</a:t>
+                      </a:r>
+                      <a:endParaRPr lang="ru-RU" baseline="0" dirty="0"/>
+                    </a:p>
+                    <a:p>
+                      <a:pPr marL="285750" indent="-285750">
+                        <a:buFont typeface="Arial" panose="020B0604020202020204" pitchFamily="34" charset="0"/>
+                        <a:buChar char="•"/>
+                      </a:pPr>
+                      <a:r>
+                        <a:rPr lang="en-US" baseline="0" dirty="0"/>
+                        <a:t>per-thread working directories instead of a process-global one</a:t>
+                      </a:r>
+                      <a:r>
+                        <a:rPr lang="ru-RU" baseline="0" dirty="0"/>
+                        <a:t>,</a:t>
+                      </a:r>
+                    </a:p>
+                    <a:p>
+                      <a:pPr marL="285750" indent="-285750">
+                        <a:buFont typeface="Arial" panose="020B0604020202020204" pitchFamily="34" charset="0"/>
+                        <a:buChar char="•"/>
+                      </a:pPr>
+                      <a:r>
+                        <a:rPr lang="en-US" dirty="0"/>
+                        <a:t>fewer steps to traverse the file system</a:t>
+                      </a:r>
+                      <a:r>
+                        <a:rPr lang="ru-RU" dirty="0"/>
+                        <a:t>.</a:t>
+                      </a:r>
+                    </a:p>
                   </a:txBody>
                   <a:tcPr/>
                 </a:tc>
                 <a:extLst>
                   <a:ext uri="{0D108BD9-81ED-4DB2-BD59-A6C34878D82A}">
                     <a16:rowId xmlns:a16="http://schemas.microsoft.com/office/drawing/2014/main" val="10004"/>
-                  </a:ext>
-                </a:extLst>
-              </a:tr>
-              <a:tr h="370840">
-                <a:tc>
-                  <a:txBody>
-                    <a:bodyPr/>
-                    <a:lstStyle/>
-                    <a:p>
-                      <a:r>
-                        <a:rPr lang="en-US" dirty="0"/>
-                        <a:t>5. </a:t>
-                      </a:r>
-                      <a:r>
-                        <a:rPr lang="en-US" dirty="0" err="1"/>
-                        <a:t>symlink</a:t>
-                      </a:r>
-                      <a:r>
-                        <a:rPr lang="en-US" dirty="0"/>
-                        <a:t>() / </a:t>
-                      </a:r>
-                      <a:r>
-                        <a:rPr lang="en-US" dirty="0" err="1"/>
-                        <a:t>readlink</a:t>
-                      </a:r>
-                      <a:r>
-                        <a:rPr lang="en-US" dirty="0"/>
-                        <a:t>()</a:t>
-                      </a:r>
-                    </a:p>
-                  </a:txBody>
-                  <a:tcPr/>
-                </a:tc>
-                <a:extLst>
-                  <a:ext uri="{0D108BD9-81ED-4DB2-BD59-A6C34878D82A}">
-                    <a16:rowId xmlns:a16="http://schemas.microsoft.com/office/drawing/2014/main" val="10005"/>
                   </a:ext>
                 </a:extLst>
               </a:tr>
@@ -26647,7 +27104,7 @@
     </p:spTree>
     <p:extLst>
       <p:ext uri="{BB962C8B-B14F-4D97-AF65-F5344CB8AC3E}">
-        <p14:creationId xmlns:p14="http://schemas.microsoft.com/office/powerpoint/2010/main" val="2829276229"/>
+        <p14:creationId xmlns:p14="http://schemas.microsoft.com/office/powerpoint/2010/main" val="714686024"/>
       </p:ext>
     </p:extLst>
   </p:cSld>
@@ -26683,7 +27140,7 @@
           <p:nvPr>
             <p:extLst>
               <p:ext uri="{D42A27DB-BD31-4B8C-83A1-F6EECF244321}">
-                <p14:modId xmlns:p14="http://schemas.microsoft.com/office/powerpoint/2010/main" val="4022375300"/>
+                <p14:modId xmlns:p14="http://schemas.microsoft.com/office/powerpoint/2010/main" val="4054252201"/>
               </p:ext>
             </p:extLst>
           </p:nvPr>
@@ -26741,7 +27198,7 @@
           <p:nvPr>
             <p:extLst>
               <p:ext uri="{D42A27DB-BD31-4B8C-83A1-F6EECF244321}">
-                <p14:modId xmlns:p14="http://schemas.microsoft.com/office/powerpoint/2010/main" val="3900242186"/>
+                <p14:modId xmlns:p14="http://schemas.microsoft.com/office/powerpoint/2010/main" val="895172029"/>
               </p:ext>
             </p:extLst>
           </p:nvPr>
@@ -26795,14 +27252,14 @@
           <p:nvPr>
             <p:extLst>
               <p:ext uri="{D42A27DB-BD31-4B8C-83A1-F6EECF244321}">
-                <p14:modId xmlns:p14="http://schemas.microsoft.com/office/powerpoint/2010/main" val="2307882878"/>
+                <p14:modId xmlns:p14="http://schemas.microsoft.com/office/powerpoint/2010/main" val="1503107542"/>
               </p:ext>
             </p:extLst>
           </p:nvPr>
         </p:nvGraphicFramePr>
         <p:xfrm>
           <a:off x="0" y="365761"/>
-          <a:ext cx="12192000" cy="3774440"/>
+          <a:ext cx="12192000" cy="2311400"/>
         </p:xfrm>
         <a:graphic>
           <a:graphicData uri="http://schemas.openxmlformats.org/drawingml/2006/table">
@@ -27073,72 +27530,6 @@
                   </a:ext>
                 </a:extLst>
               </a:tr>
-              <a:tr h="370840">
-                <a:tc>
-                  <a:txBody>
-                    <a:bodyPr/>
-                    <a:lstStyle/>
-                    <a:p>
-                      <a:r>
-                        <a:rPr lang="en-US" dirty="0"/>
-                        <a:t>6. link() / unlink()</a:t>
-                      </a:r>
-                    </a:p>
-                    <a:p>
-                      <a:endParaRPr lang="en-US" dirty="0"/>
-                    </a:p>
-                    <a:p>
-                      <a:r>
-                        <a:rPr lang="en-US" dirty="0"/>
-                        <a:t>In</a:t>
-                      </a:r>
-                      <a:r>
-                        <a:rPr lang="ru-RU" dirty="0"/>
-                        <a:t> </a:t>
-                      </a:r>
-                      <a:r>
-                        <a:rPr lang="en-US" dirty="0"/>
-                        <a:t>POSIX, files and their names exist separately. The following situations are allowed</a:t>
-                      </a:r>
-                      <a:r>
-                        <a:rPr lang="ru-RU" dirty="0"/>
-                        <a:t>:</a:t>
-                      </a:r>
-                    </a:p>
-                    <a:p>
-                      <a:pPr marL="285750" indent="-285750">
-                        <a:buFont typeface="Arial" panose="020B0604020202020204" pitchFamily="34" charset="0"/>
-                        <a:buChar char="•"/>
-                      </a:pPr>
-                      <a:r>
-                        <a:rPr lang="en-US" dirty="0"/>
-                        <a:t>files with multiple names,</a:t>
-                      </a:r>
-                      <a:endParaRPr lang="ru-RU" dirty="0"/>
-                    </a:p>
-                    <a:p>
-                      <a:pPr marL="285750" indent="-285750">
-                        <a:buFont typeface="Arial" panose="020B0604020202020204" pitchFamily="34" charset="0"/>
-                        <a:buChar char="•"/>
-                      </a:pPr>
-                      <a:r>
-                        <a:rPr lang="en-US" dirty="0"/>
-                        <a:t>files with no names</a:t>
-                      </a:r>
-                      <a:r>
-                        <a:rPr lang="ru-RU" dirty="0"/>
-                        <a:t>.</a:t>
-                      </a:r>
-                    </a:p>
-                  </a:txBody>
-                  <a:tcPr/>
-                </a:tc>
-                <a:extLst>
-                  <a:ext uri="{0D108BD9-81ED-4DB2-BD59-A6C34878D82A}">
-                    <a16:rowId xmlns:a16="http://schemas.microsoft.com/office/drawing/2014/main" val="10006"/>
-                  </a:ext>
-                </a:extLst>
-              </a:tr>
             </a:tbl>
           </a:graphicData>
         </a:graphic>
@@ -27146,7 +27537,7 @@
     </p:spTree>
     <p:extLst>
       <p:ext uri="{BB962C8B-B14F-4D97-AF65-F5344CB8AC3E}">
-        <p14:creationId xmlns:p14="http://schemas.microsoft.com/office/powerpoint/2010/main" val="4152298700"/>
+        <p14:creationId xmlns:p14="http://schemas.microsoft.com/office/powerpoint/2010/main" val="2829276229"/>
       </p:ext>
     </p:extLst>
   </p:cSld>
@@ -27182,7 +27573,7 @@
           <p:nvPr>
             <p:extLst>
               <p:ext uri="{D42A27DB-BD31-4B8C-83A1-F6EECF244321}">
-                <p14:modId xmlns:p14="http://schemas.microsoft.com/office/powerpoint/2010/main" val="4260567998"/>
+                <p14:modId xmlns:p14="http://schemas.microsoft.com/office/powerpoint/2010/main" val="4022375300"/>
               </p:ext>
             </p:extLst>
           </p:nvPr>
@@ -27240,7 +27631,7 @@
           <p:nvPr>
             <p:extLst>
               <p:ext uri="{D42A27DB-BD31-4B8C-83A1-F6EECF244321}">
-                <p14:modId xmlns:p14="http://schemas.microsoft.com/office/powerpoint/2010/main" val="3307140070"/>
+                <p14:modId xmlns:p14="http://schemas.microsoft.com/office/powerpoint/2010/main" val="3900242186"/>
               </p:ext>
             </p:extLst>
           </p:nvPr>
@@ -27294,14 +27685,14 @@
           <p:nvPr>
             <p:extLst>
               <p:ext uri="{D42A27DB-BD31-4B8C-83A1-F6EECF244321}">
-                <p14:modId xmlns:p14="http://schemas.microsoft.com/office/powerpoint/2010/main" val="2105490545"/>
+                <p14:modId xmlns:p14="http://schemas.microsoft.com/office/powerpoint/2010/main" val="2307882878"/>
               </p:ext>
             </p:extLst>
           </p:nvPr>
         </p:nvGraphicFramePr>
         <p:xfrm>
           <a:off x="0" y="365761"/>
-          <a:ext cx="12192000" cy="4323080"/>
+          <a:ext cx="12192000" cy="3774440"/>
         </p:xfrm>
         <a:graphic>
           <a:graphicData uri="http://schemas.openxmlformats.org/drawingml/2006/table">
@@ -27629,32 +28020,6 @@
                         <a:t>.</a:t>
                       </a:r>
                     </a:p>
-                    <a:p>
-                      <a:pPr marL="0" indent="0">
-                        <a:buFont typeface="Arial" panose="020B0604020202020204" pitchFamily="34" charset="0"/>
-                        <a:buNone/>
-                      </a:pPr>
-                      <a:endParaRPr lang="ru-RU" dirty="0"/>
-                    </a:p>
-                    <a:p>
-                      <a:pPr marL="0" indent="0">
-                        <a:buFont typeface="Arial" panose="020B0604020202020204" pitchFamily="34" charset="0"/>
-                        <a:buNone/>
-                      </a:pPr>
-                      <a:r>
-                        <a:rPr lang="en-US" dirty="0"/>
-                        <a:t>open(O_TMPFILE)</a:t>
-                      </a:r>
-                      <a:r>
-                        <a:rPr lang="ru-RU" baseline="0" dirty="0"/>
-                        <a:t> </a:t>
-                      </a:r>
-                      <a:r>
-                        <a:rPr lang="en-US" baseline="0" dirty="0"/>
-                        <a:t>creates a file that has no name from the outset.</a:t>
-                      </a:r>
-                      <a:endParaRPr lang="ru-RU" dirty="0"/>
-                    </a:p>
                   </a:txBody>
                   <a:tcPr/>
                 </a:tc>
@@ -27671,7 +28036,7 @@
     </p:spTree>
     <p:extLst>
       <p:ext uri="{BB962C8B-B14F-4D97-AF65-F5344CB8AC3E}">
-        <p14:creationId xmlns:p14="http://schemas.microsoft.com/office/powerpoint/2010/main" val="3382582635"/>
+        <p14:creationId xmlns:p14="http://schemas.microsoft.com/office/powerpoint/2010/main" val="4152298700"/>
       </p:ext>
     </p:extLst>
   </p:cSld>
@@ -27707,7 +28072,7 @@
           <p:nvPr>
             <p:extLst>
               <p:ext uri="{D42A27DB-BD31-4B8C-83A1-F6EECF244321}">
-                <p14:modId xmlns:p14="http://schemas.microsoft.com/office/powerpoint/2010/main" val="3376365897"/>
+                <p14:modId xmlns:p14="http://schemas.microsoft.com/office/powerpoint/2010/main" val="4260567998"/>
               </p:ext>
             </p:extLst>
           </p:nvPr>
@@ -27765,7 +28130,7 @@
           <p:nvPr>
             <p:extLst>
               <p:ext uri="{D42A27DB-BD31-4B8C-83A1-F6EECF244321}">
-                <p14:modId xmlns:p14="http://schemas.microsoft.com/office/powerpoint/2010/main" val="353043243"/>
+                <p14:modId xmlns:p14="http://schemas.microsoft.com/office/powerpoint/2010/main" val="3307140070"/>
               </p:ext>
             </p:extLst>
           </p:nvPr>
@@ -27819,14 +28184,14 @@
           <p:nvPr>
             <p:extLst>
               <p:ext uri="{D42A27DB-BD31-4B8C-83A1-F6EECF244321}">
-                <p14:modId xmlns:p14="http://schemas.microsoft.com/office/powerpoint/2010/main" val="1812406356"/>
+                <p14:modId xmlns:p14="http://schemas.microsoft.com/office/powerpoint/2010/main" val="2105490545"/>
               </p:ext>
             </p:extLst>
           </p:nvPr>
         </p:nvGraphicFramePr>
         <p:xfrm>
           <a:off x="0" y="365761"/>
-          <a:ext cx="12192000" cy="4419600"/>
+          <a:ext cx="12192000" cy="4323080"/>
         </p:xfrm>
         <a:graphic>
           <a:graphicData uri="http://schemas.openxmlformats.org/drawingml/2006/table">
@@ -28108,96 +28473,84 @@
                         <a:t>6. link() / unlink()</a:t>
                       </a:r>
                     </a:p>
+                    <a:p>
+                      <a:endParaRPr lang="en-US" dirty="0"/>
+                    </a:p>
+                    <a:p>
+                      <a:r>
+                        <a:rPr lang="en-US" dirty="0"/>
+                        <a:t>In</a:t>
+                      </a:r>
+                      <a:r>
+                        <a:rPr lang="ru-RU" dirty="0"/>
+                        <a:t> </a:t>
+                      </a:r>
+                      <a:r>
+                        <a:rPr lang="en-US" dirty="0"/>
+                        <a:t>POSIX, files and their names exist separately. The following situations are allowed</a:t>
+                      </a:r>
+                      <a:r>
+                        <a:rPr lang="ru-RU" dirty="0"/>
+                        <a:t>:</a:t>
+                      </a:r>
+                    </a:p>
+                    <a:p>
+                      <a:pPr marL="285750" indent="-285750">
+                        <a:buFont typeface="Arial" panose="020B0604020202020204" pitchFamily="34" charset="0"/>
+                        <a:buChar char="•"/>
+                      </a:pPr>
+                      <a:r>
+                        <a:rPr lang="en-US" dirty="0"/>
+                        <a:t>files with multiple names,</a:t>
+                      </a:r>
+                      <a:endParaRPr lang="ru-RU" dirty="0"/>
+                    </a:p>
+                    <a:p>
+                      <a:pPr marL="285750" indent="-285750">
+                        <a:buFont typeface="Arial" panose="020B0604020202020204" pitchFamily="34" charset="0"/>
+                        <a:buChar char="•"/>
+                      </a:pPr>
+                      <a:r>
+                        <a:rPr lang="en-US" dirty="0"/>
+                        <a:t>files with no names</a:t>
+                      </a:r>
+                      <a:r>
+                        <a:rPr lang="ru-RU" dirty="0"/>
+                        <a:t>.</a:t>
+                      </a:r>
+                    </a:p>
+                    <a:p>
+                      <a:pPr marL="0" indent="0">
+                        <a:buFont typeface="Arial" panose="020B0604020202020204" pitchFamily="34" charset="0"/>
+                        <a:buNone/>
+                      </a:pPr>
+                      <a:endParaRPr lang="ru-RU" dirty="0"/>
+                    </a:p>
+                    <a:p>
+                      <a:pPr marL="0" indent="0">
+                        <a:buFont typeface="Arial" panose="020B0604020202020204" pitchFamily="34" charset="0"/>
+                        <a:buNone/>
+                      </a:pPr>
+                      <a:r>
+                        <a:rPr lang="en-US" dirty="0"/>
+                        <a:t>open(O_TMPFILE)</a:t>
+                      </a:r>
+                      <a:r>
+                        <a:rPr lang="ru-RU" baseline="0" dirty="0"/>
+                        <a:t> </a:t>
+                      </a:r>
+                      <a:r>
+                        <a:rPr lang="en-US" baseline="0" dirty="0"/>
+                        <a:t>creates a file that has no name from the outset.</a:t>
+                      </a:r>
+                      <a:endParaRPr lang="ru-RU" dirty="0"/>
+                    </a:p>
                   </a:txBody>
                   <a:tcPr/>
                 </a:tc>
                 <a:extLst>
                   <a:ext uri="{0D108BD9-81ED-4DB2-BD59-A6C34878D82A}">
                     <a16:rowId xmlns:a16="http://schemas.microsoft.com/office/drawing/2014/main" val="10006"/>
-                  </a:ext>
-                </a:extLst>
-              </a:tr>
-              <a:tr h="370840">
-                <a:tc>
-                  <a:txBody>
-                    <a:bodyPr/>
-                    <a:lstStyle/>
-                    <a:p>
-                      <a:r>
-                        <a:rPr lang="en-US" dirty="0"/>
-                        <a:t>7. Special files</a:t>
-                      </a:r>
-                      <a:r>
-                        <a:rPr lang="ru-RU" baseline="0" dirty="0"/>
-                        <a:t>:</a:t>
-                      </a:r>
-                      <a:endParaRPr lang="en-US" baseline="0" dirty="0"/>
-                    </a:p>
-                    <a:p>
-                      <a:pPr marL="285750" indent="-285750">
-                        <a:buFont typeface="Arial" panose="020B0604020202020204" pitchFamily="34" charset="0"/>
-                        <a:buChar char="•"/>
-                      </a:pPr>
-                      <a:r>
-                        <a:rPr lang="en-US" dirty="0"/>
-                        <a:t>directory,</a:t>
-                      </a:r>
-                    </a:p>
-                    <a:p>
-                      <a:pPr marL="285750" indent="-285750">
-                        <a:buFont typeface="Arial" panose="020B0604020202020204" pitchFamily="34" charset="0"/>
-                        <a:buChar char="•"/>
-                      </a:pPr>
-                      <a:r>
-                        <a:rPr lang="en-US" dirty="0"/>
-                        <a:t>character</a:t>
-                      </a:r>
-                      <a:r>
-                        <a:rPr lang="en-US" baseline="0" dirty="0"/>
-                        <a:t> devices,</a:t>
-                      </a:r>
-                    </a:p>
-                    <a:p>
-                      <a:pPr marL="285750" indent="-285750">
-                        <a:buFont typeface="Arial" panose="020B0604020202020204" pitchFamily="34" charset="0"/>
-                        <a:buChar char="•"/>
-                      </a:pPr>
-                      <a:r>
-                        <a:rPr lang="en-US" baseline="0" dirty="0"/>
-                        <a:t>block devices,</a:t>
-                      </a:r>
-                    </a:p>
-                    <a:p>
-                      <a:pPr marL="285750" indent="-285750">
-                        <a:buFont typeface="Arial" panose="020B0604020202020204" pitchFamily="34" charset="0"/>
-                        <a:buChar char="•"/>
-                      </a:pPr>
-                      <a:r>
-                        <a:rPr lang="en-US" baseline="0" dirty="0"/>
-                        <a:t>pipes,</a:t>
-                      </a:r>
-                    </a:p>
-                    <a:p>
-                      <a:pPr marL="285750" indent="-285750">
-                        <a:buFont typeface="Arial" panose="020B0604020202020204" pitchFamily="34" charset="0"/>
-                        <a:buChar char="•"/>
-                      </a:pPr>
-                      <a:r>
-                        <a:rPr lang="en-US" baseline="0" dirty="0" err="1"/>
-                        <a:t>unix</a:t>
-                      </a:r>
-                      <a:r>
-                        <a:rPr lang="en-US" baseline="0" dirty="0"/>
-                        <a:t> domain sockets.</a:t>
-                      </a:r>
-                      <a:endParaRPr lang="en-US" dirty="0"/>
-                    </a:p>
-                  </a:txBody>
-                  <a:tcPr/>
-                </a:tc>
-                <a:extLst>
-                  <a:ext uri="{0D108BD9-81ED-4DB2-BD59-A6C34878D82A}">
-                    <a16:rowId xmlns:a16="http://schemas.microsoft.com/office/drawing/2014/main" val="10007"/>
                   </a:ext>
                 </a:extLst>
               </a:tr>
@@ -28208,7 +28561,7 @@
     </p:spTree>
     <p:extLst>
       <p:ext uri="{BB962C8B-B14F-4D97-AF65-F5344CB8AC3E}">
-        <p14:creationId xmlns:p14="http://schemas.microsoft.com/office/powerpoint/2010/main" val="3429008705"/>
+        <p14:creationId xmlns:p14="http://schemas.microsoft.com/office/powerpoint/2010/main" val="3382582635"/>
       </p:ext>
     </p:extLst>
   </p:cSld>
@@ -28547,6 +28900,543 @@
           <p:nvPr>
             <p:extLst>
               <p:ext uri="{D42A27DB-BD31-4B8C-83A1-F6EECF244321}">
+                <p14:modId xmlns:p14="http://schemas.microsoft.com/office/powerpoint/2010/main" val="3376365897"/>
+              </p:ext>
+            </p:extLst>
+          </p:nvPr>
+        </p:nvGraphicFramePr>
+        <p:xfrm>
+          <a:off x="0" y="1"/>
+          <a:ext cx="12192000" cy="365760"/>
+        </p:xfrm>
+        <a:graphic>
+          <a:graphicData uri="http://schemas.openxmlformats.org/drawingml/2006/table">
+            <a:tbl>
+              <a:tblPr firstRow="1" bandRow="1">
+                <a:tableStyleId>{5C22544A-7EE6-4342-B048-85BDC9FD1C3A}</a:tableStyleId>
+              </a:tblPr>
+              <a:tblGrid>
+                <a:gridCol w="12192000">
+                  <a:extLst>
+                    <a:ext uri="{9D8B030D-6E8A-4147-A177-3AD203B41FA5}">
+                      <a16:colId xmlns:a16="http://schemas.microsoft.com/office/drawing/2014/main" val="20000"/>
+                    </a:ext>
+                  </a:extLst>
+                </a:gridCol>
+              </a:tblGrid>
+              <a:tr h="321276">
+                <a:tc>
+                  <a:txBody>
+                    <a:bodyPr/>
+                    <a:lstStyle/>
+                    <a:p>
+                      <a:r>
+                        <a:rPr lang="en-US" sz="1800" dirty="0"/>
+                        <a:t>The basics of file systems</a:t>
+                      </a:r>
+                      <a:endParaRPr lang="ru-RU" sz="1800" dirty="0"/>
+                    </a:p>
+                  </a:txBody>
+                  <a:tcPr/>
+                </a:tc>
+                <a:extLst>
+                  <a:ext uri="{0D108BD9-81ED-4DB2-BD59-A6C34878D82A}">
+                    <a16:rowId xmlns:a16="http://schemas.microsoft.com/office/drawing/2014/main" val="10000"/>
+                  </a:ext>
+                </a:extLst>
+              </a:tr>
+            </a:tbl>
+          </a:graphicData>
+        </a:graphic>
+      </p:graphicFrame>
+      <p:graphicFrame>
+        <p:nvGraphicFramePr>
+          <p:cNvPr id="6" name="Table 5"/>
+          <p:cNvGraphicFramePr>
+            <a:graphicFrameLocks noGrp="1"/>
+          </p:cNvGraphicFramePr>
+          <p:nvPr>
+            <p:extLst>
+              <p:ext uri="{D42A27DB-BD31-4B8C-83A1-F6EECF244321}">
+                <p14:modId xmlns:p14="http://schemas.microsoft.com/office/powerpoint/2010/main" val="353043243"/>
+              </p:ext>
+            </p:extLst>
+          </p:nvPr>
+        </p:nvGraphicFramePr>
+        <p:xfrm>
+          <a:off x="0" y="6532604"/>
+          <a:ext cx="12192000" cy="365760"/>
+        </p:xfrm>
+        <a:graphic>
+          <a:graphicData uri="http://schemas.openxmlformats.org/drawingml/2006/table">
+            <a:tbl>
+              <a:tblPr firstRow="1" bandRow="1">
+                <a:tableStyleId>{5C22544A-7EE6-4342-B048-85BDC9FD1C3A}</a:tableStyleId>
+              </a:tblPr>
+              <a:tblGrid>
+                <a:gridCol w="12192000">
+                  <a:extLst>
+                    <a:ext uri="{9D8B030D-6E8A-4147-A177-3AD203B41FA5}">
+                      <a16:colId xmlns:a16="http://schemas.microsoft.com/office/drawing/2014/main" val="20000"/>
+                    </a:ext>
+                  </a:extLst>
+                </a:gridCol>
+              </a:tblGrid>
+              <a:tr h="308094">
+                <a:tc>
+                  <a:txBody>
+                    <a:bodyPr/>
+                    <a:lstStyle/>
+                    <a:p>
+                      <a:endParaRPr lang="ru-RU" dirty="0"/>
+                    </a:p>
+                  </a:txBody>
+                  <a:tcPr/>
+                </a:tc>
+                <a:extLst>
+                  <a:ext uri="{0D108BD9-81ED-4DB2-BD59-A6C34878D82A}">
+                    <a16:rowId xmlns:a16="http://schemas.microsoft.com/office/drawing/2014/main" val="10000"/>
+                  </a:ext>
+                </a:extLst>
+              </a:tr>
+            </a:tbl>
+          </a:graphicData>
+        </a:graphic>
+      </p:graphicFrame>
+      <p:graphicFrame>
+        <p:nvGraphicFramePr>
+          <p:cNvPr id="2" name="Table 1"/>
+          <p:cNvGraphicFramePr>
+            <a:graphicFrameLocks noGrp="1"/>
+          </p:cNvGraphicFramePr>
+          <p:nvPr>
+            <p:extLst>
+              <p:ext uri="{D42A27DB-BD31-4B8C-83A1-F6EECF244321}">
+                <p14:modId xmlns:p14="http://schemas.microsoft.com/office/powerpoint/2010/main" val="1812406356"/>
+              </p:ext>
+            </p:extLst>
+          </p:nvPr>
+        </p:nvGraphicFramePr>
+        <p:xfrm>
+          <a:off x="0" y="365761"/>
+          <a:ext cx="12192000" cy="4419600"/>
+        </p:xfrm>
+        <a:graphic>
+          <a:graphicData uri="http://schemas.openxmlformats.org/drawingml/2006/table">
+            <a:tbl>
+              <a:tblPr firstRow="1" bandRow="1">
+                <a:tableStyleId>{3B4B98B0-60AC-42C2-AFA5-B58CD77FA1E5}</a:tableStyleId>
+              </a:tblPr>
+              <a:tblGrid>
+                <a:gridCol w="12192000">
+                  <a:extLst>
+                    <a:ext uri="{9D8B030D-6E8A-4147-A177-3AD203B41FA5}">
+                      <a16:colId xmlns:a16="http://schemas.microsoft.com/office/drawing/2014/main" val="20000"/>
+                    </a:ext>
+                  </a:extLst>
+                </a:gridCol>
+              </a:tblGrid>
+              <a:tr h="370840">
+                <a:tc>
+                  <a:txBody>
+                    <a:bodyPr/>
+                    <a:lstStyle/>
+                    <a:p>
+                      <a:pPr marL="0" marR="0" lvl="0" indent="0" algn="l" defTabSz="914400" rtl="0" eaLnBrk="1" fontAlgn="auto" latinLnBrk="0" hangingPunct="1">
+                        <a:lnSpc>
+                          <a:spcPct val="100000"/>
+                        </a:lnSpc>
+                        <a:spcBef>
+                          <a:spcPts val="0"/>
+                        </a:spcBef>
+                        <a:spcAft>
+                          <a:spcPts val="0"/>
+                        </a:spcAft>
+                        <a:buClrTx/>
+                        <a:buSzTx/>
+                        <a:buFontTx/>
+                        <a:buNone/>
+                        <a:tabLst/>
+                        <a:defRPr/>
+                      </a:pPr>
+                      <a:r>
+                        <a:rPr lang="en-US" sz="2400" dirty="0"/>
+                        <a:t>A refresher on the</a:t>
+                      </a:r>
+                      <a:r>
+                        <a:rPr lang="ru-RU" sz="2400" baseline="0" dirty="0"/>
+                        <a:t> </a:t>
+                      </a:r>
+                      <a:r>
+                        <a:rPr lang="en-US" sz="2400" baseline="0" dirty="0"/>
+                        <a:t>POSIX Filesystem API</a:t>
+                      </a:r>
+                      <a:endParaRPr lang="ru-RU" sz="2400" dirty="0"/>
+                    </a:p>
+                  </a:txBody>
+                  <a:tcPr/>
+                </a:tc>
+                <a:extLst>
+                  <a:ext uri="{0D108BD9-81ED-4DB2-BD59-A6C34878D82A}">
+                    <a16:rowId xmlns:a16="http://schemas.microsoft.com/office/drawing/2014/main" val="10000"/>
+                  </a:ext>
+                </a:extLst>
+              </a:tr>
+              <a:tr h="370840">
+                <a:tc>
+                  <a:txBody>
+                    <a:bodyPr/>
+                    <a:lstStyle/>
+                    <a:p>
+                      <a:r>
+                        <a:rPr lang="en-US" dirty="0"/>
+                        <a:t>1. open(path,</a:t>
+                      </a:r>
+                      <a:r>
+                        <a:rPr lang="en-US" baseline="0" dirty="0"/>
+                        <a:t> flags, mode</a:t>
+                      </a:r>
+                      <a:r>
+                        <a:rPr lang="en-US" dirty="0"/>
+                        <a:t>) / close(</a:t>
+                      </a:r>
+                      <a:r>
+                        <a:rPr lang="en-US" dirty="0" err="1"/>
+                        <a:t>fd</a:t>
+                      </a:r>
+                      <a:r>
+                        <a:rPr lang="en-US" dirty="0"/>
+                        <a:t>)</a:t>
+                      </a:r>
+                      <a:endParaRPr lang="ru-RU" dirty="0"/>
+                    </a:p>
+                  </a:txBody>
+                  <a:tcPr/>
+                </a:tc>
+                <a:extLst>
+                  <a:ext uri="{0D108BD9-81ED-4DB2-BD59-A6C34878D82A}">
+                    <a16:rowId xmlns:a16="http://schemas.microsoft.com/office/drawing/2014/main" val="10001"/>
+                  </a:ext>
+                </a:extLst>
+              </a:tr>
+              <a:tr h="370840">
+                <a:tc>
+                  <a:txBody>
+                    <a:bodyPr/>
+                    <a:lstStyle/>
+                    <a:p>
+                      <a:r>
+                        <a:rPr lang="en-US" dirty="0"/>
+                        <a:t>2. </a:t>
+                      </a:r>
+                      <a:r>
+                        <a:rPr lang="en-US" dirty="0" err="1"/>
+                        <a:t>mkdir</a:t>
+                      </a:r>
+                      <a:r>
+                        <a:rPr lang="en-US" dirty="0"/>
+                        <a:t>(path, flags) / </a:t>
+                      </a:r>
+                      <a:r>
+                        <a:rPr lang="en-US" dirty="0" err="1"/>
+                        <a:t>rmdir</a:t>
+                      </a:r>
+                      <a:r>
+                        <a:rPr lang="en-US" dirty="0"/>
+                        <a:t>(path)</a:t>
+                      </a:r>
+                      <a:endParaRPr lang="ru-RU" dirty="0"/>
+                    </a:p>
+                  </a:txBody>
+                  <a:tcPr/>
+                </a:tc>
+                <a:extLst>
+                  <a:ext uri="{0D108BD9-81ED-4DB2-BD59-A6C34878D82A}">
+                    <a16:rowId xmlns:a16="http://schemas.microsoft.com/office/drawing/2014/main" val="10002"/>
+                  </a:ext>
+                </a:extLst>
+              </a:tr>
+              <a:tr h="370840">
+                <a:tc>
+                  <a:txBody>
+                    <a:bodyPr/>
+                    <a:lstStyle/>
+                    <a:p>
+                      <a:r>
+                        <a:rPr lang="en-US" dirty="0"/>
+                        <a:t>3.</a:t>
+                      </a:r>
+                      <a:r>
+                        <a:rPr lang="en-US" baseline="0" dirty="0"/>
+                        <a:t> </a:t>
+                      </a:r>
+                      <a:r>
+                        <a:rPr lang="en-US" baseline="0" dirty="0" err="1"/>
+                        <a:t>chdir</a:t>
+                      </a:r>
+                      <a:r>
+                        <a:rPr lang="en-US" baseline="0" dirty="0"/>
+                        <a:t>(path), </a:t>
+                      </a:r>
+                      <a:r>
+                        <a:rPr lang="en-US" baseline="0" dirty="0" err="1"/>
+                        <a:t>chroot</a:t>
+                      </a:r>
+                      <a:r>
+                        <a:rPr lang="en-US" baseline="0" dirty="0"/>
+                        <a:t>(path)</a:t>
+                      </a:r>
+                      <a:endParaRPr lang="ru-RU" dirty="0"/>
+                    </a:p>
+                  </a:txBody>
+                  <a:tcPr/>
+                </a:tc>
+                <a:extLst>
+                  <a:ext uri="{0D108BD9-81ED-4DB2-BD59-A6C34878D82A}">
+                    <a16:rowId xmlns:a16="http://schemas.microsoft.com/office/drawing/2014/main" val="10003"/>
+                  </a:ext>
+                </a:extLst>
+              </a:tr>
+              <a:tr h="370840">
+                <a:tc>
+                  <a:txBody>
+                    <a:bodyPr/>
+                    <a:lstStyle/>
+                    <a:p>
+                      <a:r>
+                        <a:rPr lang="en-US" dirty="0"/>
+                        <a:t>4. </a:t>
+                      </a:r>
+                      <a:r>
+                        <a:rPr lang="en-US" dirty="0" err="1"/>
+                        <a:t>openat</a:t>
+                      </a:r>
+                      <a:r>
+                        <a:rPr lang="en-US" dirty="0"/>
+                        <a:t>(</a:t>
+                      </a:r>
+                      <a:r>
+                        <a:rPr lang="en-US" dirty="0" err="1"/>
+                        <a:t>dirfd</a:t>
+                      </a:r>
+                      <a:r>
+                        <a:rPr lang="en-US" dirty="0"/>
+                        <a:t>, path, flags) / </a:t>
+                      </a:r>
+                      <a:r>
+                        <a:rPr lang="en-US" dirty="0" err="1"/>
+                        <a:t>mkdirat</a:t>
+                      </a:r>
+                      <a:r>
+                        <a:rPr lang="en-US" dirty="0"/>
+                        <a:t>() / </a:t>
+                      </a:r>
+                      <a:r>
+                        <a:rPr lang="en-US" dirty="0" err="1"/>
+                        <a:t>rmdirat</a:t>
+                      </a:r>
+                      <a:r>
+                        <a:rPr lang="en-US" dirty="0"/>
+                        <a:t>() / </a:t>
+                      </a:r>
+                      <a:r>
+                        <a:rPr lang="en-US" dirty="0" err="1"/>
+                        <a:t>etc</a:t>
+                      </a:r>
+                      <a:endParaRPr lang="en-US" dirty="0"/>
+                    </a:p>
+                  </a:txBody>
+                  <a:tcPr/>
+                </a:tc>
+                <a:extLst>
+                  <a:ext uri="{0D108BD9-81ED-4DB2-BD59-A6C34878D82A}">
+                    <a16:rowId xmlns:a16="http://schemas.microsoft.com/office/drawing/2014/main" val="10004"/>
+                  </a:ext>
+                </a:extLst>
+              </a:tr>
+              <a:tr h="370840">
+                <a:tc>
+                  <a:txBody>
+                    <a:bodyPr/>
+                    <a:lstStyle/>
+                    <a:p>
+                      <a:r>
+                        <a:rPr lang="en-US" dirty="0"/>
+                        <a:t>5. </a:t>
+                      </a:r>
+                      <a:r>
+                        <a:rPr lang="en-US" dirty="0" err="1"/>
+                        <a:t>symlink</a:t>
+                      </a:r>
+                      <a:r>
+                        <a:rPr lang="en-US" dirty="0"/>
+                        <a:t>() / </a:t>
+                      </a:r>
+                      <a:r>
+                        <a:rPr lang="en-US" dirty="0" err="1"/>
+                        <a:t>readlink</a:t>
+                      </a:r>
+                      <a:r>
+                        <a:rPr lang="en-US" dirty="0"/>
+                        <a:t>()</a:t>
+                      </a:r>
+                    </a:p>
+                  </a:txBody>
+                  <a:tcPr/>
+                </a:tc>
+                <a:extLst>
+                  <a:ext uri="{0D108BD9-81ED-4DB2-BD59-A6C34878D82A}">
+                    <a16:rowId xmlns:a16="http://schemas.microsoft.com/office/drawing/2014/main" val="10005"/>
+                  </a:ext>
+                </a:extLst>
+              </a:tr>
+              <a:tr h="370840">
+                <a:tc>
+                  <a:txBody>
+                    <a:bodyPr/>
+                    <a:lstStyle/>
+                    <a:p>
+                      <a:r>
+                        <a:rPr lang="en-US" dirty="0"/>
+                        <a:t>6. link() / unlink()</a:t>
+                      </a:r>
+                    </a:p>
+                  </a:txBody>
+                  <a:tcPr/>
+                </a:tc>
+                <a:extLst>
+                  <a:ext uri="{0D108BD9-81ED-4DB2-BD59-A6C34878D82A}">
+                    <a16:rowId xmlns:a16="http://schemas.microsoft.com/office/drawing/2014/main" val="10006"/>
+                  </a:ext>
+                </a:extLst>
+              </a:tr>
+              <a:tr h="370840">
+                <a:tc>
+                  <a:txBody>
+                    <a:bodyPr/>
+                    <a:lstStyle/>
+                    <a:p>
+                      <a:r>
+                        <a:rPr lang="en-US" dirty="0"/>
+                        <a:t>7. Special files</a:t>
+                      </a:r>
+                      <a:r>
+                        <a:rPr lang="ru-RU" baseline="0" dirty="0"/>
+                        <a:t>:</a:t>
+                      </a:r>
+                      <a:endParaRPr lang="en-US" baseline="0" dirty="0"/>
+                    </a:p>
+                    <a:p>
+                      <a:pPr marL="285750" indent="-285750">
+                        <a:buFont typeface="Arial" panose="020B0604020202020204" pitchFamily="34" charset="0"/>
+                        <a:buChar char="•"/>
+                      </a:pPr>
+                      <a:r>
+                        <a:rPr lang="en-US" dirty="0"/>
+                        <a:t>directory,</a:t>
+                      </a:r>
+                    </a:p>
+                    <a:p>
+                      <a:pPr marL="285750" indent="-285750">
+                        <a:buFont typeface="Arial" panose="020B0604020202020204" pitchFamily="34" charset="0"/>
+                        <a:buChar char="•"/>
+                      </a:pPr>
+                      <a:r>
+                        <a:rPr lang="en-US" dirty="0"/>
+                        <a:t>character</a:t>
+                      </a:r>
+                      <a:r>
+                        <a:rPr lang="en-US" baseline="0" dirty="0"/>
+                        <a:t> devices,</a:t>
+                      </a:r>
+                    </a:p>
+                    <a:p>
+                      <a:pPr marL="285750" indent="-285750">
+                        <a:buFont typeface="Arial" panose="020B0604020202020204" pitchFamily="34" charset="0"/>
+                        <a:buChar char="•"/>
+                      </a:pPr>
+                      <a:r>
+                        <a:rPr lang="en-US" baseline="0" dirty="0"/>
+                        <a:t>block devices,</a:t>
+                      </a:r>
+                    </a:p>
+                    <a:p>
+                      <a:pPr marL="285750" indent="-285750">
+                        <a:buFont typeface="Arial" panose="020B0604020202020204" pitchFamily="34" charset="0"/>
+                        <a:buChar char="•"/>
+                      </a:pPr>
+                      <a:r>
+                        <a:rPr lang="en-US" baseline="0" dirty="0"/>
+                        <a:t>pipes,</a:t>
+                      </a:r>
+                    </a:p>
+                    <a:p>
+                      <a:pPr marL="285750" indent="-285750">
+                        <a:buFont typeface="Arial" panose="020B0604020202020204" pitchFamily="34" charset="0"/>
+                        <a:buChar char="•"/>
+                      </a:pPr>
+                      <a:r>
+                        <a:rPr lang="en-US" baseline="0" dirty="0" err="1"/>
+                        <a:t>unix</a:t>
+                      </a:r>
+                      <a:r>
+                        <a:rPr lang="en-US" baseline="0" dirty="0"/>
+                        <a:t> domain sockets.</a:t>
+                      </a:r>
+                      <a:endParaRPr lang="en-US" dirty="0"/>
+                    </a:p>
+                  </a:txBody>
+                  <a:tcPr/>
+                </a:tc>
+                <a:extLst>
+                  <a:ext uri="{0D108BD9-81ED-4DB2-BD59-A6C34878D82A}">
+                    <a16:rowId xmlns:a16="http://schemas.microsoft.com/office/drawing/2014/main" val="10007"/>
+                  </a:ext>
+                </a:extLst>
+              </a:tr>
+            </a:tbl>
+          </a:graphicData>
+        </a:graphic>
+      </p:graphicFrame>
+    </p:spTree>
+    <p:extLst>
+      <p:ext uri="{BB962C8B-B14F-4D97-AF65-F5344CB8AC3E}">
+        <p14:creationId xmlns:p14="http://schemas.microsoft.com/office/powerpoint/2010/main" val="3429008705"/>
+      </p:ext>
+    </p:extLst>
+  </p:cSld>
+  <p:clrMapOvr>
+    <a:masterClrMapping/>
+  </p:clrMapOvr>
+</p:sld>
+</file>
+
+<file path=ppt/slides/slide41.xml><?xml version="1.0" encoding="utf-8"?>
+<p:sld xmlns:a="http://schemas.openxmlformats.org/drawingml/2006/main" xmlns:r="http://schemas.openxmlformats.org/officeDocument/2006/relationships" xmlns:p="http://schemas.openxmlformats.org/presentationml/2006/main">
+  <p:cSld>
+    <p:spTree>
+      <p:nvGrpSpPr>
+        <p:cNvPr id="1" name=""/>
+        <p:cNvGrpSpPr/>
+        <p:nvPr/>
+      </p:nvGrpSpPr>
+      <p:grpSpPr>
+        <a:xfrm>
+          <a:off x="0" y="0"/>
+          <a:ext cx="0" cy="0"/>
+          <a:chOff x="0" y="0"/>
+          <a:chExt cx="0" cy="0"/>
+        </a:xfrm>
+      </p:grpSpPr>
+      <p:graphicFrame>
+        <p:nvGraphicFramePr>
+          <p:cNvPr id="5" name="Table 4"/>
+          <p:cNvGraphicFramePr>
+            <a:graphicFrameLocks noGrp="1"/>
+          </p:cNvGraphicFramePr>
+          <p:nvPr>
+            <p:extLst>
+              <p:ext uri="{D42A27DB-BD31-4B8C-83A1-F6EECF244321}">
                 <p14:modId xmlns:p14="http://schemas.microsoft.com/office/powerpoint/2010/main" val="3420879641"/>
               </p:ext>
             </p:extLst>
@@ -29685,7 +30575,7 @@
           <p:nvPr>
             <p:extLst>
               <p:ext uri="{D42A27DB-BD31-4B8C-83A1-F6EECF244321}">
-                <p14:modId xmlns:p14="http://schemas.microsoft.com/office/powerpoint/2010/main" val="1954680522"/>
+                <p14:modId xmlns:p14="http://schemas.microsoft.com/office/powerpoint/2010/main" val="815152409"/>
               </p:ext>
             </p:extLst>
           </p:nvPr>
@@ -29898,7 +30788,13 @@
   <p:cSld>
     <p:spTree>
       <p:nvGrpSpPr>
-        <p:cNvPr id="1" name=""/>
+        <p:cNvPr id="1" name="">
+          <a:extLst>
+            <a:ext uri="{FF2B5EF4-FFF2-40B4-BE49-F238E27FC236}">
+              <a16:creationId xmlns:a16="http://schemas.microsoft.com/office/drawing/2014/main" id="{03D76BD6-BFB4-8C69-4E82-DE073BCA48BB}"/>
+            </a:ext>
+          </a:extLst>
+        </p:cNvPr>
         <p:cNvGrpSpPr/>
         <p:nvPr/>
       </p:nvGrpSpPr>
@@ -29912,17 +30808,17 @@
       </p:grpSpPr>
       <p:graphicFrame>
         <p:nvGraphicFramePr>
-          <p:cNvPr id="5" name="Table 4"/>
+          <p:cNvPr id="5" name="Table 4">
+            <a:extLst>
+              <a:ext uri="{FF2B5EF4-FFF2-40B4-BE49-F238E27FC236}">
+                <a16:creationId xmlns:a16="http://schemas.microsoft.com/office/drawing/2014/main" id="{993F7B71-23DD-2C4A-E782-48199FABEA10}"/>
+              </a:ext>
+            </a:extLst>
+          </p:cNvPr>
           <p:cNvGraphicFramePr>
             <a:graphicFrameLocks noGrp="1"/>
           </p:cNvGraphicFramePr>
-          <p:nvPr>
-            <p:extLst>
-              <p:ext uri="{D42A27DB-BD31-4B8C-83A1-F6EECF244321}">
-                <p14:modId xmlns:p14="http://schemas.microsoft.com/office/powerpoint/2010/main" val="2660254337"/>
-              </p:ext>
-            </p:extLst>
-          </p:nvPr>
+          <p:nvPr/>
         </p:nvGraphicFramePr>
         <p:xfrm>
           <a:off x="0" y="1"/>
@@ -29970,17 +30866,17 @@
       </p:graphicFrame>
       <p:graphicFrame>
         <p:nvGraphicFramePr>
-          <p:cNvPr id="6" name="Table 5"/>
+          <p:cNvPr id="6" name="Table 5">
+            <a:extLst>
+              <a:ext uri="{FF2B5EF4-FFF2-40B4-BE49-F238E27FC236}">
+                <a16:creationId xmlns:a16="http://schemas.microsoft.com/office/drawing/2014/main" id="{CE9671DF-E1BE-B6E4-84C7-C4C3041E084E}"/>
+              </a:ext>
+            </a:extLst>
+          </p:cNvPr>
           <p:cNvGraphicFramePr>
             <a:graphicFrameLocks noGrp="1"/>
           </p:cNvGraphicFramePr>
-          <p:nvPr>
-            <p:extLst>
-              <p:ext uri="{D42A27DB-BD31-4B8C-83A1-F6EECF244321}">
-                <p14:modId xmlns:p14="http://schemas.microsoft.com/office/powerpoint/2010/main" val="1977298365"/>
-              </p:ext>
-            </p:extLst>
-          </p:nvPr>
+          <p:nvPr/>
         </p:nvGraphicFramePr>
         <p:xfrm>
           <a:off x="0" y="6532604"/>
@@ -30024,17 +30920,17 @@
       </p:graphicFrame>
       <p:graphicFrame>
         <p:nvGraphicFramePr>
-          <p:cNvPr id="4" name="Table 3"/>
+          <p:cNvPr id="4" name="Table 3">
+            <a:extLst>
+              <a:ext uri="{FF2B5EF4-FFF2-40B4-BE49-F238E27FC236}">
+                <a16:creationId xmlns:a16="http://schemas.microsoft.com/office/drawing/2014/main" id="{7E9D721A-1787-E9D0-69B1-EBA0E551299C}"/>
+              </a:ext>
+            </a:extLst>
+          </p:cNvPr>
           <p:cNvGraphicFramePr>
             <a:graphicFrameLocks noGrp="1"/>
           </p:cNvGraphicFramePr>
-          <p:nvPr>
-            <p:extLst>
-              <p:ext uri="{D42A27DB-BD31-4B8C-83A1-F6EECF244321}">
-                <p14:modId xmlns:p14="http://schemas.microsoft.com/office/powerpoint/2010/main" val="2899930164"/>
-              </p:ext>
-            </p:extLst>
-          </p:nvPr>
+          <p:nvPr/>
         </p:nvGraphicFramePr>
         <p:xfrm>
           <a:off x="0" y="365760"/>
@@ -30299,7 +31195,7 @@
     </p:spTree>
     <p:extLst>
       <p:ext uri="{BB962C8B-B14F-4D97-AF65-F5344CB8AC3E}">
-        <p14:creationId xmlns:p14="http://schemas.microsoft.com/office/powerpoint/2010/main" val="46257259"/>
+        <p14:creationId xmlns:p14="http://schemas.microsoft.com/office/powerpoint/2010/main" val="1858719748"/>
       </p:ext>
     </p:extLst>
   </p:cSld>
